--- a/Complimentary Course Content/Module5/Lessons/Module5_Lesson1 Data Science and Machine Learning Overview.pptx
+++ b/Complimentary Course Content/Module5/Lessons/Module5_Lesson1 Data Science and Machine Learning Overview.pptx
@@ -5,7 +5,7 @@
     <p:sldMasterId id="2147483648" r:id="rId1"/>
   </p:sldMasterIdLst>
   <p:notesMasterIdLst>
-    <p:notesMasterId r:id="rId38"/>
+    <p:notesMasterId r:id="rId37"/>
   </p:notesMasterIdLst>
   <p:sldIdLst>
     <p:sldId id="256" r:id="rId2"/>
@@ -16,34 +16,33 @@
     <p:sldId id="330" r:id="rId7"/>
     <p:sldId id="328" r:id="rId8"/>
     <p:sldId id="347" r:id="rId9"/>
-    <p:sldId id="359" r:id="rId10"/>
-    <p:sldId id="329" r:id="rId11"/>
-    <p:sldId id="332" r:id="rId12"/>
-    <p:sldId id="333" r:id="rId13"/>
-    <p:sldId id="334" r:id="rId14"/>
-    <p:sldId id="348" r:id="rId15"/>
-    <p:sldId id="349" r:id="rId16"/>
-    <p:sldId id="350" r:id="rId17"/>
-    <p:sldId id="351" r:id="rId18"/>
-    <p:sldId id="352" r:id="rId19"/>
-    <p:sldId id="353" r:id="rId20"/>
-    <p:sldId id="354" r:id="rId21"/>
-    <p:sldId id="355" r:id="rId22"/>
-    <p:sldId id="356" r:id="rId23"/>
-    <p:sldId id="357" r:id="rId24"/>
-    <p:sldId id="360" r:id="rId25"/>
-    <p:sldId id="335" r:id="rId26"/>
-    <p:sldId id="337" r:id="rId27"/>
-    <p:sldId id="338" r:id="rId28"/>
-    <p:sldId id="346" r:id="rId29"/>
-    <p:sldId id="336" r:id="rId30"/>
-    <p:sldId id="340" r:id="rId31"/>
-    <p:sldId id="341" r:id="rId32"/>
-    <p:sldId id="342" r:id="rId33"/>
-    <p:sldId id="343" r:id="rId34"/>
-    <p:sldId id="344" r:id="rId35"/>
-    <p:sldId id="358" r:id="rId36"/>
-    <p:sldId id="324" r:id="rId37"/>
+    <p:sldId id="329" r:id="rId10"/>
+    <p:sldId id="332" r:id="rId11"/>
+    <p:sldId id="333" r:id="rId12"/>
+    <p:sldId id="334" r:id="rId13"/>
+    <p:sldId id="348" r:id="rId14"/>
+    <p:sldId id="349" r:id="rId15"/>
+    <p:sldId id="350" r:id="rId16"/>
+    <p:sldId id="351" r:id="rId17"/>
+    <p:sldId id="352" r:id="rId18"/>
+    <p:sldId id="353" r:id="rId19"/>
+    <p:sldId id="354" r:id="rId20"/>
+    <p:sldId id="355" r:id="rId21"/>
+    <p:sldId id="356" r:id="rId22"/>
+    <p:sldId id="357" r:id="rId23"/>
+    <p:sldId id="360" r:id="rId24"/>
+    <p:sldId id="335" r:id="rId25"/>
+    <p:sldId id="337" r:id="rId26"/>
+    <p:sldId id="338" r:id="rId27"/>
+    <p:sldId id="346" r:id="rId28"/>
+    <p:sldId id="336" r:id="rId29"/>
+    <p:sldId id="340" r:id="rId30"/>
+    <p:sldId id="341" r:id="rId31"/>
+    <p:sldId id="342" r:id="rId32"/>
+    <p:sldId id="343" r:id="rId33"/>
+    <p:sldId id="344" r:id="rId34"/>
+    <p:sldId id="358" r:id="rId35"/>
+    <p:sldId id="324" r:id="rId36"/>
   </p:sldIdLst>
   <p:sldSz cx="12192000" cy="6858000"/>
   <p:notesSz cx="6858000" cy="9144000"/>
@@ -144,7 +143,7 @@
   </p:defaultTextStyle>
   <p:extLst>
     <p:ext uri="{EFAFB233-063F-42B5-8137-9DF3F51BA10A}">
-      <p15:sldGuideLst xmlns="" xmlns:p15="http://schemas.microsoft.com/office/powerpoint/2012/main">
+      <p15:sldGuideLst xmlns:p15="http://schemas.microsoft.com/office/powerpoint/2012/main" xmlns="">
         <p15:guide id="1" orient="horz" pos="2160">
           <p15:clr>
             <a:srgbClr val="A4A3A4"/>
@@ -251,7 +250,7 @@
             <a:fld id="{49B60EF2-7028-489F-85D8-FE86CD7CF2A0}" type="datetimeFigureOut">
               <a:rPr lang="en-US" smtClean="0"/>
               <a:pPr/>
-              <a:t>6/28/16</a:t>
+              <a:t>7/7/16</a:t>
             </a:fld>
             <a:endParaRPr lang="en-US"/>
           </a:p>
@@ -648,7 +647,7 @@
           <a:bodyPr/>
           <a:lstStyle/>
           <a:p>
-            <a:pPr marL="0" marR="0" lvl="0" indent="0" algn="l" defTabSz="914400" rtl="0" eaLnBrk="1" fontAlgn="auto" latinLnBrk="0" hangingPunct="1">
+            <a:pPr marL="171450" marR="0" indent="-171450" algn="l" defTabSz="914400" rtl="0" eaLnBrk="1" fontAlgn="auto" latinLnBrk="0" hangingPunct="1">
               <a:lnSpc>
                 <a:spcPct val="100000"/>
               </a:lnSpc>
@@ -660,15 +659,18 @@
               </a:spcAft>
               <a:buClrTx/>
               <a:buSzTx/>
-              <a:buFontTx/>
+              <a:buFont typeface="Arial" panose="020B0604020202020204" pitchFamily="34" charset="0"/>
               <a:buNone/>
               <a:tabLst/>
               <a:defRPr/>
             </a:pPr>
-            <a:endParaRPr lang="en-US" altLang="ko-KR" dirty="0"/>
-          </a:p>
-          <a:p>
-            <a:pPr marL="0" marR="0" lvl="0" indent="0" algn="l" defTabSz="914400" rtl="0" eaLnBrk="1" fontAlgn="auto" latinLnBrk="0" hangingPunct="1">
+            <a:r>
+              <a:rPr lang="en-US" altLang="ko-KR" b="1" dirty="0"/>
+              <a:t>Notes:</a:t>
+            </a:r>
+          </a:p>
+          <a:p>
+            <a:pPr marL="171450" marR="0" indent="-171450" algn="l" defTabSz="914400" rtl="0" eaLnBrk="1" fontAlgn="auto" latinLnBrk="0" hangingPunct="1">
               <a:lnSpc>
                 <a:spcPct val="100000"/>
               </a:lnSpc>
@@ -680,12 +682,157 @@
               </a:spcAft>
               <a:buClrTx/>
               <a:buSzTx/>
-              <a:buFontTx/>
-              <a:buNone/>
+              <a:buFont typeface="Arial" panose="020B0604020202020204" pitchFamily="34" charset="0"/>
+              <a:buChar char="•"/>
               <a:tabLst/>
               <a:defRPr/>
             </a:pPr>
-            <a:endParaRPr lang="en-US" altLang="ko-KR" dirty="0"/>
+            <a:r>
+              <a:rPr lang="en-US" altLang="ko-KR" dirty="0"/>
+              <a:t>A</a:t>
+            </a:r>
+            <a:r>
+              <a:rPr lang="en-US" altLang="ko-KR" baseline="0" dirty="0"/>
+              <a:t> very critical driver to current data science is Big Data and the 3Vs of Big Data</a:t>
+            </a:r>
+          </a:p>
+          <a:p>
+            <a:pPr marL="628650" marR="0" lvl="1" indent="-171450" algn="l" defTabSz="914400" rtl="0" eaLnBrk="1" fontAlgn="auto" latinLnBrk="0" hangingPunct="1">
+              <a:lnSpc>
+                <a:spcPct val="100000"/>
+              </a:lnSpc>
+              <a:spcBef>
+                <a:spcPts val="0"/>
+              </a:spcBef>
+              <a:spcAft>
+                <a:spcPts val="0"/>
+              </a:spcAft>
+              <a:buClrTx/>
+              <a:buSzTx/>
+              <a:buFont typeface="Arial" panose="020B0604020202020204" pitchFamily="34" charset="0"/>
+              <a:buChar char="•"/>
+              <a:tabLst/>
+              <a:defRPr/>
+            </a:pPr>
+            <a:r>
+              <a:rPr lang="en-US" altLang="ko-KR" baseline="0" dirty="0"/>
+              <a:t>Volume</a:t>
+            </a:r>
+          </a:p>
+          <a:p>
+            <a:pPr marL="628650" marR="0" lvl="1" indent="-171450" algn="l" defTabSz="914400" rtl="0" eaLnBrk="1" fontAlgn="auto" latinLnBrk="0" hangingPunct="1">
+              <a:lnSpc>
+                <a:spcPct val="100000"/>
+              </a:lnSpc>
+              <a:spcBef>
+                <a:spcPts val="0"/>
+              </a:spcBef>
+              <a:spcAft>
+                <a:spcPts val="0"/>
+              </a:spcAft>
+              <a:buClrTx/>
+              <a:buSzTx/>
+              <a:buFont typeface="Arial" panose="020B0604020202020204" pitchFamily="34" charset="0"/>
+              <a:buChar char="•"/>
+              <a:tabLst/>
+              <a:defRPr/>
+            </a:pPr>
+            <a:r>
+              <a:rPr lang="en-US" altLang="ko-KR" baseline="0" dirty="0"/>
+              <a:t>Variety</a:t>
+            </a:r>
+          </a:p>
+          <a:p>
+            <a:pPr marL="628650" marR="0" lvl="1" indent="-171450" algn="l" defTabSz="914400" rtl="0" eaLnBrk="1" fontAlgn="auto" latinLnBrk="0" hangingPunct="1">
+              <a:lnSpc>
+                <a:spcPct val="100000"/>
+              </a:lnSpc>
+              <a:spcBef>
+                <a:spcPts val="0"/>
+              </a:spcBef>
+              <a:spcAft>
+                <a:spcPts val="0"/>
+              </a:spcAft>
+              <a:buClrTx/>
+              <a:buSzTx/>
+              <a:buFont typeface="Arial" panose="020B0604020202020204" pitchFamily="34" charset="0"/>
+              <a:buChar char="•"/>
+              <a:tabLst/>
+              <a:defRPr/>
+            </a:pPr>
+            <a:r>
+              <a:rPr lang="en-US" altLang="ko-KR" baseline="0" dirty="0"/>
+              <a:t>Velocity</a:t>
+            </a:r>
+          </a:p>
+          <a:p>
+            <a:pPr marL="171450" marR="0" lvl="0" indent="-171450" algn="l" defTabSz="914400" rtl="0" eaLnBrk="1" fontAlgn="auto" latinLnBrk="0" hangingPunct="1">
+              <a:lnSpc>
+                <a:spcPct val="100000"/>
+              </a:lnSpc>
+              <a:spcBef>
+                <a:spcPts val="0"/>
+              </a:spcBef>
+              <a:spcAft>
+                <a:spcPts val="0"/>
+              </a:spcAft>
+              <a:buClrTx/>
+              <a:buSzTx/>
+              <a:buFont typeface="Arial" panose="020B0604020202020204" pitchFamily="34" charset="0"/>
+              <a:buChar char="•"/>
+              <a:tabLst/>
+              <a:defRPr/>
+            </a:pPr>
+            <a:r>
+              <a:rPr lang="en-US" altLang="ko-KR" baseline="0" dirty="0"/>
+              <a:t>In a database, each data point is very valuable.  </a:t>
+            </a:r>
+          </a:p>
+          <a:p>
+            <a:pPr marL="171450" marR="0" lvl="0" indent="-171450" algn="l" defTabSz="914400" rtl="0" eaLnBrk="1" fontAlgn="auto" latinLnBrk="0" hangingPunct="1">
+              <a:lnSpc>
+                <a:spcPct val="100000"/>
+              </a:lnSpc>
+              <a:spcBef>
+                <a:spcPts val="0"/>
+              </a:spcBef>
+              <a:spcAft>
+                <a:spcPts val="0"/>
+              </a:spcAft>
+              <a:buClrTx/>
+              <a:buSzTx/>
+              <a:buFont typeface="Arial" panose="020B0604020202020204" pitchFamily="34" charset="0"/>
+              <a:buChar char="•"/>
+              <a:tabLst/>
+              <a:defRPr/>
+            </a:pPr>
+            <a:r>
+              <a:rPr lang="en-US" altLang="ko-KR" baseline="0" dirty="0"/>
+              <a:t>In data science, however, massive amounts of data are analyzed.  </a:t>
+            </a:r>
+          </a:p>
+          <a:p>
+            <a:pPr marL="171450" marR="0" lvl="0" indent="-171450" algn="l" defTabSz="914400" rtl="0" eaLnBrk="1" fontAlgn="auto" latinLnBrk="0" hangingPunct="1">
+              <a:lnSpc>
+                <a:spcPct val="100000"/>
+              </a:lnSpc>
+              <a:spcBef>
+                <a:spcPts val="0"/>
+              </a:spcBef>
+              <a:spcAft>
+                <a:spcPts val="0"/>
+              </a:spcAft>
+              <a:buClrTx/>
+              <a:buSzTx/>
+              <a:buFont typeface="Arial" panose="020B0604020202020204" pitchFamily="34" charset="0"/>
+              <a:buChar char="•"/>
+              <a:tabLst/>
+              <a:defRPr/>
+            </a:pPr>
+            <a:r>
+              <a:rPr lang="en-US" altLang="ko-KR" baseline="0" dirty="0"/>
+              <a:t>Inevitably, there will be missing data and outright, incorrect data.</a:t>
+            </a:r>
           </a:p>
         </p:txBody>
       </p:sp>
@@ -716,7 +863,7 @@
     </p:spTree>
     <p:extLst>
       <p:ext uri="{BB962C8B-B14F-4D97-AF65-F5344CB8AC3E}">
-        <p14:creationId xmlns:p14="http://schemas.microsoft.com/office/powerpoint/2010/main" val="1310444925"/>
+        <p14:creationId xmlns:p14="http://schemas.microsoft.com/office/powerpoint/2010/main" val="2715270808"/>
       </p:ext>
     </p:extLst>
   </p:cSld>
@@ -770,7 +917,7 @@
           <a:bodyPr/>
           <a:lstStyle/>
           <a:p>
-            <a:pPr marL="171450" marR="0" indent="-171450" algn="l" defTabSz="914400" rtl="0" eaLnBrk="1" fontAlgn="auto" latinLnBrk="0" hangingPunct="1">
+            <a:pPr marL="0" marR="0" lvl="0" indent="0" algn="l" defTabSz="914400" rtl="0" eaLnBrk="1" fontAlgn="auto" latinLnBrk="0" hangingPunct="1">
               <a:lnSpc>
                 <a:spcPct val="100000"/>
               </a:lnSpc>
@@ -782,7 +929,7 @@
               </a:spcAft>
               <a:buClrTx/>
               <a:buSzTx/>
-              <a:buFont typeface="Arial" panose="020B0604020202020204" pitchFamily="34" charset="0"/>
+              <a:buFontTx/>
               <a:buNone/>
               <a:tabLst/>
               <a:defRPr/>
@@ -791,9 +938,10 @@
               <a:rPr lang="en-US" altLang="ko-KR" b="1" dirty="0"/>
               <a:t>Notes:</a:t>
             </a:r>
-          </a:p>
-          <a:p>
-            <a:pPr marL="171450" marR="0" indent="-171450" algn="l" defTabSz="914400" rtl="0" eaLnBrk="1" fontAlgn="auto" latinLnBrk="0" hangingPunct="1">
+            <a:endParaRPr lang="en-US" altLang="ko-KR" b="0" dirty="0"/>
+          </a:p>
+          <a:p>
+            <a:pPr marL="0" marR="0" lvl="0" indent="0" algn="l" defTabSz="914400" rtl="0" eaLnBrk="1" fontAlgn="auto" latinLnBrk="0" hangingPunct="1">
               <a:lnSpc>
                 <a:spcPct val="100000"/>
               </a:lnSpc>
@@ -805,22 +953,18 @@
               </a:spcAft>
               <a:buClrTx/>
               <a:buSzTx/>
-              <a:buFont typeface="Arial" panose="020B0604020202020204" pitchFamily="34" charset="0"/>
+              <a:buFont typeface="Arial" pitchFamily="34" charset="0"/>
               <a:buChar char="•"/>
               <a:tabLst/>
               <a:defRPr/>
             </a:pPr>
             <a:r>
-              <a:rPr lang="en-US" altLang="ko-KR" dirty="0"/>
-              <a:t>A</a:t>
-            </a:r>
-            <a:r>
-              <a:rPr lang="en-US" altLang="ko-KR" baseline="0" dirty="0"/>
-              <a:t> very critical driver to current data science is Big Data and the 3Vs of Big Data</a:t>
-            </a:r>
-          </a:p>
-          <a:p>
-            <a:pPr marL="628650" marR="0" lvl="1" indent="-171450" algn="l" defTabSz="914400" rtl="0" eaLnBrk="1" fontAlgn="auto" latinLnBrk="0" hangingPunct="1">
+              <a:rPr lang="en-US" altLang="ko-KR" b="0" baseline="0" dirty="0"/>
+              <a:t> Data-type constraints ask if data fits the correct data type.</a:t>
+            </a:r>
+          </a:p>
+          <a:p>
+            <a:pPr marL="0" marR="0" lvl="0" indent="0" algn="l" defTabSz="914400" rtl="0" eaLnBrk="1" fontAlgn="auto" latinLnBrk="0" hangingPunct="1">
               <a:lnSpc>
                 <a:spcPct val="100000"/>
               </a:lnSpc>
@@ -832,18 +976,18 @@
               </a:spcAft>
               <a:buClrTx/>
               <a:buSzTx/>
-              <a:buFont typeface="Arial" panose="020B0604020202020204" pitchFamily="34" charset="0"/>
+              <a:buFont typeface="Arial" pitchFamily="34" charset="0"/>
               <a:buChar char="•"/>
               <a:tabLst/>
               <a:defRPr/>
             </a:pPr>
             <a:r>
-              <a:rPr lang="en-US" altLang="ko-KR" baseline="0" dirty="0"/>
-              <a:t>Volume</a:t>
-            </a:r>
-          </a:p>
-          <a:p>
-            <a:pPr marL="628650" marR="0" lvl="1" indent="-171450" algn="l" defTabSz="914400" rtl="0" eaLnBrk="1" fontAlgn="auto" latinLnBrk="0" hangingPunct="1">
+              <a:rPr lang="en-US" altLang="ko-KR" b="0" baseline="0" dirty="0"/>
+              <a:t> Range constraints check to see if the data fit the appropriate range.</a:t>
+            </a:r>
+          </a:p>
+          <a:p>
+            <a:pPr marL="0" marR="0" lvl="0" indent="0" algn="l" defTabSz="914400" rtl="0" eaLnBrk="1" fontAlgn="auto" latinLnBrk="0" hangingPunct="1">
               <a:lnSpc>
                 <a:spcPct val="100000"/>
               </a:lnSpc>
@@ -855,18 +999,18 @@
               </a:spcAft>
               <a:buClrTx/>
               <a:buSzTx/>
-              <a:buFont typeface="Arial" panose="020B0604020202020204" pitchFamily="34" charset="0"/>
+              <a:buFont typeface="Arial" pitchFamily="34" charset="0"/>
               <a:buChar char="•"/>
               <a:tabLst/>
               <a:defRPr/>
             </a:pPr>
             <a:r>
-              <a:rPr lang="en-US" altLang="ko-KR" baseline="0" dirty="0"/>
-              <a:t>Variety</a:t>
-            </a:r>
-          </a:p>
-          <a:p>
-            <a:pPr marL="628650" marR="0" lvl="1" indent="-171450" algn="l" defTabSz="914400" rtl="0" eaLnBrk="1" fontAlgn="auto" latinLnBrk="0" hangingPunct="1">
+              <a:rPr lang="en-US" altLang="ko-KR" b="0" baseline="0" dirty="0"/>
+              <a:t> Non-null constraints ensure that fields that cannot be null include data.</a:t>
+            </a:r>
+          </a:p>
+          <a:p>
+            <a:pPr marL="0" marR="0" lvl="0" indent="0" algn="l" defTabSz="914400" rtl="0" eaLnBrk="1" fontAlgn="auto" latinLnBrk="0" hangingPunct="1">
               <a:lnSpc>
                 <a:spcPct val="100000"/>
               </a:lnSpc>
@@ -878,14 +1022,85 @@
               </a:spcAft>
               <a:buClrTx/>
               <a:buSzTx/>
-              <a:buFont typeface="Arial" panose="020B0604020202020204" pitchFamily="34" charset="0"/>
+              <a:buFont typeface="Arial" pitchFamily="34" charset="0"/>
               <a:buChar char="•"/>
               <a:tabLst/>
               <a:defRPr/>
             </a:pPr>
             <a:r>
-              <a:rPr lang="en-US" altLang="ko-KR" baseline="0" dirty="0"/>
-              <a:t>Velocity</a:t>
+              <a:rPr lang="en-US" altLang="ko-KR" b="0" baseline="0" dirty="0"/>
+              <a:t> Some fields, such as primary keys, must be unique in the set.</a:t>
+            </a:r>
+          </a:p>
+          <a:p>
+            <a:pPr marL="0" marR="0" lvl="0" indent="0" algn="l" defTabSz="914400" rtl="0" eaLnBrk="1" fontAlgn="auto" latinLnBrk="0" hangingPunct="1">
+              <a:lnSpc>
+                <a:spcPct val="100000"/>
+              </a:lnSpc>
+              <a:spcBef>
+                <a:spcPts val="0"/>
+              </a:spcBef>
+              <a:spcAft>
+                <a:spcPts val="0"/>
+              </a:spcAft>
+              <a:buClrTx/>
+              <a:buSzTx/>
+              <a:buFont typeface="Arial" pitchFamily="34" charset="0"/>
+              <a:buChar char="•"/>
+              <a:tabLst/>
+              <a:defRPr/>
+            </a:pPr>
+            <a:r>
+              <a:rPr lang="en-US" altLang="ko-KR" b="0" baseline="0" dirty="0"/>
+              <a:t> Set member constraints ensure that only specific sets of choices are made available (i.e., Yes, No, N/A).</a:t>
+            </a:r>
+            <a:endParaRPr lang="en-US" altLang="ko-KR" b="1" dirty="0"/>
+          </a:p>
+          <a:p>
+            <a:pPr marL="0" marR="0" lvl="0" indent="0" algn="l" defTabSz="914400" rtl="0" eaLnBrk="1" fontAlgn="auto" latinLnBrk="0" hangingPunct="1">
+              <a:lnSpc>
+                <a:spcPct val="100000"/>
+              </a:lnSpc>
+              <a:spcBef>
+                <a:spcPts val="0"/>
+              </a:spcBef>
+              <a:spcAft>
+                <a:spcPts val="0"/>
+              </a:spcAft>
+              <a:buClrTx/>
+              <a:buSzTx/>
+              <a:buFontTx/>
+              <a:buNone/>
+              <a:tabLst/>
+              <a:defRPr/>
+            </a:pPr>
+            <a:endParaRPr lang="en-US" altLang="ko-KR" b="1" dirty="0"/>
+          </a:p>
+          <a:p>
+            <a:pPr marL="0" marR="0" lvl="0" indent="0" algn="l" defTabSz="914400" rtl="0" eaLnBrk="1" fontAlgn="auto" latinLnBrk="0" hangingPunct="1">
+              <a:lnSpc>
+                <a:spcPct val="100000"/>
+              </a:lnSpc>
+              <a:spcBef>
+                <a:spcPts val="0"/>
+              </a:spcBef>
+              <a:spcAft>
+                <a:spcPts val="0"/>
+              </a:spcAft>
+              <a:buClrTx/>
+              <a:buSzTx/>
+              <a:buFontTx/>
+              <a:buNone/>
+              <a:tabLst/>
+              <a:defRPr/>
+            </a:pPr>
+            <a:r>
+              <a:rPr lang="en-US" altLang="ko-KR" b="1" dirty="0"/>
+              <a:t>References</a:t>
+            </a:r>
+            <a:r>
+              <a:rPr lang="en-US" altLang="ko-KR" dirty="0"/>
+              <a:t>: </a:t>
             </a:r>
           </a:p>
           <a:p>
@@ -901,60 +1116,14 @@
               </a:spcAft>
               <a:buClrTx/>
               <a:buSzTx/>
-              <a:buFont typeface="Arial" panose="020B0604020202020204" pitchFamily="34" charset="0"/>
+              <a:buFont typeface="Arial"/>
               <a:buChar char="•"/>
               <a:tabLst/>
               <a:defRPr/>
             </a:pPr>
             <a:r>
-              <a:rPr lang="en-US" altLang="ko-KR" baseline="0" dirty="0"/>
-              <a:t>In a database, each data point is very valuable.  </a:t>
-            </a:r>
-          </a:p>
-          <a:p>
-            <a:pPr marL="171450" marR="0" lvl="0" indent="-171450" algn="l" defTabSz="914400" rtl="0" eaLnBrk="1" fontAlgn="auto" latinLnBrk="0" hangingPunct="1">
-              <a:lnSpc>
-                <a:spcPct val="100000"/>
-              </a:lnSpc>
-              <a:spcBef>
-                <a:spcPts val="0"/>
-              </a:spcBef>
-              <a:spcAft>
-                <a:spcPts val="0"/>
-              </a:spcAft>
-              <a:buClrTx/>
-              <a:buSzTx/>
-              <a:buFont typeface="Arial" panose="020B0604020202020204" pitchFamily="34" charset="0"/>
-              <a:buChar char="•"/>
-              <a:tabLst/>
-              <a:defRPr/>
-            </a:pPr>
-            <a:r>
-              <a:rPr lang="en-US" altLang="ko-KR" baseline="0" dirty="0"/>
-              <a:t>In data science, however, massive amounts of data are analyzed.  </a:t>
-            </a:r>
-          </a:p>
-          <a:p>
-            <a:pPr marL="171450" marR="0" lvl="0" indent="-171450" algn="l" defTabSz="914400" rtl="0" eaLnBrk="1" fontAlgn="auto" latinLnBrk="0" hangingPunct="1">
-              <a:lnSpc>
-                <a:spcPct val="100000"/>
-              </a:lnSpc>
-              <a:spcBef>
-                <a:spcPts val="0"/>
-              </a:spcBef>
-              <a:spcAft>
-                <a:spcPts val="0"/>
-              </a:spcAft>
-              <a:buClrTx/>
-              <a:buSzTx/>
-              <a:buFont typeface="Arial" panose="020B0604020202020204" pitchFamily="34" charset="0"/>
-              <a:buChar char="•"/>
-              <a:tabLst/>
-              <a:defRPr/>
-            </a:pPr>
-            <a:r>
-              <a:rPr lang="en-US" altLang="ko-KR" baseline="0" dirty="0"/>
-              <a:t>Inevitably, there will be missing data and outright, incorrect data.</a:t>
+              <a:rPr lang="en-US" altLang="ko-KR" dirty="0"/>
+              <a:t>https://en.wikipedia.org/wiki/Data_cleansing</a:t>
             </a:r>
           </a:p>
         </p:txBody>
@@ -986,7 +1155,7 @@
     </p:spTree>
     <p:extLst>
       <p:ext uri="{BB962C8B-B14F-4D97-AF65-F5344CB8AC3E}">
-        <p14:creationId xmlns:p14="http://schemas.microsoft.com/office/powerpoint/2010/main" val="2715270808"/>
+        <p14:creationId xmlns:p14="http://schemas.microsoft.com/office/powerpoint/2010/main" val="3828648230"/>
       </p:ext>
     </p:extLst>
   </p:cSld>
@@ -1052,16 +1221,46 @@
               </a:spcAft>
               <a:buClrTx/>
               <a:buSzTx/>
-              <a:buFontTx/>
+              <a:buFont typeface="Arial" panose="020B0604020202020204" pitchFamily="34" charset="0"/>
               <a:buNone/>
               <a:tabLst/>
               <a:defRPr/>
             </a:pPr>
             <a:r>
-              <a:rPr lang="en-US" altLang="ko-KR" b="1" dirty="0"/>
+              <a:rPr lang="en-US" altLang="ko-KR" b="1" dirty="0" smtClean="0"/>
               <a:t>Notes:</a:t>
             </a:r>
-            <a:endParaRPr lang="en-US" altLang="ko-KR" b="0" dirty="0"/>
+          </a:p>
+          <a:p>
+            <a:pPr marL="171450" marR="0" lvl="0" indent="-171450" algn="l" defTabSz="914400" rtl="0" eaLnBrk="1" fontAlgn="auto" latinLnBrk="0" hangingPunct="1">
+              <a:lnSpc>
+                <a:spcPct val="100000"/>
+              </a:lnSpc>
+              <a:spcBef>
+                <a:spcPts val="0"/>
+              </a:spcBef>
+              <a:spcAft>
+                <a:spcPts val="0"/>
+              </a:spcAft>
+              <a:buClrTx/>
+              <a:buSzTx/>
+              <a:buFont typeface="Arial" panose="020B0604020202020204" pitchFamily="34" charset="0"/>
+              <a:buChar char="•"/>
+              <a:tabLst/>
+              <a:defRPr/>
+            </a:pPr>
+            <a:r>
+              <a:rPr lang="en-US" altLang="ko-KR" dirty="0" smtClean="0"/>
+              <a:t>When </a:t>
+            </a:r>
+            <a:r>
+              <a:rPr lang="en-US" altLang="ko-KR" dirty="0"/>
+              <a:t>datasets come from multiple sources or possibly from semi-structured</a:t>
+            </a:r>
+            <a:r>
+              <a:rPr lang="en-US" altLang="ko-KR" baseline="0" dirty="0"/>
+              <a:t> or even unstructured sources, you may have issues with matching the relationship between the datasets as would be possible in a relational database with a primary and foreign key match up</a:t>
+            </a:r>
           </a:p>
           <a:p>
             <a:pPr marL="0" marR="0" lvl="0" indent="0" algn="l" defTabSz="914400" rtl="0" eaLnBrk="1" fontAlgn="auto" latinLnBrk="0" hangingPunct="1">
@@ -1076,178 +1275,12 @@
               </a:spcAft>
               <a:buClrTx/>
               <a:buSzTx/>
-              <a:buFont typeface="Arial" pitchFamily="34" charset="0"/>
-              <a:buChar char="•"/>
-              <a:tabLst/>
-              <a:defRPr/>
-            </a:pPr>
-            <a:r>
-              <a:rPr lang="en-US" altLang="ko-KR" b="0" baseline="0" dirty="0"/>
-              <a:t> Data-type constraints ask if data fits the correct data type.</a:t>
-            </a:r>
-          </a:p>
-          <a:p>
-            <a:pPr marL="0" marR="0" lvl="0" indent="0" algn="l" defTabSz="914400" rtl="0" eaLnBrk="1" fontAlgn="auto" latinLnBrk="0" hangingPunct="1">
-              <a:lnSpc>
-                <a:spcPct val="100000"/>
-              </a:lnSpc>
-              <a:spcBef>
-                <a:spcPts val="0"/>
-              </a:spcBef>
-              <a:spcAft>
-                <a:spcPts val="0"/>
-              </a:spcAft>
-              <a:buClrTx/>
-              <a:buSzTx/>
-              <a:buFont typeface="Arial" pitchFamily="34" charset="0"/>
-              <a:buChar char="•"/>
-              <a:tabLst/>
-              <a:defRPr/>
-            </a:pPr>
-            <a:r>
-              <a:rPr lang="en-US" altLang="ko-KR" b="0" baseline="0" dirty="0"/>
-              <a:t> Range constraints check to see if the data fit the appropriate range.</a:t>
-            </a:r>
-          </a:p>
-          <a:p>
-            <a:pPr marL="0" marR="0" lvl="0" indent="0" algn="l" defTabSz="914400" rtl="0" eaLnBrk="1" fontAlgn="auto" latinLnBrk="0" hangingPunct="1">
-              <a:lnSpc>
-                <a:spcPct val="100000"/>
-              </a:lnSpc>
-              <a:spcBef>
-                <a:spcPts val="0"/>
-              </a:spcBef>
-              <a:spcAft>
-                <a:spcPts val="0"/>
-              </a:spcAft>
-              <a:buClrTx/>
-              <a:buSzTx/>
-              <a:buFont typeface="Arial" pitchFamily="34" charset="0"/>
-              <a:buChar char="•"/>
-              <a:tabLst/>
-              <a:defRPr/>
-            </a:pPr>
-            <a:r>
-              <a:rPr lang="en-US" altLang="ko-KR" b="0" baseline="0" dirty="0"/>
-              <a:t> Non-null constraints ensure that fields that cannot be null include data.</a:t>
-            </a:r>
-          </a:p>
-          <a:p>
-            <a:pPr marL="0" marR="0" lvl="0" indent="0" algn="l" defTabSz="914400" rtl="0" eaLnBrk="1" fontAlgn="auto" latinLnBrk="0" hangingPunct="1">
-              <a:lnSpc>
-                <a:spcPct val="100000"/>
-              </a:lnSpc>
-              <a:spcBef>
-                <a:spcPts val="0"/>
-              </a:spcBef>
-              <a:spcAft>
-                <a:spcPts val="0"/>
-              </a:spcAft>
-              <a:buClrTx/>
-              <a:buSzTx/>
-              <a:buFont typeface="Arial" pitchFamily="34" charset="0"/>
-              <a:buChar char="•"/>
-              <a:tabLst/>
-              <a:defRPr/>
-            </a:pPr>
-            <a:r>
-              <a:rPr lang="en-US" altLang="ko-KR" b="0" baseline="0" dirty="0"/>
-              <a:t> Some fields, such as primary keys, must be unique in the set.</a:t>
-            </a:r>
-          </a:p>
-          <a:p>
-            <a:pPr marL="0" marR="0" lvl="0" indent="0" algn="l" defTabSz="914400" rtl="0" eaLnBrk="1" fontAlgn="auto" latinLnBrk="0" hangingPunct="1">
-              <a:lnSpc>
-                <a:spcPct val="100000"/>
-              </a:lnSpc>
-              <a:spcBef>
-                <a:spcPts val="0"/>
-              </a:spcBef>
-              <a:spcAft>
-                <a:spcPts val="0"/>
-              </a:spcAft>
-              <a:buClrTx/>
-              <a:buSzTx/>
-              <a:buFont typeface="Arial" pitchFamily="34" charset="0"/>
-              <a:buChar char="•"/>
-              <a:tabLst/>
-              <a:defRPr/>
-            </a:pPr>
-            <a:r>
-              <a:rPr lang="en-US" altLang="ko-KR" b="0" baseline="0" dirty="0"/>
-              <a:t> Set member constraints ensure that only specific sets of choices are made available (i.e., Yes, No, N/A).</a:t>
-            </a:r>
-            <a:endParaRPr lang="en-US" altLang="ko-KR" b="1" dirty="0"/>
-          </a:p>
-          <a:p>
-            <a:pPr marL="0" marR="0" lvl="0" indent="0" algn="l" defTabSz="914400" rtl="0" eaLnBrk="1" fontAlgn="auto" latinLnBrk="0" hangingPunct="1">
-              <a:lnSpc>
-                <a:spcPct val="100000"/>
-              </a:lnSpc>
-              <a:spcBef>
-                <a:spcPts val="0"/>
-              </a:spcBef>
-              <a:spcAft>
-                <a:spcPts val="0"/>
-              </a:spcAft>
-              <a:buClrTx/>
-              <a:buSzTx/>
-              <a:buFontTx/>
+              <a:buFont typeface="Arial" panose="020B0604020202020204" pitchFamily="34" charset="0"/>
               <a:buNone/>
               <a:tabLst/>
               <a:defRPr/>
             </a:pPr>
-            <a:endParaRPr lang="en-US" altLang="ko-KR" b="1" dirty="0"/>
-          </a:p>
-          <a:p>
-            <a:pPr marL="0" marR="0" lvl="0" indent="0" algn="l" defTabSz="914400" rtl="0" eaLnBrk="1" fontAlgn="auto" latinLnBrk="0" hangingPunct="1">
-              <a:lnSpc>
-                <a:spcPct val="100000"/>
-              </a:lnSpc>
-              <a:spcBef>
-                <a:spcPts val="0"/>
-              </a:spcBef>
-              <a:spcAft>
-                <a:spcPts val="0"/>
-              </a:spcAft>
-              <a:buClrTx/>
-              <a:buSzTx/>
-              <a:buFontTx/>
-              <a:buNone/>
-              <a:tabLst/>
-              <a:defRPr/>
-            </a:pPr>
-            <a:r>
-              <a:rPr lang="en-US" altLang="ko-KR" b="1" dirty="0"/>
-              <a:t>References</a:t>
-            </a:r>
-            <a:r>
-              <a:rPr lang="en-US" altLang="ko-KR" dirty="0"/>
-              <a:t>: </a:t>
-            </a:r>
-          </a:p>
-          <a:p>
-            <a:pPr marL="171450" marR="0" lvl="0" indent="-171450" algn="l" defTabSz="914400" rtl="0" eaLnBrk="1" fontAlgn="auto" latinLnBrk="0" hangingPunct="1">
-              <a:lnSpc>
-                <a:spcPct val="100000"/>
-              </a:lnSpc>
-              <a:spcBef>
-                <a:spcPts val="0"/>
-              </a:spcBef>
-              <a:spcAft>
-                <a:spcPts val="0"/>
-              </a:spcAft>
-              <a:buClrTx/>
-              <a:buSzTx/>
-              <a:buFont typeface="Arial"/>
-              <a:buChar char="•"/>
-              <a:tabLst/>
-              <a:defRPr/>
-            </a:pPr>
-            <a:r>
-              <a:rPr lang="en-US" altLang="ko-KR" dirty="0"/>
-              <a:t>https://en.wikipedia.org/wiki/Data_cleansing</a:t>
-            </a:r>
+            <a:endParaRPr lang="en-US" altLang="ko-KR" dirty="0"/>
           </a:p>
         </p:txBody>
       </p:sp>
@@ -1278,7 +1311,7 @@
     </p:spTree>
     <p:extLst>
       <p:ext uri="{BB962C8B-B14F-4D97-AF65-F5344CB8AC3E}">
-        <p14:creationId xmlns:p14="http://schemas.microsoft.com/office/powerpoint/2010/main" val="3828648230"/>
+        <p14:creationId xmlns:p14="http://schemas.microsoft.com/office/powerpoint/2010/main" val="2399871330"/>
       </p:ext>
     </p:extLst>
   </p:cSld>
@@ -1344,46 +1377,16 @@
               </a:spcAft>
               <a:buClrTx/>
               <a:buSzTx/>
-              <a:buFont typeface="Arial" panose="020B0604020202020204" pitchFamily="34" charset="0"/>
+              <a:buFontTx/>
               <a:buNone/>
               <a:tabLst/>
               <a:defRPr/>
             </a:pPr>
             <a:r>
-              <a:rPr lang="en-US" altLang="ko-KR" b="1" dirty="0" smtClean="0"/>
+              <a:rPr lang="en-US" altLang="ko-KR" b="1" dirty="0"/>
               <a:t>Notes:</a:t>
             </a:r>
-          </a:p>
-          <a:p>
-            <a:pPr marL="171450" marR="0" lvl="0" indent="-171450" algn="l" defTabSz="914400" rtl="0" eaLnBrk="1" fontAlgn="auto" latinLnBrk="0" hangingPunct="1">
-              <a:lnSpc>
-                <a:spcPct val="100000"/>
-              </a:lnSpc>
-              <a:spcBef>
-                <a:spcPts val="0"/>
-              </a:spcBef>
-              <a:spcAft>
-                <a:spcPts val="0"/>
-              </a:spcAft>
-              <a:buClrTx/>
-              <a:buSzTx/>
-              <a:buFont typeface="Arial" panose="020B0604020202020204" pitchFamily="34" charset="0"/>
-              <a:buChar char="•"/>
-              <a:tabLst/>
-              <a:defRPr/>
-            </a:pPr>
-            <a:r>
-              <a:rPr lang="en-US" altLang="ko-KR" dirty="0" smtClean="0"/>
-              <a:t>When </a:t>
-            </a:r>
-            <a:r>
-              <a:rPr lang="en-US" altLang="ko-KR" dirty="0"/>
-              <a:t>datasets come from multiple sources or possibly from semi-structured</a:t>
-            </a:r>
-            <a:r>
-              <a:rPr lang="en-US" altLang="ko-KR" baseline="0" dirty="0"/>
-              <a:t> or even unstructured sources, you may have issues with matching the relationship between the datasets as would be possible in a relational database with a primary and foreign key match up</a:t>
-            </a:r>
+            <a:endParaRPr lang="en-US" altLang="ko-KR" b="0" dirty="0"/>
           </a:p>
           <a:p>
             <a:pPr marL="0" marR="0" lvl="0" indent="0" algn="l" defTabSz="914400" rtl="0" eaLnBrk="1" fontAlgn="auto" latinLnBrk="0" hangingPunct="1">
@@ -1398,12 +1401,97 @@
               </a:spcAft>
               <a:buClrTx/>
               <a:buSzTx/>
-              <a:buFont typeface="Arial" panose="020B0604020202020204" pitchFamily="34" charset="0"/>
+              <a:buFont typeface="Arial" pitchFamily="34" charset="0"/>
+              <a:buChar char="•"/>
+              <a:tabLst/>
+              <a:defRPr/>
+            </a:pPr>
+            <a:r>
+              <a:rPr lang="en-US" dirty="0"/>
+              <a:t>The sheer volume of data being generated is reaching </a:t>
+            </a:r>
+            <a:r>
+              <a:rPr lang="en-US" dirty="0" err="1"/>
+              <a:t>petabyte</a:t>
+            </a:r>
+            <a:r>
+              <a:rPr lang="en-US" dirty="0"/>
+              <a:t> levels in some cases.</a:t>
+            </a:r>
+          </a:p>
+          <a:p>
+            <a:pPr marL="0" marR="0" lvl="0" indent="0" algn="l" defTabSz="914400" rtl="0" eaLnBrk="1" fontAlgn="auto" latinLnBrk="0" hangingPunct="1">
+              <a:lnSpc>
+                <a:spcPct val="100000"/>
+              </a:lnSpc>
+              <a:spcBef>
+                <a:spcPts val="0"/>
+              </a:spcBef>
+              <a:spcAft>
+                <a:spcPts val="0"/>
+              </a:spcAft>
+              <a:buClrTx/>
+              <a:buSzTx/>
+              <a:buFont typeface="Arial" pitchFamily="34" charset="0"/>
+              <a:buChar char="•"/>
+              <a:tabLst/>
+              <a:defRPr/>
+            </a:pPr>
+            <a:r>
+              <a:rPr lang="en-US" dirty="0"/>
+              <a:t>This accumulation is not slowing down but rather speeding up.</a:t>
+            </a:r>
+          </a:p>
+          <a:p>
+            <a:pPr marL="0" marR="0" lvl="0" indent="0" algn="l" defTabSz="914400" rtl="0" eaLnBrk="1" fontAlgn="auto" latinLnBrk="0" hangingPunct="1">
+              <a:lnSpc>
+                <a:spcPct val="100000"/>
+              </a:lnSpc>
+              <a:spcBef>
+                <a:spcPts val="0"/>
+              </a:spcBef>
+              <a:spcAft>
+                <a:spcPts val="0"/>
+              </a:spcAft>
+              <a:buClrTx/>
+              <a:buSzTx/>
+              <a:buFont typeface="Arial" pitchFamily="34" charset="0"/>
+              <a:buChar char="•"/>
+              <a:tabLst/>
+              <a:defRPr/>
+            </a:pPr>
+            <a:r>
+              <a:rPr lang="en-US" dirty="0"/>
+              <a:t>There is a growing number of data sources including the web, mobile, and sensor data (</a:t>
+            </a:r>
+            <a:r>
+              <a:rPr lang="en-US" dirty="0" err="1"/>
+              <a:t>IoT</a:t>
+            </a:r>
+            <a:r>
+              <a:rPr lang="en-US" dirty="0"/>
+              <a:t>).</a:t>
+            </a:r>
+          </a:p>
+          <a:p>
+            <a:pPr marL="0" marR="0" lvl="0" indent="0" algn="l" defTabSz="914400" rtl="0" eaLnBrk="1" fontAlgn="auto" latinLnBrk="0" hangingPunct="1">
+              <a:lnSpc>
+                <a:spcPct val="100000"/>
+              </a:lnSpc>
+              <a:spcBef>
+                <a:spcPts val="0"/>
+              </a:spcBef>
+              <a:spcAft>
+                <a:spcPts val="0"/>
+              </a:spcAft>
+              <a:buClrTx/>
+              <a:buSzTx/>
+              <a:buFontTx/>
               <a:buNone/>
               <a:tabLst/>
               <a:defRPr/>
             </a:pPr>
-            <a:endParaRPr lang="en-US" altLang="ko-KR" dirty="0"/>
+            <a:endParaRPr lang="en-US" altLang="ko-KR" b="1" dirty="0"/>
           </a:p>
         </p:txBody>
       </p:sp>
@@ -1425,7 +1513,7 @@
             <a:fld id="{01283FAC-A721-45A3-BBDE-EAF2B09B7CD9}" type="slidenum">
               <a:rPr lang="en-US" smtClean="0"/>
               <a:pPr/>
-              <a:t>13</a:t>
+              <a:t>14</a:t>
             </a:fld>
             <a:endParaRPr lang="en-US"/>
           </a:p>
@@ -1434,7 +1522,7 @@
     </p:spTree>
     <p:extLst>
       <p:ext uri="{BB962C8B-B14F-4D97-AF65-F5344CB8AC3E}">
-        <p14:creationId xmlns:p14="http://schemas.microsoft.com/office/powerpoint/2010/main" val="2399871330"/>
+        <p14:creationId xmlns:p14="http://schemas.microsoft.com/office/powerpoint/2010/main" val="2597588080"/>
       </p:ext>
     </p:extLst>
   </p:cSld>
@@ -1530,16 +1618,12 @@
               <a:defRPr/>
             </a:pPr>
             <a:r>
+              <a:rPr lang="en-US" altLang="ko-KR" b="0" dirty="0"/>
+              <a:t> </a:t>
+            </a:r>
+            <a:r>
               <a:rPr lang="en-US" dirty="0"/>
-              <a:t>The sheer volume of data being generated is reaching </a:t>
-            </a:r>
-            <a:r>
-              <a:rPr lang="en-US" dirty="0" err="1"/>
-              <a:t>petabyte</a:t>
-            </a:r>
-            <a:r>
-              <a:rPr lang="en-US" dirty="0"/>
-              <a:t> levels in some cases.</a:t>
+              <a:t>The prediction of Moore’s Law has been very accurate for the last few decades.</a:t>
             </a:r>
           </a:p>
           <a:p>
@@ -1561,8 +1645,12 @@
               <a:defRPr/>
             </a:pPr>
             <a:r>
+              <a:rPr lang="en-US" baseline="0" dirty="0"/>
+              <a:t> </a:t>
+            </a:r>
+            <a:r>
               <a:rPr lang="en-US" dirty="0"/>
-              <a:t>This accumulation is not slowing down but rather speeding up.</a:t>
+              <a:t>Until 1900s human knowledge doubled every century.</a:t>
             </a:r>
           </a:p>
           <a:p>
@@ -1585,16 +1673,28 @@
             </a:pPr>
             <a:r>
               <a:rPr lang="en-US" dirty="0"/>
-              <a:t>There is a growing number of data sources including the web, mobile, and sensor data (</a:t>
-            </a:r>
-            <a:r>
-              <a:rPr lang="en-US" dirty="0" err="1"/>
-              <a:t>IoT</a:t>
-            </a:r>
-            <a:r>
-              <a:rPr lang="en-US" dirty="0"/>
-              <a:t>).</a:t>
-            </a:r>
+              <a:t> By end of WWII, human knowledge was doubling every 25 years.</a:t>
+            </a:r>
+          </a:p>
+          <a:p>
+            <a:pPr marL="0" marR="0" lvl="0" indent="0" algn="l" defTabSz="914400" rtl="0" eaLnBrk="1" fontAlgn="auto" latinLnBrk="0" hangingPunct="1">
+              <a:lnSpc>
+                <a:spcPct val="100000"/>
+              </a:lnSpc>
+              <a:spcBef>
+                <a:spcPts val="0"/>
+              </a:spcBef>
+              <a:spcAft>
+                <a:spcPts val="0"/>
+              </a:spcAft>
+              <a:buClrTx/>
+              <a:buSzTx/>
+              <a:buFont typeface="Arial" pitchFamily="34" charset="0"/>
+              <a:buChar char="•"/>
+              <a:tabLst/>
+              <a:defRPr/>
+            </a:pPr>
+            <a:endParaRPr lang="en-US" altLang="ko-KR" dirty="0"/>
           </a:p>
           <a:p>
             <a:pPr marL="0" marR="0" lvl="0" indent="0" algn="l" defTabSz="914400" rtl="0" eaLnBrk="1" fontAlgn="auto" latinLnBrk="0" hangingPunct="1">
@@ -1614,7 +1714,53 @@
               <a:tabLst/>
               <a:defRPr/>
             </a:pPr>
-            <a:endParaRPr lang="en-US" altLang="ko-KR" b="1" dirty="0"/>
+            <a:r>
+              <a:rPr lang="en-US" altLang="ko-KR" b="1" dirty="0"/>
+              <a:t>Reference: </a:t>
+            </a:r>
+          </a:p>
+          <a:p>
+            <a:pPr marL="0" marR="0" lvl="0" indent="0" algn="l" defTabSz="914400" rtl="0" eaLnBrk="1" fontAlgn="auto" latinLnBrk="0" hangingPunct="1">
+              <a:lnSpc>
+                <a:spcPct val="100000"/>
+              </a:lnSpc>
+              <a:spcBef>
+                <a:spcPts val="0"/>
+              </a:spcBef>
+              <a:spcAft>
+                <a:spcPts val="0"/>
+              </a:spcAft>
+              <a:buClrTx/>
+              <a:buSzTx/>
+              <a:buFontTx/>
+              <a:buNone/>
+              <a:tabLst/>
+              <a:defRPr/>
+            </a:pPr>
+            <a:r>
+              <a:rPr lang="en-US" altLang="ko-KR" dirty="0"/>
+              <a:t>http://www.industrytap.com/knowledge-doubling-every-12-months-soon-to-be-every-12-hours/3950</a:t>
+            </a:r>
+          </a:p>
+          <a:p>
+            <a:pPr marL="0" marR="0" lvl="0" indent="0" algn="l" defTabSz="914400" rtl="0" eaLnBrk="1" fontAlgn="auto" latinLnBrk="0" hangingPunct="1">
+              <a:lnSpc>
+                <a:spcPct val="100000"/>
+              </a:lnSpc>
+              <a:spcBef>
+                <a:spcPts val="0"/>
+              </a:spcBef>
+              <a:spcAft>
+                <a:spcPts val="0"/>
+              </a:spcAft>
+              <a:buClrTx/>
+              <a:buSzTx/>
+              <a:buFontTx/>
+              <a:buNone/>
+              <a:tabLst/>
+              <a:defRPr/>
+            </a:pPr>
+            <a:endParaRPr lang="en-US" altLang="ko-KR" dirty="0"/>
           </a:p>
         </p:txBody>
       </p:sp>
@@ -1645,7 +1791,7 @@
     </p:spTree>
     <p:extLst>
       <p:ext uri="{BB962C8B-B14F-4D97-AF65-F5344CB8AC3E}">
-        <p14:creationId xmlns:p14="http://schemas.microsoft.com/office/powerpoint/2010/main" val="2597588080"/>
+        <p14:creationId xmlns:p14="http://schemas.microsoft.com/office/powerpoint/2010/main" val="3722803599"/>
       </p:ext>
     </p:extLst>
   </p:cSld>
@@ -1741,12 +1887,8 @@
               <a:defRPr/>
             </a:pPr>
             <a:r>
-              <a:rPr lang="en-US" altLang="ko-KR" b="0" dirty="0"/>
-              <a:t> </a:t>
-            </a:r>
-            <a:r>
-              <a:rPr lang="en-US" dirty="0"/>
-              <a:t>The prediction of Moore’s Law has been very accurate for the last few decades.</a:t>
+              <a:rPr lang="en-US" altLang="ko-KR" i="0" dirty="0"/>
+              <a:t> Computing power can not keep up so only way to solve. </a:t>
             </a:r>
           </a:p>
           <a:p>
@@ -1768,13 +1910,64 @@
               <a:defRPr/>
             </a:pPr>
             <a:r>
+              <a:rPr lang="en-US" dirty="0"/>
+              <a:t> Adding commodity-grade</a:t>
+            </a:r>
+            <a:r>
               <a:rPr lang="en-US" baseline="0" dirty="0"/>
               <a:t> </a:t>
             </a:r>
             <a:r>
               <a:rPr lang="en-US" dirty="0"/>
-              <a:t>Until 1900s human knowledge doubled every century.</a:t>
-            </a:r>
+              <a:t>hardware allows clusters to be scaled out instead of scaling up.</a:t>
+            </a:r>
+          </a:p>
+          <a:p>
+            <a:pPr marL="628650" marR="0" lvl="1" indent="-171450" algn="l" defTabSz="914400" rtl="0" eaLnBrk="1" fontAlgn="auto" latinLnBrk="0" hangingPunct="1">
+              <a:lnSpc>
+                <a:spcPct val="100000"/>
+              </a:lnSpc>
+              <a:spcBef>
+                <a:spcPts val="0"/>
+              </a:spcBef>
+              <a:spcAft>
+                <a:spcPts val="0"/>
+              </a:spcAft>
+              <a:buClrTx/>
+              <a:buSzTx/>
+              <a:buFont typeface="Arial" panose="020B0604020202020204" pitchFamily="34" charset="0"/>
+              <a:buChar char="•"/>
+              <a:tabLst/>
+              <a:defRPr/>
+            </a:pPr>
+            <a:r>
+              <a:rPr lang="en-US" altLang="ko-KR" dirty="0"/>
+              <a:t>Scale Up: uses better and more expensive hardware</a:t>
+            </a:r>
+          </a:p>
+          <a:p>
+            <a:pPr marL="628650" marR="0" lvl="1" indent="-171450" algn="l" defTabSz="914400" rtl="0" eaLnBrk="1" fontAlgn="auto" latinLnBrk="0" hangingPunct="1">
+              <a:lnSpc>
+                <a:spcPct val="100000"/>
+              </a:lnSpc>
+              <a:spcBef>
+                <a:spcPts val="0"/>
+              </a:spcBef>
+              <a:spcAft>
+                <a:spcPts val="0"/>
+              </a:spcAft>
+              <a:buClrTx/>
+              <a:buSzTx/>
+              <a:buFont typeface="Arial" panose="020B0604020202020204" pitchFamily="34" charset="0"/>
+              <a:buChar char="•"/>
+              <a:tabLst/>
+              <a:defRPr/>
+            </a:pPr>
+            <a:r>
+              <a:rPr lang="en-US" altLang="ko-KR" dirty="0"/>
+              <a:t>Scale out: uses more hardware</a:t>
+            </a:r>
+            <a:endParaRPr lang="en-US" dirty="0"/>
           </a:p>
           <a:p>
             <a:pPr marL="0" marR="0" lvl="0" indent="0" algn="l" defTabSz="914400" rtl="0" eaLnBrk="1" fontAlgn="auto" latinLnBrk="0" hangingPunct="1">
@@ -1795,75 +1988,14 @@
               <a:defRPr/>
             </a:pPr>
             <a:r>
-              <a:rPr lang="en-US" dirty="0"/>
-              <a:t> By end of WWII, human knowledge was doubling every 25 years.</a:t>
-            </a:r>
-          </a:p>
-          <a:p>
-            <a:pPr marL="0" marR="0" lvl="0" indent="0" algn="l" defTabSz="914400" rtl="0" eaLnBrk="1" fontAlgn="auto" latinLnBrk="0" hangingPunct="1">
-              <a:lnSpc>
-                <a:spcPct val="100000"/>
-              </a:lnSpc>
-              <a:spcBef>
-                <a:spcPts val="0"/>
-              </a:spcBef>
-              <a:spcAft>
-                <a:spcPts val="0"/>
-              </a:spcAft>
-              <a:buClrTx/>
-              <a:buSzTx/>
-              <a:buFont typeface="Arial" pitchFamily="34" charset="0"/>
-              <a:buChar char="•"/>
-              <a:tabLst/>
-              <a:defRPr/>
-            </a:pPr>
-            <a:endParaRPr lang="en-US" altLang="ko-KR" dirty="0"/>
-          </a:p>
-          <a:p>
-            <a:pPr marL="0" marR="0" lvl="0" indent="0" algn="l" defTabSz="914400" rtl="0" eaLnBrk="1" fontAlgn="auto" latinLnBrk="0" hangingPunct="1">
-              <a:lnSpc>
-                <a:spcPct val="100000"/>
-              </a:lnSpc>
-              <a:spcBef>
-                <a:spcPts val="0"/>
-              </a:spcBef>
-              <a:spcAft>
-                <a:spcPts val="0"/>
-              </a:spcAft>
-              <a:buClrTx/>
-              <a:buSzTx/>
-              <a:buFontTx/>
-              <a:buNone/>
-              <a:tabLst/>
-              <a:defRPr/>
-            </a:pPr>
-            <a:r>
-              <a:rPr lang="en-US" altLang="ko-KR" b="1" dirty="0"/>
-              <a:t>Reference: </a:t>
-            </a:r>
-          </a:p>
-          <a:p>
-            <a:pPr marL="0" marR="0" lvl="0" indent="0" algn="l" defTabSz="914400" rtl="0" eaLnBrk="1" fontAlgn="auto" latinLnBrk="0" hangingPunct="1">
-              <a:lnSpc>
-                <a:spcPct val="100000"/>
-              </a:lnSpc>
-              <a:spcBef>
-                <a:spcPts val="0"/>
-              </a:spcBef>
-              <a:spcAft>
-                <a:spcPts val="0"/>
-              </a:spcAft>
-              <a:buClrTx/>
-              <a:buSzTx/>
-              <a:buFontTx/>
-              <a:buNone/>
-              <a:tabLst/>
-              <a:defRPr/>
-            </a:pPr>
-            <a:r>
-              <a:rPr lang="en-US" altLang="ko-KR" dirty="0"/>
-              <a:t>http://www.industrytap.com/knowledge-doubling-every-12-months-soon-to-be-every-12-hours/3950</a:t>
-            </a:r>
+              <a:rPr lang="en-US" altLang="ko-KR" b="0" dirty="0"/>
+              <a:t> Moving</a:t>
+            </a:r>
+            <a:r>
+              <a:rPr lang="en-US" altLang="ko-KR" b="0" baseline="0" dirty="0"/>
+              <a:t> data to where computing power is reduces network latency.</a:t>
+            </a:r>
+            <a:endParaRPr lang="en-US" altLang="ko-KR" b="0" dirty="0"/>
           </a:p>
           <a:p>
             <a:pPr marL="0" marR="0" lvl="0" indent="0" algn="l" defTabSz="914400" rtl="0" eaLnBrk="1" fontAlgn="auto" latinLnBrk="0" hangingPunct="1">
@@ -1885,6 +2017,53 @@
             </a:pPr>
             <a:endParaRPr lang="en-US" altLang="ko-KR" dirty="0"/>
           </a:p>
+          <a:p>
+            <a:pPr marL="0" marR="0" lvl="0" indent="0" algn="l" defTabSz="914400" rtl="0" eaLnBrk="1" fontAlgn="auto" latinLnBrk="0" hangingPunct="1">
+              <a:lnSpc>
+                <a:spcPct val="100000"/>
+              </a:lnSpc>
+              <a:spcBef>
+                <a:spcPts val="0"/>
+              </a:spcBef>
+              <a:spcAft>
+                <a:spcPts val="0"/>
+              </a:spcAft>
+              <a:buClrTx/>
+              <a:buSzTx/>
+              <a:buFontTx/>
+              <a:buNone/>
+              <a:tabLst/>
+              <a:defRPr/>
+            </a:pPr>
+            <a:r>
+              <a:rPr lang="en-US" altLang="ko-KR" b="1" dirty="0"/>
+              <a:t>Reference:</a:t>
+            </a:r>
+            <a:r>
+              <a:rPr lang="en-US" altLang="ko-KR" dirty="0"/>
+              <a:t>  http://www.mkomo.com/cost-per-gigabyte</a:t>
+            </a:r>
+          </a:p>
+          <a:p>
+            <a:pPr marL="0" marR="0" lvl="0" indent="0" algn="l" defTabSz="914400" rtl="0" eaLnBrk="1" fontAlgn="auto" latinLnBrk="0" hangingPunct="1">
+              <a:lnSpc>
+                <a:spcPct val="100000"/>
+              </a:lnSpc>
+              <a:spcBef>
+                <a:spcPts val="0"/>
+              </a:spcBef>
+              <a:spcAft>
+                <a:spcPts val="0"/>
+              </a:spcAft>
+              <a:buClrTx/>
+              <a:buSzTx/>
+              <a:buFontTx/>
+              <a:buNone/>
+              <a:tabLst/>
+              <a:defRPr/>
+            </a:pPr>
+            <a:endParaRPr lang="en-US" altLang="ko-KR" dirty="0"/>
+          </a:p>
         </p:txBody>
       </p:sp>
       <p:sp>
@@ -1914,7 +2093,7 @@
     </p:spTree>
     <p:extLst>
       <p:ext uri="{BB962C8B-B14F-4D97-AF65-F5344CB8AC3E}">
-        <p14:creationId xmlns:p14="http://schemas.microsoft.com/office/powerpoint/2010/main" val="3722803599"/>
+        <p14:creationId xmlns:p14="http://schemas.microsoft.com/office/powerpoint/2010/main" val="252358676"/>
       </p:ext>
     </p:extLst>
   </p:cSld>
@@ -1992,133 +2171,78 @@
             <a:endParaRPr lang="en-US" altLang="ko-KR" b="0" dirty="0"/>
           </a:p>
           <a:p>
-            <a:pPr marL="0" marR="0" lvl="0" indent="0" algn="l" defTabSz="914400" rtl="0" eaLnBrk="1" fontAlgn="auto" latinLnBrk="0" hangingPunct="1">
-              <a:lnSpc>
-                <a:spcPct val="100000"/>
-              </a:lnSpc>
-              <a:spcBef>
-                <a:spcPts val="0"/>
-              </a:spcBef>
-              <a:spcAft>
-                <a:spcPts val="0"/>
-              </a:spcAft>
-              <a:buClrTx/>
-              <a:buSzTx/>
+            <a:pPr marL="0" indent="0">
               <a:buFont typeface="Arial" pitchFamily="34" charset="0"/>
               <a:buChar char="•"/>
-              <a:tabLst/>
-              <a:defRPr/>
             </a:pPr>
             <a:r>
-              <a:rPr lang="en-US" altLang="ko-KR" i="0" dirty="0"/>
-              <a:t> Computing power can not keep up so only way to solve. </a:t>
-            </a:r>
-          </a:p>
-          <a:p>
-            <a:pPr marL="0" marR="0" lvl="0" indent="0" algn="l" defTabSz="914400" rtl="0" eaLnBrk="1" fontAlgn="auto" latinLnBrk="0" hangingPunct="1">
-              <a:lnSpc>
-                <a:spcPct val="100000"/>
-              </a:lnSpc>
-              <a:spcBef>
-                <a:spcPts val="0"/>
-              </a:spcBef>
-              <a:spcAft>
-                <a:spcPts val="0"/>
-              </a:spcAft>
-              <a:buClrTx/>
-              <a:buSzTx/>
+              <a:rPr lang="en-US" dirty="0"/>
+              <a:t> Google’s hardware failure experience:</a:t>
+            </a:r>
+          </a:p>
+          <a:p>
+            <a:pPr marL="517525" indent="0">
               <a:buFont typeface="Arial" pitchFamily="34" charset="0"/>
               <a:buChar char="•"/>
-              <a:tabLst/>
-              <a:defRPr/>
             </a:pPr>
             <a:r>
               <a:rPr lang="en-US" dirty="0"/>
-              <a:t> Adding commodity-grade</a:t>
-            </a:r>
-            <a:r>
-              <a:rPr lang="en-US" baseline="0" dirty="0"/>
-              <a:t> </a:t>
-            </a:r>
-            <a:r>
-              <a:rPr lang="en-US" dirty="0"/>
-              <a:t>hardware allows clusters to be scaled out instead of scaling up.</a:t>
-            </a:r>
-          </a:p>
-          <a:p>
-            <a:pPr marL="628650" marR="0" lvl="1" indent="-171450" algn="l" defTabSz="914400" rtl="0" eaLnBrk="1" fontAlgn="auto" latinLnBrk="0" hangingPunct="1">
-              <a:lnSpc>
-                <a:spcPct val="100000"/>
-              </a:lnSpc>
-              <a:spcBef>
-                <a:spcPts val="0"/>
-              </a:spcBef>
-              <a:spcAft>
-                <a:spcPts val="0"/>
-              </a:spcAft>
-              <a:buClrTx/>
-              <a:buSzTx/>
-              <a:buFont typeface="Arial" panose="020B0604020202020204" pitchFamily="34" charset="0"/>
-              <a:buChar char="•"/>
-              <a:tabLst/>
-              <a:defRPr/>
-            </a:pPr>
-            <a:r>
-              <a:rPr lang="en-US" altLang="ko-KR" dirty="0"/>
-              <a:t>Scale Up: uses better and more expensive hardware</a:t>
-            </a:r>
-          </a:p>
-          <a:p>
-            <a:pPr marL="628650" marR="0" lvl="1" indent="-171450" algn="l" defTabSz="914400" rtl="0" eaLnBrk="1" fontAlgn="auto" latinLnBrk="0" hangingPunct="1">
-              <a:lnSpc>
-                <a:spcPct val="100000"/>
-              </a:lnSpc>
-              <a:spcBef>
-                <a:spcPts val="0"/>
-              </a:spcBef>
-              <a:spcAft>
-                <a:spcPts val="0"/>
-              </a:spcAft>
-              <a:buClrTx/>
-              <a:buSzTx/>
-              <a:buFont typeface="Arial" panose="020B0604020202020204" pitchFamily="34" charset="0"/>
-              <a:buChar char="•"/>
-              <a:tabLst/>
-              <a:defRPr/>
-            </a:pPr>
-            <a:r>
-              <a:rPr lang="en-US" altLang="ko-KR" dirty="0"/>
-              <a:t>Scale out: uses more hardware</a:t>
-            </a:r>
-            <a:endParaRPr lang="en-US" dirty="0"/>
-          </a:p>
-          <a:p>
-            <a:pPr marL="0" marR="0" lvl="0" indent="0" algn="l" defTabSz="914400" rtl="0" eaLnBrk="1" fontAlgn="auto" latinLnBrk="0" hangingPunct="1">
-              <a:lnSpc>
-                <a:spcPct val="100000"/>
-              </a:lnSpc>
-              <a:spcBef>
-                <a:spcPts val="0"/>
-              </a:spcBef>
-              <a:spcAft>
-                <a:spcPts val="0"/>
-              </a:spcAft>
-              <a:buClrTx/>
-              <a:buSzTx/>
+              <a:t> 1~5% of hard drives per year</a:t>
+            </a:r>
+          </a:p>
+          <a:p>
+            <a:pPr marL="517525" indent="0">
               <a:buFont typeface="Arial" pitchFamily="34" charset="0"/>
               <a:buChar char="•"/>
-              <a:tabLst/>
-              <a:defRPr/>
             </a:pPr>
             <a:r>
-              <a:rPr lang="en-US" altLang="ko-KR" b="0" dirty="0"/>
-              <a:t> Moving</a:t>
-            </a:r>
-            <a:r>
-              <a:rPr lang="en-US" altLang="ko-KR" b="0" baseline="0" dirty="0"/>
-              <a:t> data to where computing power is reduces network latency.</a:t>
-            </a:r>
-            <a:endParaRPr lang="en-US" altLang="ko-KR" b="0" dirty="0"/>
+              <a:rPr lang="en-US" dirty="0"/>
+              <a:t> 0.2% of DIMMs (dual in-line memory modules) per year</a:t>
+            </a:r>
+          </a:p>
+          <a:p>
+            <a:pPr marL="0" indent="0">
+              <a:buFont typeface="Arial" pitchFamily="34" charset="0"/>
+              <a:buChar char="•"/>
+            </a:pPr>
+            <a:r>
+              <a:rPr lang="en-US" dirty="0"/>
+              <a:t> Software for fault tolerance and performance:</a:t>
+            </a:r>
+          </a:p>
+          <a:p>
+            <a:pPr marL="517525" indent="0">
+              <a:buFont typeface="Arial" pitchFamily="34" charset="0"/>
+              <a:buChar char="•"/>
+            </a:pPr>
+            <a:r>
+              <a:rPr lang="en-US" dirty="0"/>
+              <a:t> </a:t>
+            </a:r>
+            <a:r>
+              <a:rPr lang="en-US" dirty="0" err="1"/>
+              <a:t>Hadoop</a:t>
+            </a:r>
+            <a:r>
+              <a:rPr lang="en-US" dirty="0"/>
+              <a:t> – HDFS</a:t>
+            </a:r>
+          </a:p>
+          <a:p>
+            <a:pPr marL="517525" indent="0">
+              <a:buFont typeface="Arial" pitchFamily="34" charset="0"/>
+              <a:buChar char="•"/>
+            </a:pPr>
+            <a:r>
+              <a:rPr lang="en-US" dirty="0"/>
+              <a:t> Map Reduce</a:t>
+            </a:r>
+          </a:p>
+          <a:p>
+            <a:pPr marL="0" indent="0">
+              <a:buNone/>
+            </a:pPr>
+            <a:endParaRPr lang="en-US" dirty="0"/>
           </a:p>
           <a:p>
             <a:pPr marL="0" marR="0" lvl="0" indent="0" algn="l" defTabSz="914400" rtl="0" eaLnBrk="1" fontAlgn="auto" latinLnBrk="0" hangingPunct="1">
@@ -2160,11 +2284,11 @@
             </a:pPr>
             <a:r>
               <a:rPr lang="en-US" altLang="ko-KR" b="1" dirty="0"/>
-              <a:t>Reference:</a:t>
+              <a:t>Reference</a:t>
             </a:r>
             <a:r>
               <a:rPr lang="en-US" altLang="ko-KR" dirty="0"/>
-              <a:t>  http://www.mkomo.com/cost-per-gigabyte</a:t>
+              <a:t>: </a:t>
             </a:r>
           </a:p>
           <a:p>
@@ -2185,7 +2309,10 @@
               <a:tabLst/>
               <a:defRPr/>
             </a:pPr>
-            <a:endParaRPr lang="en-US" altLang="ko-KR" dirty="0"/>
+            <a:r>
+              <a:rPr lang="en-US" altLang="ko-KR" dirty="0"/>
+              <a:t>http://www.datacenterknowledge.com/archives/2008/05/30/failure-rates-in-google-data-centers/</a:t>
+            </a:r>
           </a:p>
         </p:txBody>
       </p:sp>
@@ -2216,7 +2343,7 @@
     </p:spTree>
     <p:extLst>
       <p:ext uri="{BB962C8B-B14F-4D97-AF65-F5344CB8AC3E}">
-        <p14:creationId xmlns:p14="http://schemas.microsoft.com/office/powerpoint/2010/main" val="252358676"/>
+        <p14:creationId xmlns:p14="http://schemas.microsoft.com/office/powerpoint/2010/main" val="3566678291"/>
       </p:ext>
     </p:extLst>
   </p:cSld>
@@ -2294,78 +2421,50 @@
             <a:endParaRPr lang="en-US" altLang="ko-KR" b="0" dirty="0"/>
           </a:p>
           <a:p>
-            <a:pPr marL="0" indent="0">
+            <a:pPr>
               <a:buFont typeface="Arial" pitchFamily="34" charset="0"/>
               <a:buChar char="•"/>
             </a:pPr>
             <a:r>
               <a:rPr lang="en-US" dirty="0"/>
-              <a:t> Google’s hardware failure experience:</a:t>
-            </a:r>
-          </a:p>
-          <a:p>
-            <a:pPr marL="517525" indent="0">
+              <a:t> </a:t>
+            </a:r>
+            <a:r>
+              <a:rPr lang="en-US" dirty="0" err="1"/>
+              <a:t>Mappers</a:t>
+            </a:r>
+            <a:r>
+              <a:rPr lang="en-US" dirty="0"/>
+              <a:t> read data from disk and perform computation.</a:t>
+            </a:r>
+          </a:p>
+          <a:p>
+            <a:pPr>
               <a:buFont typeface="Arial" pitchFamily="34" charset="0"/>
               <a:buChar char="•"/>
             </a:pPr>
             <a:r>
               <a:rPr lang="en-US" dirty="0"/>
-              <a:t> 1~5% of hard drives per year</a:t>
-            </a:r>
-          </a:p>
-          <a:p>
-            <a:pPr marL="517525" indent="0">
+              <a:t> After all the </a:t>
+            </a:r>
+            <a:r>
+              <a:rPr lang="en-US" dirty="0" err="1"/>
+              <a:t>mappers</a:t>
+            </a:r>
+            <a:r>
+              <a:rPr lang="en-US" dirty="0"/>
+              <a:t> have completed, the data is shuffled, sorted, and written to disk.</a:t>
+            </a:r>
+          </a:p>
+          <a:p>
+            <a:pPr>
               <a:buFont typeface="Arial" pitchFamily="34" charset="0"/>
               <a:buChar char="•"/>
             </a:pPr>
             <a:r>
               <a:rPr lang="en-US" dirty="0"/>
-              <a:t> 0.2% of DIMMs (dual in-line memory modules) per year</a:t>
-            </a:r>
-          </a:p>
-          <a:p>
-            <a:pPr marL="0" indent="0">
-              <a:buFont typeface="Arial" pitchFamily="34" charset="0"/>
-              <a:buChar char="•"/>
-            </a:pPr>
-            <a:r>
-              <a:rPr lang="en-US" dirty="0"/>
-              <a:t> Software for fault tolerance and performance:</a:t>
-            </a:r>
-          </a:p>
-          <a:p>
-            <a:pPr marL="517525" indent="0">
-              <a:buFont typeface="Arial" pitchFamily="34" charset="0"/>
-              <a:buChar char="•"/>
-            </a:pPr>
-            <a:r>
-              <a:rPr lang="en-US" dirty="0"/>
-              <a:t> </a:t>
-            </a:r>
-            <a:r>
-              <a:rPr lang="en-US" dirty="0" err="1"/>
-              <a:t>Hadoop</a:t>
-            </a:r>
-            <a:r>
-              <a:rPr lang="en-US" dirty="0"/>
-              <a:t> – HDFS</a:t>
-            </a:r>
-          </a:p>
-          <a:p>
-            <a:pPr marL="517525" indent="0">
-              <a:buFont typeface="Arial" pitchFamily="34" charset="0"/>
-              <a:buChar char="•"/>
-            </a:pPr>
-            <a:r>
-              <a:rPr lang="en-US" dirty="0"/>
-              <a:t> Map Reduce</a:t>
-            </a:r>
-          </a:p>
-          <a:p>
-            <a:pPr marL="0" indent="0">
-              <a:buNone/>
-            </a:pPr>
-            <a:endParaRPr lang="en-US" dirty="0"/>
+              <a:t> The reducers read the data, perform the reduction, and write the results to disk.</a:t>
+            </a:r>
           </a:p>
           <a:p>
             <a:pPr marL="0" marR="0" lvl="0" indent="0" algn="l" defTabSz="914400" rtl="0" eaLnBrk="1" fontAlgn="auto" latinLnBrk="0" hangingPunct="1">
@@ -2385,57 +2484,7 @@
               <a:tabLst/>
               <a:defRPr/>
             </a:pPr>
-            <a:endParaRPr lang="en-US" altLang="ko-KR" dirty="0"/>
-          </a:p>
-          <a:p>
-            <a:pPr marL="0" marR="0" lvl="0" indent="0" algn="l" defTabSz="914400" rtl="0" eaLnBrk="1" fontAlgn="auto" latinLnBrk="0" hangingPunct="1">
-              <a:lnSpc>
-                <a:spcPct val="100000"/>
-              </a:lnSpc>
-              <a:spcBef>
-                <a:spcPts val="0"/>
-              </a:spcBef>
-              <a:spcAft>
-                <a:spcPts val="0"/>
-              </a:spcAft>
-              <a:buClrTx/>
-              <a:buSzTx/>
-              <a:buFontTx/>
-              <a:buNone/>
-              <a:tabLst/>
-              <a:defRPr/>
-            </a:pPr>
-            <a:r>
-              <a:rPr lang="en-US" altLang="ko-KR" b="1" dirty="0"/>
-              <a:t>Reference</a:t>
-            </a:r>
-            <a:r>
-              <a:rPr lang="en-US" altLang="ko-KR" dirty="0"/>
-              <a:t>: </a:t>
-            </a:r>
-          </a:p>
-          <a:p>
-            <a:pPr marL="0" marR="0" lvl="0" indent="0" algn="l" defTabSz="914400" rtl="0" eaLnBrk="1" fontAlgn="auto" latinLnBrk="0" hangingPunct="1">
-              <a:lnSpc>
-                <a:spcPct val="100000"/>
-              </a:lnSpc>
-              <a:spcBef>
-                <a:spcPts val="0"/>
-              </a:spcBef>
-              <a:spcAft>
-                <a:spcPts val="0"/>
-              </a:spcAft>
-              <a:buClrTx/>
-              <a:buSzTx/>
-              <a:buFontTx/>
-              <a:buNone/>
-              <a:tabLst/>
-              <a:defRPr/>
-            </a:pPr>
-            <a:r>
-              <a:rPr lang="en-US" altLang="ko-KR" dirty="0"/>
-              <a:t>http://www.datacenterknowledge.com/archives/2008/05/30/failure-rates-in-google-data-centers/</a:t>
-            </a:r>
+            <a:endParaRPr lang="en-US" altLang="ko-KR" b="1" dirty="0"/>
           </a:p>
         </p:txBody>
       </p:sp>
@@ -2466,7 +2515,7 @@
     </p:spTree>
     <p:extLst>
       <p:ext uri="{BB962C8B-B14F-4D97-AF65-F5344CB8AC3E}">
-        <p14:creationId xmlns:p14="http://schemas.microsoft.com/office/powerpoint/2010/main" val="3566678291"/>
+        <p14:creationId xmlns:p14="http://schemas.microsoft.com/office/powerpoint/2010/main" val="2866140561"/>
       </p:ext>
     </p:extLst>
   </p:cSld>
@@ -2550,15 +2599,15 @@
             </a:pPr>
             <a:r>
               <a:rPr lang="en-US" dirty="0"/>
-              <a:t> </a:t>
+              <a:t> In each of map-reduce stage, the disk reads and writes between the </a:t>
             </a:r>
             <a:r>
               <a:rPr lang="en-US" dirty="0" err="1"/>
-              <a:t>Mappers</a:t>
+              <a:t>mapper</a:t>
             </a:r>
             <a:r>
               <a:rPr lang="en-US" dirty="0"/>
-              <a:t> read data from disk and perform computation.</a:t>
+              <a:t> and the reducer.</a:t>
             </a:r>
           </a:p>
           <a:p>
@@ -2568,15 +2617,7 @@
             </a:pPr>
             <a:r>
               <a:rPr lang="en-US" dirty="0"/>
-              <a:t> After all the </a:t>
-            </a:r>
-            <a:r>
-              <a:rPr lang="en-US" dirty="0" err="1"/>
-              <a:t>mappers</a:t>
-            </a:r>
-            <a:r>
-              <a:rPr lang="en-US" dirty="0"/>
-              <a:t> have completed, the data is shuffled, sorted, and written to disk.</a:t>
+              <a:t> In between the stages, each of the immediate results is written to disk and read back by the next stage.</a:t>
             </a:r>
           </a:p>
           <a:p>
@@ -2586,27 +2627,8 @@
             </a:pPr>
             <a:r>
               <a:rPr lang="en-US" dirty="0"/>
-              <a:t> The reducers read the data, perform the reduction, and write the results to disk.</a:t>
-            </a:r>
-          </a:p>
-          <a:p>
-            <a:pPr marL="0" marR="0" lvl="0" indent="0" algn="l" defTabSz="914400" rtl="0" eaLnBrk="1" fontAlgn="auto" latinLnBrk="0" hangingPunct="1">
-              <a:lnSpc>
-                <a:spcPct val="100000"/>
-              </a:lnSpc>
-              <a:spcBef>
-                <a:spcPts val="0"/>
-              </a:spcBef>
-              <a:spcAft>
-                <a:spcPts val="0"/>
-              </a:spcAft>
-              <a:buClrTx/>
-              <a:buSzTx/>
-              <a:buFontTx/>
-              <a:buNone/>
-              <a:tabLst/>
-              <a:defRPr/>
-            </a:pPr>
+              <a:t> Disk I/O is very expensive.</a:t>
+            </a:r>
             <a:endParaRPr lang="en-US" altLang="ko-KR" b="1" dirty="0"/>
           </a:p>
         </p:txBody>
@@ -2638,7 +2660,7 @@
     </p:spTree>
     <p:extLst>
       <p:ext uri="{BB962C8B-B14F-4D97-AF65-F5344CB8AC3E}">
-        <p14:creationId xmlns:p14="http://schemas.microsoft.com/office/powerpoint/2010/main" val="2866140561"/>
+        <p14:creationId xmlns:p14="http://schemas.microsoft.com/office/powerpoint/2010/main" val="739998671"/>
       </p:ext>
     </p:extLst>
   </p:cSld>
@@ -2692,7 +2714,67 @@
           <a:bodyPr/>
           <a:lstStyle/>
           <a:p>
-            <a:pPr marL="0" marR="0" lvl="0" indent="0" algn="l" defTabSz="914400" rtl="0" eaLnBrk="1" fontAlgn="auto" latinLnBrk="0" hangingPunct="1">
+            <a:r>
+              <a:rPr lang="en-US" b="1" dirty="0"/>
+              <a:t>Notes:</a:t>
+            </a:r>
+          </a:p>
+          <a:p>
+            <a:pPr marL="171450" indent="-171450">
+              <a:buFont typeface="Arial" panose="020B0604020202020204" pitchFamily="34" charset="0"/>
+              <a:buChar char="•"/>
+            </a:pPr>
+            <a:r>
+              <a:rPr lang="en-US" dirty="0"/>
+              <a:t>This is a logarithmic scale.</a:t>
+            </a:r>
+          </a:p>
+          <a:p>
+            <a:pPr marL="171450" indent="-171450">
+              <a:buFont typeface="Arial" panose="020B0604020202020204" pitchFamily="34" charset="0"/>
+              <a:buChar char="•"/>
+            </a:pPr>
+            <a:r>
+              <a:rPr lang="en-US" dirty="0"/>
+              <a:t>Both memory and disk</a:t>
+            </a:r>
+            <a:r>
+              <a:rPr lang="en-US" baseline="0" dirty="0"/>
+              <a:t> costs have been dropping exponentially.</a:t>
+            </a:r>
+            <a:endParaRPr lang="en-US" dirty="0"/>
+          </a:p>
+          <a:p>
+            <a:pPr marL="171450" indent="-171450">
+              <a:buFont typeface="Arial" panose="020B0604020202020204" pitchFamily="34" charset="0"/>
+              <a:buChar char="•"/>
+            </a:pPr>
+            <a:r>
+              <a:rPr lang="en-US" dirty="0"/>
+              <a:t>In 2010, memory</a:t>
+            </a:r>
+            <a:r>
+              <a:rPr lang="en-US" baseline="0" dirty="0"/>
+              <a:t> </a:t>
+            </a:r>
+            <a:r>
+              <a:rPr lang="en-US" dirty="0"/>
+              <a:t>cost roughly</a:t>
+            </a:r>
+            <a:r>
+              <a:rPr lang="en-US" baseline="0" dirty="0"/>
+              <a:t> 1 cent per megabyte of memory and 1 cent per 100 MB of storage.</a:t>
+            </a:r>
+          </a:p>
+          <a:p>
+            <a:pPr marL="171450" indent="-171450">
+              <a:buFont typeface="Arial" panose="020B0604020202020204" pitchFamily="34" charset="0"/>
+              <a:buNone/>
+            </a:pPr>
+            <a:endParaRPr lang="en-US" baseline="0" dirty="0"/>
+          </a:p>
+          <a:p>
+            <a:pPr marL="171450" marR="0" indent="-171450" algn="l" defTabSz="914400" rtl="0" eaLnBrk="1" fontAlgn="auto" latinLnBrk="0" hangingPunct="1">
               <a:lnSpc>
                 <a:spcPct val="100000"/>
               </a:lnSpc>
@@ -2704,55 +2786,33 @@
               </a:spcAft>
               <a:buClrTx/>
               <a:buSzTx/>
-              <a:buFontTx/>
+              <a:buFont typeface="Arial" panose="020B0604020202020204" pitchFamily="34" charset="0"/>
               <a:buNone/>
               <a:tabLst/>
               <a:defRPr/>
             </a:pPr>
             <a:r>
-              <a:rPr lang="en-US" altLang="ko-KR" b="1" dirty="0"/>
-              <a:t>Notes:</a:t>
-            </a:r>
-            <a:endParaRPr lang="en-US" altLang="ko-KR" b="0" dirty="0"/>
-          </a:p>
-          <a:p>
-            <a:pPr>
-              <a:buFont typeface="Arial" pitchFamily="34" charset="0"/>
+              <a:rPr lang="en-US" b="1" dirty="0"/>
+              <a:t>Reference</a:t>
+            </a:r>
+            <a:r>
+              <a:rPr lang="en-US" dirty="0"/>
+              <a:t>:  http://datarep.tumblr.com/post/60074240896/historical-cost-of-computer-memory-and-storage</a:t>
+            </a:r>
+          </a:p>
+          <a:p>
+            <a:pPr marL="171450" indent="-171450">
+              <a:buFont typeface="Arial" panose="020B0604020202020204" pitchFamily="34" charset="0"/>
+              <a:buNone/>
+            </a:pPr>
+            <a:endParaRPr lang="en-US" dirty="0"/>
+          </a:p>
+          <a:p>
+            <a:pPr marL="171450" indent="-171450">
+              <a:buFont typeface="Arial" panose="020B0604020202020204" pitchFamily="34" charset="0"/>
               <a:buChar char="•"/>
             </a:pPr>
-            <a:r>
-              <a:rPr lang="en-US" dirty="0"/>
-              <a:t> In each of map-reduce stage, the disk reads and writes between the </a:t>
-            </a:r>
-            <a:r>
-              <a:rPr lang="en-US" dirty="0" err="1"/>
-              <a:t>mapper</a:t>
-            </a:r>
-            <a:r>
-              <a:rPr lang="en-US" dirty="0"/>
-              <a:t> and the reducer.</a:t>
-            </a:r>
-          </a:p>
-          <a:p>
-            <a:pPr>
-              <a:buFont typeface="Arial" pitchFamily="34" charset="0"/>
-              <a:buChar char="•"/>
-            </a:pPr>
-            <a:r>
-              <a:rPr lang="en-US" dirty="0"/>
-              <a:t> In between the stages, each of the immediate results is written to disk and read back by the next stage.</a:t>
-            </a:r>
-          </a:p>
-          <a:p>
-            <a:pPr>
-              <a:buFont typeface="Arial" pitchFamily="34" charset="0"/>
-              <a:buChar char="•"/>
-            </a:pPr>
-            <a:r>
-              <a:rPr lang="en-US" dirty="0"/>
-              <a:t> Disk I/O is very expensive.</a:t>
-            </a:r>
-            <a:endParaRPr lang="en-US" altLang="ko-KR" b="1" dirty="0"/>
+            <a:endParaRPr lang="en-US" dirty="0"/>
           </a:p>
         </p:txBody>
       </p:sp>
@@ -2783,7 +2843,7 @@
     </p:spTree>
     <p:extLst>
       <p:ext uri="{BB962C8B-B14F-4D97-AF65-F5344CB8AC3E}">
-        <p14:creationId xmlns:p14="http://schemas.microsoft.com/office/powerpoint/2010/main" val="739998671"/>
+        <p14:creationId xmlns:p14="http://schemas.microsoft.com/office/powerpoint/2010/main" val="678952031"/>
       </p:ext>
     </p:extLst>
   </p:cSld>
@@ -2922,67 +2982,7 @@
           <a:bodyPr/>
           <a:lstStyle/>
           <a:p>
-            <a:r>
-              <a:rPr lang="en-US" b="1" dirty="0"/>
-              <a:t>Notes:</a:t>
-            </a:r>
-          </a:p>
-          <a:p>
-            <a:pPr marL="171450" indent="-171450">
-              <a:buFont typeface="Arial" panose="020B0604020202020204" pitchFamily="34" charset="0"/>
-              <a:buChar char="•"/>
-            </a:pPr>
-            <a:r>
-              <a:rPr lang="en-US" dirty="0"/>
-              <a:t>This is a logarithmic scale.</a:t>
-            </a:r>
-          </a:p>
-          <a:p>
-            <a:pPr marL="171450" indent="-171450">
-              <a:buFont typeface="Arial" panose="020B0604020202020204" pitchFamily="34" charset="0"/>
-              <a:buChar char="•"/>
-            </a:pPr>
-            <a:r>
-              <a:rPr lang="en-US" dirty="0"/>
-              <a:t>Both memory and disk</a:t>
-            </a:r>
-            <a:r>
-              <a:rPr lang="en-US" baseline="0" dirty="0"/>
-              <a:t> costs have been dropping exponentially.</a:t>
-            </a:r>
-            <a:endParaRPr lang="en-US" dirty="0"/>
-          </a:p>
-          <a:p>
-            <a:pPr marL="171450" indent="-171450">
-              <a:buFont typeface="Arial" panose="020B0604020202020204" pitchFamily="34" charset="0"/>
-              <a:buChar char="•"/>
-            </a:pPr>
-            <a:r>
-              <a:rPr lang="en-US" dirty="0"/>
-              <a:t>In 2010, memory</a:t>
-            </a:r>
-            <a:r>
-              <a:rPr lang="en-US" baseline="0" dirty="0"/>
-              <a:t> </a:t>
-            </a:r>
-            <a:r>
-              <a:rPr lang="en-US" dirty="0"/>
-              <a:t>cost roughly</a:t>
-            </a:r>
-            <a:r>
-              <a:rPr lang="en-US" baseline="0" dirty="0"/>
-              <a:t> 1 cent per megabyte of memory and 1 cent per 100 MB of storage.</a:t>
-            </a:r>
-          </a:p>
-          <a:p>
-            <a:pPr marL="171450" indent="-171450">
-              <a:buFont typeface="Arial" panose="020B0604020202020204" pitchFamily="34" charset="0"/>
-              <a:buNone/>
-            </a:pPr>
-            <a:endParaRPr lang="en-US" baseline="0" dirty="0"/>
-          </a:p>
-          <a:p>
-            <a:pPr marL="171450" marR="0" indent="-171450" algn="l" defTabSz="914400" rtl="0" eaLnBrk="1" fontAlgn="auto" latinLnBrk="0" hangingPunct="1">
+            <a:pPr marL="0" marR="0" lvl="0" indent="0" algn="l" defTabSz="914400" rtl="0" eaLnBrk="1" fontAlgn="auto" latinLnBrk="0" hangingPunct="1">
               <a:lnSpc>
                 <a:spcPct val="100000"/>
               </a:lnSpc>
@@ -2994,33 +2994,12 @@
               </a:spcAft>
               <a:buClrTx/>
               <a:buSzTx/>
-              <a:buFont typeface="Arial" panose="020B0604020202020204" pitchFamily="34" charset="0"/>
+              <a:buFontTx/>
               <a:buNone/>
               <a:tabLst/>
               <a:defRPr/>
             </a:pPr>
-            <a:r>
-              <a:rPr lang="en-US" b="1" dirty="0"/>
-              <a:t>Reference</a:t>
-            </a:r>
-            <a:r>
-              <a:rPr lang="en-US" dirty="0"/>
-              <a:t>:  http://datarep.tumblr.com/post/60074240896/historical-cost-of-computer-memory-and-storage</a:t>
-            </a:r>
-          </a:p>
-          <a:p>
-            <a:pPr marL="171450" indent="-171450">
-              <a:buFont typeface="Arial" panose="020B0604020202020204" pitchFamily="34" charset="0"/>
-              <a:buNone/>
-            </a:pPr>
-            <a:endParaRPr lang="en-US" dirty="0"/>
-          </a:p>
-          <a:p>
-            <a:pPr marL="171450" indent="-171450">
-              <a:buFont typeface="Arial" panose="020B0604020202020204" pitchFamily="34" charset="0"/>
-              <a:buChar char="•"/>
-            </a:pPr>
-            <a:endParaRPr lang="en-US" dirty="0"/>
+            <a:endParaRPr lang="en-US" altLang="ko-KR" dirty="0"/>
           </a:p>
         </p:txBody>
       </p:sp>
@@ -3051,7 +3030,7 @@
     </p:spTree>
     <p:extLst>
       <p:ext uri="{BB962C8B-B14F-4D97-AF65-F5344CB8AC3E}">
-        <p14:creationId xmlns:p14="http://schemas.microsoft.com/office/powerpoint/2010/main" val="678952031"/>
+        <p14:creationId xmlns:p14="http://schemas.microsoft.com/office/powerpoint/2010/main" val="3518386769"/>
       </p:ext>
     </p:extLst>
   </p:cSld>
@@ -3122,7 +3101,55 @@
               <a:tabLst/>
               <a:defRPr/>
             </a:pPr>
-            <a:endParaRPr lang="en-US" altLang="ko-KR" dirty="0"/>
+            <a:r>
+              <a:rPr lang="en-US" altLang="ko-KR" b="1" dirty="0"/>
+              <a:t>Notes:</a:t>
+            </a:r>
+            <a:endParaRPr lang="en-US" altLang="ko-KR" b="0" dirty="0"/>
+          </a:p>
+          <a:p>
+            <a:pPr marL="171450" indent="-171450">
+              <a:buFont typeface="Arial" panose="020B0604020202020204" pitchFamily="34" charset="0"/>
+              <a:buChar char="•"/>
+            </a:pPr>
+            <a:r>
+              <a:rPr lang="en-US" dirty="0"/>
+              <a:t> Perform Disk I/O only at the beginning of computation to load the data into memory.</a:t>
+            </a:r>
+          </a:p>
+          <a:p>
+            <a:pPr marL="171450" indent="-171450">
+              <a:buFont typeface="Arial" panose="020B0604020202020204" pitchFamily="34" charset="0"/>
+              <a:buChar char="•"/>
+            </a:pPr>
+            <a:r>
+              <a:rPr lang="en-US" dirty="0"/>
+              <a:t> Distribute the data over all the memory resources in the cluster.</a:t>
+            </a:r>
+          </a:p>
+          <a:p>
+            <a:pPr marL="171450" indent="-171450">
+              <a:buFont typeface="Arial" panose="020B0604020202020204" pitchFamily="34" charset="0"/>
+              <a:buChar char="•"/>
+            </a:pPr>
+            <a:r>
+              <a:rPr lang="en-US" dirty="0"/>
+              <a:t> Typically 10~100 times faster.</a:t>
+            </a:r>
+          </a:p>
+          <a:p>
+            <a:pPr marL="0" indent="0">
+              <a:buFont typeface="Arial" panose="020B0604020202020204" pitchFamily="34" charset="0"/>
+              <a:buNone/>
+            </a:pPr>
+            <a:endParaRPr lang="en-US" dirty="0"/>
+          </a:p>
+          <a:p>
+            <a:pPr>
+              <a:buFont typeface="Arial" pitchFamily="34" charset="0"/>
+              <a:buChar char="•"/>
+            </a:pPr>
+            <a:endParaRPr lang="en-US" altLang="ko-KR" b="1" dirty="0"/>
           </a:p>
         </p:txBody>
       </p:sp>
@@ -3153,7 +3180,7 @@
     </p:spTree>
     <p:extLst>
       <p:ext uri="{BB962C8B-B14F-4D97-AF65-F5344CB8AC3E}">
-        <p14:creationId xmlns:p14="http://schemas.microsoft.com/office/powerpoint/2010/main" val="3518386769"/>
+        <p14:creationId xmlns:p14="http://schemas.microsoft.com/office/powerpoint/2010/main" val="2683868688"/>
       </p:ext>
     </p:extLst>
   </p:cSld>
@@ -3224,55 +3251,7 @@
               <a:tabLst/>
               <a:defRPr/>
             </a:pPr>
-            <a:r>
-              <a:rPr lang="en-US" altLang="ko-KR" b="1" dirty="0"/>
-              <a:t>Notes:</a:t>
-            </a:r>
-            <a:endParaRPr lang="en-US" altLang="ko-KR" b="0" dirty="0"/>
-          </a:p>
-          <a:p>
-            <a:pPr marL="171450" indent="-171450">
-              <a:buFont typeface="Arial" panose="020B0604020202020204" pitchFamily="34" charset="0"/>
-              <a:buChar char="•"/>
-            </a:pPr>
-            <a:r>
-              <a:rPr lang="en-US" dirty="0"/>
-              <a:t> Perform Disk I/O only at the beginning of computation to load the data into memory.</a:t>
-            </a:r>
-          </a:p>
-          <a:p>
-            <a:pPr marL="171450" indent="-171450">
-              <a:buFont typeface="Arial" panose="020B0604020202020204" pitchFamily="34" charset="0"/>
-              <a:buChar char="•"/>
-            </a:pPr>
-            <a:r>
-              <a:rPr lang="en-US" dirty="0"/>
-              <a:t> Distribute the data over all the memory resources in the cluster.</a:t>
-            </a:r>
-          </a:p>
-          <a:p>
-            <a:pPr marL="171450" indent="-171450">
-              <a:buFont typeface="Arial" panose="020B0604020202020204" pitchFamily="34" charset="0"/>
-              <a:buChar char="•"/>
-            </a:pPr>
-            <a:r>
-              <a:rPr lang="en-US" dirty="0"/>
-              <a:t> Typically 10~100 times faster.</a:t>
-            </a:r>
-          </a:p>
-          <a:p>
-            <a:pPr marL="0" indent="0">
-              <a:buFont typeface="Arial" panose="020B0604020202020204" pitchFamily="34" charset="0"/>
-              <a:buNone/>
-            </a:pPr>
-            <a:endParaRPr lang="en-US" dirty="0"/>
-          </a:p>
-          <a:p>
-            <a:pPr>
-              <a:buFont typeface="Arial" pitchFamily="34" charset="0"/>
-              <a:buChar char="•"/>
-            </a:pPr>
-            <a:endParaRPr lang="en-US" altLang="ko-KR" b="1" dirty="0"/>
+            <a:endParaRPr lang="en-US" altLang="ko-KR" dirty="0"/>
           </a:p>
         </p:txBody>
       </p:sp>
@@ -3303,7 +3282,7 @@
     </p:spTree>
     <p:extLst>
       <p:ext uri="{BB962C8B-B14F-4D97-AF65-F5344CB8AC3E}">
-        <p14:creationId xmlns:p14="http://schemas.microsoft.com/office/powerpoint/2010/main" val="2683868688"/>
+        <p14:creationId xmlns:p14="http://schemas.microsoft.com/office/powerpoint/2010/main" val="2522196729"/>
       </p:ext>
     </p:extLst>
   </p:cSld>
@@ -3374,6 +3353,161 @@
               <a:tabLst/>
               <a:defRPr/>
             </a:pPr>
+            <a:r>
+              <a:rPr lang="en-US" altLang="ko-KR" b="1" dirty="0"/>
+              <a:t>Notes:</a:t>
+            </a:r>
+            <a:endParaRPr lang="en-US" altLang="ko-KR" b="0" dirty="0"/>
+          </a:p>
+          <a:p>
+            <a:pPr marL="182880" indent="0">
+              <a:buFont typeface="Arial" pitchFamily="34" charset="0"/>
+              <a:buChar char="•"/>
+              <a:tabLst>
+                <a:tab pos="3032125" algn="r"/>
+                <a:tab pos="3206750" algn="l"/>
+              </a:tabLst>
+            </a:pPr>
+            <a:r>
+              <a:rPr lang="en-US" b="0" dirty="0"/>
+              <a:t> Classification:	Predicting a binary or Boolean value for an entity with a given set of features.</a:t>
+            </a:r>
+          </a:p>
+          <a:p>
+            <a:pPr marL="182880" indent="0">
+              <a:buFont typeface="Arial" pitchFamily="34" charset="0"/>
+              <a:buChar char="•"/>
+              <a:tabLst>
+                <a:tab pos="3032125" algn="r"/>
+                <a:tab pos="3206750" algn="l"/>
+              </a:tabLst>
+            </a:pPr>
+            <a:r>
+              <a:rPr lang="en-US" b="0" dirty="0"/>
+              <a:t> Regression:	Predicting a real numeric value for an entity with a given set of features</a:t>
+            </a:r>
+          </a:p>
+          <a:p>
+            <a:pPr marL="182880" indent="0">
+              <a:buFont typeface="Arial" pitchFamily="34" charset="0"/>
+              <a:buChar char="•"/>
+              <a:tabLst>
+                <a:tab pos="3032125" algn="r"/>
+                <a:tab pos="3206750" algn="l"/>
+              </a:tabLst>
+            </a:pPr>
+            <a:r>
+              <a:rPr lang="en-US" b="0" dirty="0"/>
+              <a:t> Clustering:	Grouping entities with similar features.</a:t>
+            </a:r>
+          </a:p>
+          <a:p>
+            <a:pPr marL="182880" indent="0">
+              <a:buFont typeface="Arial" pitchFamily="34" charset="0"/>
+              <a:buChar char="•"/>
+              <a:tabLst>
+                <a:tab pos="3032125" algn="r"/>
+                <a:tab pos="3206750" algn="l"/>
+              </a:tabLst>
+            </a:pPr>
+            <a:r>
+              <a:rPr lang="en-US" b="0" dirty="0"/>
+              <a:t> Recommendation:	Recommending an item to a user based on past behavior or preferences of similar users.</a:t>
+            </a:r>
+          </a:p>
+          <a:p>
+            <a:pPr marL="0" marR="0" lvl="0" indent="0" algn="l" defTabSz="914400" rtl="0" eaLnBrk="1" fontAlgn="auto" latinLnBrk="0" hangingPunct="1">
+              <a:lnSpc>
+                <a:spcPct val="100000"/>
+              </a:lnSpc>
+              <a:spcBef>
+                <a:spcPts val="0"/>
+              </a:spcBef>
+              <a:spcAft>
+                <a:spcPts val="0"/>
+              </a:spcAft>
+              <a:buClrTx/>
+              <a:buSzTx/>
+              <a:buFontTx/>
+              <a:buNone/>
+              <a:tabLst/>
+              <a:defRPr/>
+            </a:pPr>
+            <a:endParaRPr lang="en-US" altLang="ko-KR" dirty="0"/>
+          </a:p>
+          <a:p>
+            <a:pPr marL="0" marR="0" lvl="0" indent="0" algn="l" defTabSz="914400" rtl="0" eaLnBrk="1" fontAlgn="auto" latinLnBrk="0" hangingPunct="1">
+              <a:lnSpc>
+                <a:spcPct val="100000"/>
+              </a:lnSpc>
+              <a:spcBef>
+                <a:spcPts val="0"/>
+              </a:spcBef>
+              <a:spcAft>
+                <a:spcPts val="0"/>
+              </a:spcAft>
+              <a:buClrTx/>
+              <a:buSzTx/>
+              <a:buFontTx/>
+              <a:buNone/>
+              <a:tabLst/>
+              <a:defRPr/>
+            </a:pPr>
+            <a:r>
+              <a:rPr lang="en-US" altLang="ko-KR" b="1" dirty="0"/>
+              <a:t>References</a:t>
+            </a:r>
+            <a:r>
+              <a:rPr lang="en-US" altLang="ko-KR" dirty="0"/>
+              <a:t>:</a:t>
+            </a:r>
+            <a:r>
+              <a:rPr lang="en-US" altLang="ko-KR" baseline="0" dirty="0"/>
+              <a:t> </a:t>
+            </a:r>
+          </a:p>
+          <a:p>
+            <a:pPr marL="0" marR="0" lvl="0" indent="0" algn="l" defTabSz="914400" rtl="0" eaLnBrk="1" fontAlgn="auto" latinLnBrk="0" hangingPunct="1">
+              <a:lnSpc>
+                <a:spcPct val="100000"/>
+              </a:lnSpc>
+              <a:spcBef>
+                <a:spcPts val="0"/>
+              </a:spcBef>
+              <a:spcAft>
+                <a:spcPts val="0"/>
+              </a:spcAft>
+              <a:buClrTx/>
+              <a:buSzTx/>
+              <a:buFontTx/>
+              <a:buNone/>
+              <a:tabLst/>
+              <a:defRPr/>
+            </a:pPr>
+            <a:r>
+              <a:rPr lang="en-US" altLang="ko-KR" baseline="0" dirty="0"/>
+              <a:t>Microsoft: DATA203x Data Science and Machine Learning Essentials, edx.org</a:t>
+            </a:r>
+            <a:endParaRPr lang="en-US" altLang="ko-KR" dirty="0"/>
+          </a:p>
+          <a:p>
+            <a:pPr marL="0" marR="0" lvl="0" indent="0" algn="l" defTabSz="914400" rtl="0" eaLnBrk="1" fontAlgn="auto" latinLnBrk="0" hangingPunct="1">
+              <a:lnSpc>
+                <a:spcPct val="100000"/>
+              </a:lnSpc>
+              <a:spcBef>
+                <a:spcPts val="0"/>
+              </a:spcBef>
+              <a:spcAft>
+                <a:spcPts val="0"/>
+              </a:spcAft>
+              <a:buClrTx/>
+              <a:buSzTx/>
+              <a:buFontTx/>
+              <a:buNone/>
+              <a:tabLst/>
+              <a:defRPr/>
+            </a:pPr>
             <a:endParaRPr lang="en-US" altLang="ko-KR" dirty="0"/>
           </a:p>
         </p:txBody>
@@ -3405,7 +3539,7 @@
     </p:spTree>
     <p:extLst>
       <p:ext uri="{BB962C8B-B14F-4D97-AF65-F5344CB8AC3E}">
-        <p14:creationId xmlns:p14="http://schemas.microsoft.com/office/powerpoint/2010/main" val="2522196729"/>
+        <p14:creationId xmlns:p14="http://schemas.microsoft.com/office/powerpoint/2010/main" val="515082500"/>
       </p:ext>
     </p:extLst>
   </p:cSld>
@@ -3483,62 +3617,6 @@
             <a:endParaRPr lang="en-US" altLang="ko-KR" b="0" dirty="0"/>
           </a:p>
           <a:p>
-            <a:pPr marL="182880" indent="0">
-              <a:buFont typeface="Arial" pitchFamily="34" charset="0"/>
-              <a:buChar char="•"/>
-              <a:tabLst>
-                <a:tab pos="3032125" algn="r"/>
-                <a:tab pos="3206750" algn="l"/>
-              </a:tabLst>
-            </a:pPr>
-            <a:r>
-              <a:rPr lang="en-US" b="0" dirty="0"/>
-              <a:t> Classification:	Predicting a binary or Boolean value for an entity with a given set of features.</a:t>
-            </a:r>
-          </a:p>
-          <a:p>
-            <a:pPr marL="182880" indent="0">
-              <a:buFont typeface="Arial" pitchFamily="34" charset="0"/>
-              <a:buChar char="•"/>
-              <a:tabLst>
-                <a:tab pos="3032125" algn="r"/>
-                <a:tab pos="3206750" algn="l"/>
-              </a:tabLst>
-            </a:pPr>
-            <a:r>
-              <a:rPr lang="en-US" b="0" dirty="0"/>
-              <a:t> Regression:	Predicting a real numeric value for an entity with a given set of features</a:t>
-            </a:r>
-          </a:p>
-          <a:p>
-            <a:pPr marL="182880" indent="0">
-              <a:buFont typeface="Arial" pitchFamily="34" charset="0"/>
-              <a:buChar char="•"/>
-              <a:tabLst>
-                <a:tab pos="3032125" algn="r"/>
-                <a:tab pos="3206750" algn="l"/>
-              </a:tabLst>
-            </a:pPr>
-            <a:r>
-              <a:rPr lang="en-US" b="0" dirty="0"/>
-              <a:t> Clustering:	Grouping entities with similar features.</a:t>
-            </a:r>
-          </a:p>
-          <a:p>
-            <a:pPr marL="182880" indent="0">
-              <a:buFont typeface="Arial" pitchFamily="34" charset="0"/>
-              <a:buChar char="•"/>
-              <a:tabLst>
-                <a:tab pos="3032125" algn="r"/>
-                <a:tab pos="3206750" algn="l"/>
-              </a:tabLst>
-            </a:pPr>
-            <a:r>
-              <a:rPr lang="en-US" b="0" dirty="0"/>
-              <a:t> Recommendation:	Recommending an item to a user based on past behavior or preferences of similar users.</a:t>
-            </a:r>
-          </a:p>
-          <a:p>
             <a:pPr marL="0" marR="0" lvl="0" indent="0" algn="l" defTabSz="914400" rtl="0" eaLnBrk="1" fontAlgn="auto" latinLnBrk="0" hangingPunct="1">
               <a:lnSpc>
                 <a:spcPct val="100000"/>
@@ -3551,87 +3629,20 @@
               </a:spcAft>
               <a:buClrTx/>
               <a:buSzTx/>
-              <a:buFontTx/>
-              <a:buNone/>
+              <a:buFont typeface="Arial" pitchFamily="34" charset="0"/>
+              <a:buChar char="•"/>
               <a:tabLst/>
               <a:defRPr/>
             </a:pPr>
-            <a:endParaRPr lang="en-US" altLang="ko-KR" dirty="0"/>
-          </a:p>
-          <a:p>
-            <a:pPr marL="0" marR="0" lvl="0" indent="0" algn="l" defTabSz="914400" rtl="0" eaLnBrk="1" fontAlgn="auto" latinLnBrk="0" hangingPunct="1">
-              <a:lnSpc>
-                <a:spcPct val="100000"/>
-              </a:lnSpc>
-              <a:spcBef>
-                <a:spcPts val="0"/>
-              </a:spcBef>
-              <a:spcAft>
-                <a:spcPts val="0"/>
-              </a:spcAft>
-              <a:buClrTx/>
-              <a:buSzTx/>
-              <a:buFontTx/>
-              <a:buNone/>
-              <a:tabLst/>
-              <a:defRPr/>
-            </a:pPr>
-            <a:r>
-              <a:rPr lang="en-US" altLang="ko-KR" b="1" dirty="0"/>
-              <a:t>References</a:t>
-            </a:r>
-            <a:r>
-              <a:rPr lang="en-US" altLang="ko-KR" dirty="0"/>
-              <a:t>:</a:t>
-            </a:r>
-            <a:r>
-              <a:rPr lang="en-US" altLang="ko-KR" baseline="0" dirty="0"/>
-              <a:t> </a:t>
-            </a:r>
-          </a:p>
-          <a:p>
-            <a:pPr marL="0" marR="0" lvl="0" indent="0" algn="l" defTabSz="914400" rtl="0" eaLnBrk="1" fontAlgn="auto" latinLnBrk="0" hangingPunct="1">
-              <a:lnSpc>
-                <a:spcPct val="100000"/>
-              </a:lnSpc>
-              <a:spcBef>
-                <a:spcPts val="0"/>
-              </a:spcBef>
-              <a:spcAft>
-                <a:spcPts val="0"/>
-              </a:spcAft>
-              <a:buClrTx/>
-              <a:buSzTx/>
-              <a:buFontTx/>
-              <a:buNone/>
-              <a:tabLst/>
-              <a:defRPr/>
-            </a:pPr>
-            <a:r>
-              <a:rPr lang="en-US" altLang="ko-KR" baseline="0" dirty="0"/>
-              <a:t>Microsoft: DATA203x Data Science and Machine Learning Essentials, edx.org</a:t>
-            </a:r>
-            <a:endParaRPr lang="en-US" altLang="ko-KR" dirty="0"/>
-          </a:p>
-          <a:p>
-            <a:pPr marL="0" marR="0" lvl="0" indent="0" algn="l" defTabSz="914400" rtl="0" eaLnBrk="1" fontAlgn="auto" latinLnBrk="0" hangingPunct="1">
-              <a:lnSpc>
-                <a:spcPct val="100000"/>
-              </a:lnSpc>
-              <a:spcBef>
-                <a:spcPts val="0"/>
-              </a:spcBef>
-              <a:spcAft>
-                <a:spcPts val="0"/>
-              </a:spcAft>
-              <a:buClrTx/>
-              <a:buSzTx/>
-              <a:buFontTx/>
-              <a:buNone/>
-              <a:tabLst/>
-              <a:defRPr/>
-            </a:pPr>
-            <a:endParaRPr lang="en-US" altLang="ko-KR" dirty="0"/>
+            <a:r>
+              <a:rPr lang="en-US" altLang="ko-KR" b="0" dirty="0"/>
+              <a:t> “Ground truth” refers to information provided</a:t>
+            </a:r>
+            <a:r>
+              <a:rPr lang="en-US" altLang="ko-KR" b="0" baseline="0" dirty="0"/>
+              <a:t> by direct observation.</a:t>
+            </a:r>
+            <a:endParaRPr lang="en-US" altLang="ko-KR" b="1" dirty="0"/>
           </a:p>
         </p:txBody>
       </p:sp>
@@ -3662,7 +3673,7 @@
     </p:spTree>
     <p:extLst>
       <p:ext uri="{BB962C8B-B14F-4D97-AF65-F5344CB8AC3E}">
-        <p14:creationId xmlns:p14="http://schemas.microsoft.com/office/powerpoint/2010/main" val="515082500"/>
+        <p14:creationId xmlns:p14="http://schemas.microsoft.com/office/powerpoint/2010/main" val="4046919602"/>
       </p:ext>
     </p:extLst>
   </p:cSld>
@@ -3733,39 +3744,7 @@
               <a:tabLst/>
               <a:defRPr/>
             </a:pPr>
-            <a:r>
-              <a:rPr lang="en-US" altLang="ko-KR" b="1" dirty="0"/>
-              <a:t>Notes:</a:t>
-            </a:r>
-            <a:endParaRPr lang="en-US" altLang="ko-KR" b="0" dirty="0"/>
-          </a:p>
-          <a:p>
-            <a:pPr marL="0" marR="0" lvl="0" indent="0" algn="l" defTabSz="914400" rtl="0" eaLnBrk="1" fontAlgn="auto" latinLnBrk="0" hangingPunct="1">
-              <a:lnSpc>
-                <a:spcPct val="100000"/>
-              </a:lnSpc>
-              <a:spcBef>
-                <a:spcPts val="0"/>
-              </a:spcBef>
-              <a:spcAft>
-                <a:spcPts val="0"/>
-              </a:spcAft>
-              <a:buClrTx/>
-              <a:buSzTx/>
-              <a:buFont typeface="Arial" pitchFamily="34" charset="0"/>
-              <a:buChar char="•"/>
-              <a:tabLst/>
-              <a:defRPr/>
-            </a:pPr>
-            <a:r>
-              <a:rPr lang="en-US" altLang="ko-KR" b="0" dirty="0"/>
-              <a:t> “Ground truth” refers to information provided</a:t>
-            </a:r>
-            <a:r>
-              <a:rPr lang="en-US" altLang="ko-KR" b="0" baseline="0" dirty="0"/>
-              <a:t> by direct observation.</a:t>
-            </a:r>
-            <a:endParaRPr lang="en-US" altLang="ko-KR" b="1" dirty="0"/>
+            <a:endParaRPr lang="en-US" altLang="ko-KR" dirty="0"/>
           </a:p>
         </p:txBody>
       </p:sp>
@@ -3796,7 +3775,7 @@
     </p:spTree>
     <p:extLst>
       <p:ext uri="{BB962C8B-B14F-4D97-AF65-F5344CB8AC3E}">
-        <p14:creationId xmlns:p14="http://schemas.microsoft.com/office/powerpoint/2010/main" val="4046919602"/>
+        <p14:creationId xmlns:p14="http://schemas.microsoft.com/office/powerpoint/2010/main" val="821121798"/>
       </p:ext>
     </p:extLst>
   </p:cSld>
@@ -3847,27 +3826,81 @@
         </p:nvSpPr>
         <p:spPr/>
         <p:txBody>
-          <a:bodyPr/>
+          <a:bodyPr>
+            <a:normAutofit/>
+          </a:bodyPr>
           <a:lstStyle/>
           <a:p>
-            <a:pPr marL="0" marR="0" lvl="0" indent="0" algn="l" defTabSz="914400" rtl="0" eaLnBrk="1" fontAlgn="auto" latinLnBrk="0" hangingPunct="1">
-              <a:lnSpc>
-                <a:spcPct val="100000"/>
-              </a:lnSpc>
-              <a:spcBef>
-                <a:spcPts val="0"/>
-              </a:spcBef>
-              <a:spcAft>
-                <a:spcPts val="0"/>
-              </a:spcAft>
-              <a:buClrTx/>
-              <a:buSzTx/>
-              <a:buFontTx/>
-              <a:buNone/>
-              <a:tabLst/>
-              <a:defRPr/>
+            <a:r>
+              <a:rPr lang="en-US" b="1" dirty="0"/>
+              <a:t>Notes:</a:t>
+            </a:r>
+            <a:endParaRPr lang="en-US" b="0" dirty="0"/>
+          </a:p>
+          <a:p>
+            <a:pPr>
+              <a:buFont typeface="Arial" pitchFamily="34" charset="0"/>
+              <a:buChar char="•"/>
             </a:pPr>
-            <a:endParaRPr lang="en-US" altLang="ko-KR" dirty="0"/>
+            <a:r>
+              <a:rPr lang="en-US" b="0" dirty="0"/>
+              <a:t> Initial data will typically not be in the correct format.</a:t>
+            </a:r>
+          </a:p>
+          <a:p>
+            <a:pPr>
+              <a:buFont typeface="Arial" pitchFamily="34" charset="0"/>
+              <a:buChar char="•"/>
+            </a:pPr>
+            <a:r>
+              <a:rPr lang="en-US" b="0" dirty="0"/>
+              <a:t> Features are extracted to represent</a:t>
+            </a:r>
+            <a:r>
+              <a:rPr lang="en-US" b="0" baseline="0" dirty="0"/>
+              <a:t> observations. Domain expertise is very important for this step.</a:t>
+            </a:r>
+          </a:p>
+          <a:p>
+            <a:pPr>
+              <a:buFont typeface="Arial" pitchFamily="34" charset="0"/>
+              <a:buChar char="•"/>
+            </a:pPr>
+            <a:r>
+              <a:rPr lang="en-US" b="0" baseline="0" dirty="0"/>
+              <a:t> A supervised model is then trained for classification or regression using labeled ground truth observations.</a:t>
+            </a:r>
+          </a:p>
+          <a:p>
+            <a:pPr>
+              <a:buFont typeface="Arial" pitchFamily="34" charset="0"/>
+              <a:buChar char="•"/>
+            </a:pPr>
+            <a:r>
+              <a:rPr lang="en-US" b="0" baseline="0" dirty="0"/>
+              <a:t> The model is run on the test data to see how it performs.</a:t>
+            </a:r>
+          </a:p>
+          <a:p>
+            <a:pPr>
+              <a:buFont typeface="Arial" pitchFamily="34" charset="0"/>
+              <a:buChar char="•"/>
+            </a:pPr>
+            <a:r>
+              <a:rPr lang="en-US" b="0" baseline="0" dirty="0"/>
+              <a:t> If necessary, iterations are performed.</a:t>
+            </a:r>
+          </a:p>
+          <a:p>
+            <a:pPr>
+              <a:buFont typeface="Arial" pitchFamily="34" charset="0"/>
+              <a:buChar char="•"/>
+            </a:pPr>
+            <a:r>
+              <a:rPr lang="en-US" b="0" baseline="0" dirty="0"/>
+              <a:t> Once feature representation and model are acceptable, model is used to analyze other data sets.</a:t>
+            </a:r>
+            <a:endParaRPr lang="en-US" b="1" baseline="0" dirty="0"/>
           </a:p>
         </p:txBody>
       </p:sp>
@@ -3896,11 +3929,6 @@
         </p:txBody>
       </p:sp>
     </p:spTree>
-    <p:extLst>
-      <p:ext uri="{BB962C8B-B14F-4D97-AF65-F5344CB8AC3E}">
-        <p14:creationId xmlns:p14="http://schemas.microsoft.com/office/powerpoint/2010/main" val="821121798"/>
-      </p:ext>
-    </p:extLst>
   </p:cSld>
   <p:clrMapOvr>
     <a:masterClrMapping/>
@@ -3949,81 +3977,104 @@
         </p:nvSpPr>
         <p:spPr/>
         <p:txBody>
-          <a:bodyPr>
-            <a:normAutofit/>
-          </a:bodyPr>
+          <a:bodyPr/>
           <a:lstStyle/>
           <a:p>
+            <a:pPr marL="171450" indent="-171450">
+              <a:buFont typeface="Arial" panose="020B0604020202020204" pitchFamily="34" charset="0"/>
+              <a:buNone/>
+            </a:pPr>
             <a:r>
               <a:rPr lang="en-US" b="1" dirty="0"/>
               <a:t>Notes:</a:t>
             </a:r>
-            <a:endParaRPr lang="en-US" b="0" dirty="0"/>
-          </a:p>
-          <a:p>
-            <a:pPr>
-              <a:buFont typeface="Arial" pitchFamily="34" charset="0"/>
+          </a:p>
+          <a:p>
+            <a:pPr marL="171450" indent="-171450">
+              <a:buFont typeface="Arial" panose="020B0604020202020204" pitchFamily="34" charset="0"/>
               <a:buChar char="•"/>
             </a:pPr>
             <a:r>
-              <a:rPr lang="en-US" b="0" dirty="0"/>
-              <a:t> Initial data will typically not be in the correct format.</a:t>
-            </a:r>
-          </a:p>
-          <a:p>
-            <a:pPr>
-              <a:buFont typeface="Arial" pitchFamily="34" charset="0"/>
+              <a:rPr lang="en-US" dirty="0"/>
+              <a:t>Classification algorithms answer</a:t>
+            </a:r>
+            <a:r>
+              <a:rPr lang="en-US" baseline="0" dirty="0"/>
+              <a:t> a binary question: </a:t>
+            </a:r>
+            <a:r>
+              <a:rPr lang="en-US" dirty="0"/>
+              <a:t>generally yes/no.</a:t>
+            </a:r>
+          </a:p>
+          <a:p>
+            <a:pPr marL="171450" indent="-171450">
+              <a:buFont typeface="Arial" panose="020B0604020202020204" pitchFamily="34" charset="0"/>
               <a:buChar char="•"/>
             </a:pPr>
             <a:r>
-              <a:rPr lang="en-US" b="0" dirty="0"/>
-              <a:t> Features are extracted to represent</a:t>
-            </a:r>
-            <a:r>
-              <a:rPr lang="en-US" b="0" baseline="0" dirty="0"/>
-              <a:t> observations. Domain expertise is very important for this step.</a:t>
-            </a:r>
-          </a:p>
-          <a:p>
-            <a:pPr>
-              <a:buFont typeface="Arial" pitchFamily="34" charset="0"/>
+              <a:rPr lang="en-US" dirty="0"/>
+              <a:t>Algorithm is provided with</a:t>
+            </a:r>
+            <a:r>
+              <a:rPr lang="en-US" baseline="0" dirty="0"/>
+              <a:t> a training set labeled with ground truth observations.</a:t>
+            </a:r>
+          </a:p>
+          <a:p>
+            <a:pPr marL="171450" indent="-171450">
+              <a:buFont typeface="Arial" panose="020B0604020202020204" pitchFamily="34" charset="0"/>
               <a:buChar char="•"/>
             </a:pPr>
             <a:r>
-              <a:rPr lang="en-US" b="0" baseline="0" dirty="0"/>
-              <a:t> A supervised model is then trained for classification or regression using labeled ground truth observations.</a:t>
-            </a:r>
-          </a:p>
-          <a:p>
-            <a:pPr>
-              <a:buFont typeface="Arial" pitchFamily="34" charset="0"/>
+              <a:rPr lang="en-US" dirty="0"/>
+              <a:t>Notice that the labels are “chair” or “not chair”; i.e.,</a:t>
+            </a:r>
+            <a:r>
+              <a:rPr lang="en-US" baseline="0" dirty="0"/>
+              <a:t> they are not labeled dog, car, etc.  </a:t>
+            </a:r>
+          </a:p>
+          <a:p>
+            <a:pPr marL="171450" indent="-171450">
+              <a:buFont typeface="Arial" panose="020B0604020202020204" pitchFamily="34" charset="0"/>
               <a:buChar char="•"/>
             </a:pPr>
             <a:r>
-              <a:rPr lang="en-US" b="0" baseline="0" dirty="0"/>
-              <a:t> The model is run on the test data to see how it performs.</a:t>
-            </a:r>
-          </a:p>
-          <a:p>
-            <a:pPr>
-              <a:buFont typeface="Arial" pitchFamily="34" charset="0"/>
+              <a:rPr lang="en-US" baseline="0" dirty="0"/>
+              <a:t>Alternatively, items could be labeled with the specific names and the algorithm would simply convert these to “not chair”.</a:t>
+            </a:r>
+          </a:p>
+          <a:p>
+            <a:pPr marL="171450" indent="-171450">
+              <a:buFont typeface="Arial" panose="020B0604020202020204" pitchFamily="34" charset="0"/>
               <a:buChar char="•"/>
             </a:pPr>
             <a:r>
-              <a:rPr lang="en-US" b="0" baseline="0" dirty="0"/>
-              <a:t> If necessary, iterations are performed.</a:t>
-            </a:r>
-          </a:p>
-          <a:p>
-            <a:pPr>
-              <a:buFont typeface="Arial" pitchFamily="34" charset="0"/>
+              <a:rPr lang="en-US" baseline="0" dirty="0"/>
+              <a:t>Notice that one item is really a chair but labeled incorrectly as “not chair”.  </a:t>
+            </a:r>
+          </a:p>
+          <a:p>
+            <a:pPr marL="628650" lvl="1" indent="-171450">
+              <a:buFont typeface="Arial" panose="020B0604020202020204" pitchFamily="34" charset="0"/>
               <a:buChar char="•"/>
             </a:pPr>
             <a:r>
-              <a:rPr lang="en-US" b="0" baseline="0" dirty="0"/>
-              <a:t> Once feature representation and model are acceptable, model is used to analyze other data sets.</a:t>
-            </a:r>
-            <a:endParaRPr lang="en-US" b="1" baseline="0" dirty="0"/>
+              <a:rPr lang="en-US" baseline="0" dirty="0"/>
+              <a:t>Data can have noise and errors, however, a small amount will not affect the overall effectiveness of the algorithm.</a:t>
+            </a:r>
+          </a:p>
+          <a:p>
+            <a:pPr marL="171450" indent="-171450">
+              <a:buFont typeface="Arial" panose="020B0604020202020204" pitchFamily="34" charset="0"/>
+              <a:buChar char="•"/>
+            </a:pPr>
+            <a:r>
+              <a:rPr lang="en-US" baseline="0" dirty="0"/>
+              <a:t>After running the machine-learning algorithm on the labeled training set, it must then be run on the test set to determine how accurate the algorithm is.</a:t>
+            </a:r>
+            <a:endParaRPr lang="en-US" dirty="0"/>
           </a:p>
         </p:txBody>
       </p:sp>
@@ -4052,6 +4103,11 @@
         </p:txBody>
       </p:sp>
     </p:spTree>
+    <p:extLst>
+      <p:ext uri="{BB962C8B-B14F-4D97-AF65-F5344CB8AC3E}">
+        <p14:creationId xmlns:p14="http://schemas.microsoft.com/office/powerpoint/2010/main" val="1879983112"/>
+      </p:ext>
+    </p:extLst>
   </p:cSld>
   <p:clrMapOvr>
     <a:masterClrMapping/>
@@ -4103,101 +4159,55 @@
           <a:bodyPr/>
           <a:lstStyle/>
           <a:p>
-            <a:pPr marL="171450" indent="-171450">
+            <a:pPr marL="171450" marR="0" lvl="0" indent="-171450" algn="l" defTabSz="914400" rtl="0" eaLnBrk="1" fontAlgn="auto" latinLnBrk="0" hangingPunct="1">
+              <a:lnSpc>
+                <a:spcPct val="100000"/>
+              </a:lnSpc>
+              <a:spcBef>
+                <a:spcPts val="0"/>
+              </a:spcBef>
+              <a:spcAft>
+                <a:spcPts val="0"/>
+              </a:spcAft>
+              <a:buClrTx/>
+              <a:buSzTx/>
               <a:buFont typeface="Arial" panose="020B0604020202020204" pitchFamily="34" charset="0"/>
               <a:buNone/>
+              <a:tabLst/>
+              <a:defRPr/>
             </a:pPr>
             <a:r>
-              <a:rPr lang="en-US" b="1" dirty="0"/>
+              <a:rPr lang="en-US" altLang="ko-KR" b="1" dirty="0"/>
               <a:t>Notes:</a:t>
             </a:r>
           </a:p>
           <a:p>
-            <a:pPr marL="171450" indent="-171450">
+            <a:pPr marL="171450" marR="0" lvl="0" indent="-171450" algn="l" defTabSz="914400" rtl="0" eaLnBrk="1" fontAlgn="auto" latinLnBrk="0" hangingPunct="1">
+              <a:lnSpc>
+                <a:spcPct val="100000"/>
+              </a:lnSpc>
+              <a:spcBef>
+                <a:spcPts val="0"/>
+              </a:spcBef>
+              <a:spcAft>
+                <a:spcPts val="0"/>
+              </a:spcAft>
+              <a:buClrTx/>
+              <a:buSzTx/>
               <a:buFont typeface="Arial" panose="020B0604020202020204" pitchFamily="34" charset="0"/>
               <a:buChar char="•"/>
+              <a:tabLst/>
+              <a:defRPr/>
             </a:pPr>
             <a:r>
-              <a:rPr lang="en-US" dirty="0"/>
-              <a:t>Classification algorithms answer</a:t>
-            </a:r>
-            <a:r>
-              <a:rPr lang="en-US" baseline="0" dirty="0"/>
-              <a:t> a binary question: </a:t>
-            </a:r>
-            <a:r>
-              <a:rPr lang="en-US" dirty="0"/>
-              <a:t>generally yes/no.</a:t>
-            </a:r>
-          </a:p>
-          <a:p>
-            <a:pPr marL="171450" indent="-171450">
-              <a:buFont typeface="Arial" panose="020B0604020202020204" pitchFamily="34" charset="0"/>
-              <a:buChar char="•"/>
-            </a:pPr>
-            <a:r>
-              <a:rPr lang="en-US" dirty="0"/>
-              <a:t>Algorithm is provided with</a:t>
-            </a:r>
-            <a:r>
-              <a:rPr lang="en-US" baseline="0" dirty="0"/>
-              <a:t> a training set labeled with ground truth observations.</a:t>
-            </a:r>
-          </a:p>
-          <a:p>
-            <a:pPr marL="171450" indent="-171450">
-              <a:buFont typeface="Arial" panose="020B0604020202020204" pitchFamily="34" charset="0"/>
-              <a:buChar char="•"/>
-            </a:pPr>
-            <a:r>
-              <a:rPr lang="en-US" dirty="0"/>
-              <a:t>Notice that the labels are “chair” or “not chair”; i.e.,</a:t>
-            </a:r>
-            <a:r>
-              <a:rPr lang="en-US" baseline="0" dirty="0"/>
-              <a:t> they are not labeled dog, car, etc.  </a:t>
-            </a:r>
-          </a:p>
-          <a:p>
-            <a:pPr marL="171450" indent="-171450">
-              <a:buFont typeface="Arial" panose="020B0604020202020204" pitchFamily="34" charset="0"/>
-              <a:buChar char="•"/>
-            </a:pPr>
-            <a:r>
-              <a:rPr lang="en-US" baseline="0" dirty="0"/>
-              <a:t>Alternatively, items could be labeled with the specific names and the algorithm would simply convert these to “not chair”.</a:t>
-            </a:r>
-          </a:p>
-          <a:p>
-            <a:pPr marL="171450" indent="-171450">
-              <a:buFont typeface="Arial" panose="020B0604020202020204" pitchFamily="34" charset="0"/>
-              <a:buChar char="•"/>
-            </a:pPr>
-            <a:r>
-              <a:rPr lang="en-US" baseline="0" dirty="0"/>
-              <a:t>Notice that one item is really a chair but labeled incorrectly as “not chair”.  </a:t>
-            </a:r>
-          </a:p>
-          <a:p>
-            <a:pPr marL="628650" lvl="1" indent="-171450">
-              <a:buFont typeface="Arial" panose="020B0604020202020204" pitchFamily="34" charset="0"/>
-              <a:buChar char="•"/>
-            </a:pPr>
-            <a:r>
-              <a:rPr lang="en-US" baseline="0" dirty="0"/>
-              <a:t>Data can have noise and errors, however, a small amount will not affect the overall effectiveness of the algorithm.</a:t>
-            </a:r>
-          </a:p>
-          <a:p>
-            <a:pPr marL="171450" indent="-171450">
-              <a:buFont typeface="Arial" panose="020B0604020202020204" pitchFamily="34" charset="0"/>
-              <a:buChar char="•"/>
-            </a:pPr>
-            <a:r>
-              <a:rPr lang="en-US" baseline="0" dirty="0"/>
-              <a:t>After running the machine-learning algorithm on the labeled training set, it must then be run on the test set to determine how accurate the algorithm is.</a:t>
-            </a:r>
-            <a:endParaRPr lang="en-US" dirty="0"/>
+              <a:rPr lang="en-US" altLang="ko-KR" dirty="0"/>
+              <a:t>Features</a:t>
+            </a:r>
+            <a:r>
+              <a:rPr lang="en-US" altLang="ko-KR" baseline="0" dirty="0"/>
+              <a:t> must be represented by numbers in order to run the algorithm</a:t>
+            </a:r>
+            <a:endParaRPr lang="en-US" altLang="ko-KR" dirty="0"/>
           </a:p>
         </p:txBody>
       </p:sp>
@@ -4228,7 +4238,7 @@
     </p:spTree>
     <p:extLst>
       <p:ext uri="{BB962C8B-B14F-4D97-AF65-F5344CB8AC3E}">
-        <p14:creationId xmlns:p14="http://schemas.microsoft.com/office/powerpoint/2010/main" val="1879983112"/>
+        <p14:creationId xmlns:p14="http://schemas.microsoft.com/office/powerpoint/2010/main" val="3482930993"/>
       </p:ext>
     </p:extLst>
   </p:cSld>
@@ -4282,7 +4292,7 @@
           <a:bodyPr/>
           <a:lstStyle/>
           <a:p>
-            <a:pPr marL="171450" marR="0" lvl="0" indent="-171450" algn="l" defTabSz="914400" rtl="0" eaLnBrk="1" fontAlgn="auto" latinLnBrk="0" hangingPunct="1">
+            <a:pPr marL="0" marR="0" lvl="0" indent="0" algn="l" defTabSz="914400" rtl="0" eaLnBrk="1" fontAlgn="auto" latinLnBrk="0" hangingPunct="1">
               <a:lnSpc>
                 <a:spcPct val="100000"/>
               </a:lnSpc>
@@ -4294,7 +4304,7 @@
               </a:spcAft>
               <a:buClrTx/>
               <a:buSzTx/>
-              <a:buFont typeface="Arial" panose="020B0604020202020204" pitchFamily="34" charset="0"/>
+              <a:buFontTx/>
               <a:buNone/>
               <a:tabLst/>
               <a:defRPr/>
@@ -4305,7 +4315,27 @@
             </a:r>
           </a:p>
           <a:p>
-            <a:pPr marL="171450" marR="0" lvl="0" indent="-171450" algn="l" defTabSz="914400" rtl="0" eaLnBrk="1" fontAlgn="auto" latinLnBrk="0" hangingPunct="1">
+            <a:pPr marL="0" lvl="2">
+              <a:buFont typeface="Arial" pitchFamily="34" charset="0"/>
+              <a:buChar char="•"/>
+            </a:pPr>
+            <a:r>
+              <a:rPr lang="en-US" altLang="ko-KR" sz="2200" dirty="0"/>
+              <a:t> In the previous slide, the case of representing images by raw RGB data was presented.</a:t>
+            </a:r>
+          </a:p>
+          <a:p>
+            <a:pPr marL="0" lvl="2">
+              <a:buFont typeface="Arial" pitchFamily="34" charset="0"/>
+              <a:buChar char="•"/>
+            </a:pPr>
+            <a:r>
+              <a:rPr lang="en-US" altLang="ko-KR" sz="2200" dirty="0"/>
+              <a:t> Only the most simple image classification will work with such a simple model.</a:t>
+            </a:r>
+          </a:p>
+          <a:p>
+            <a:pPr marL="0" marR="0" lvl="0" indent="0" algn="l" defTabSz="914400" rtl="0" eaLnBrk="1" fontAlgn="auto" latinLnBrk="0" hangingPunct="1">
               <a:lnSpc>
                 <a:spcPct val="100000"/>
               </a:lnSpc>
@@ -4317,20 +4347,12 @@
               </a:spcAft>
               <a:buClrTx/>
               <a:buSzTx/>
-              <a:buFont typeface="Arial" panose="020B0604020202020204" pitchFamily="34" charset="0"/>
+              <a:buFont typeface="Arial" pitchFamily="34" charset="0"/>
               <a:buChar char="•"/>
               <a:tabLst/>
               <a:defRPr/>
             </a:pPr>
-            <a:r>
-              <a:rPr lang="en-US" altLang="ko-KR" dirty="0"/>
-              <a:t>Features</a:t>
-            </a:r>
-            <a:r>
-              <a:rPr lang="en-US" altLang="ko-KR" baseline="0" dirty="0"/>
-              <a:t> must be represented by numbers in order to run the algorithm</a:t>
-            </a:r>
-            <a:endParaRPr lang="en-US" altLang="ko-KR" dirty="0"/>
+            <a:endParaRPr lang="en-US" altLang="ko-KR" b="0" dirty="0"/>
           </a:p>
         </p:txBody>
       </p:sp>
@@ -4361,7 +4383,7 @@
     </p:spTree>
     <p:extLst>
       <p:ext uri="{BB962C8B-B14F-4D97-AF65-F5344CB8AC3E}">
-        <p14:creationId xmlns:p14="http://schemas.microsoft.com/office/powerpoint/2010/main" val="3482930993"/>
+        <p14:creationId xmlns:p14="http://schemas.microsoft.com/office/powerpoint/2010/main" val="348366865"/>
       </p:ext>
     </p:extLst>
   </p:cSld>
@@ -4497,70 +4519,124 @@
         </p:nvSpPr>
         <p:spPr/>
         <p:txBody>
-          <a:bodyPr/>
+          <a:bodyPr>
+            <a:normAutofit lnSpcReduction="10000"/>
+          </a:bodyPr>
           <a:lstStyle/>
           <a:p>
-            <a:pPr marL="0" marR="0" lvl="0" indent="0" algn="l" defTabSz="914400" rtl="0" eaLnBrk="1" fontAlgn="auto" latinLnBrk="0" hangingPunct="1">
-              <a:lnSpc>
-                <a:spcPct val="100000"/>
-              </a:lnSpc>
-              <a:spcBef>
-                <a:spcPts val="0"/>
-              </a:spcBef>
-              <a:spcAft>
-                <a:spcPts val="0"/>
-              </a:spcAft>
-              <a:buClrTx/>
-              <a:buSzTx/>
-              <a:buFontTx/>
-              <a:buNone/>
-              <a:tabLst/>
-              <a:defRPr/>
+            <a:r>
+              <a:rPr lang="en-US" b="1" dirty="0"/>
+              <a:t>Notes:</a:t>
+            </a:r>
+          </a:p>
+          <a:p>
+            <a:pPr>
+              <a:buFont typeface="Arial" pitchFamily="34" charset="0"/>
+              <a:buChar char="•"/>
             </a:pPr>
             <a:r>
-              <a:rPr lang="en-US" altLang="ko-KR" b="1" dirty="0"/>
-              <a:t>Notes:</a:t>
-            </a:r>
+              <a:rPr lang="en-US" b="1" baseline="0" dirty="0"/>
+              <a:t> </a:t>
+            </a:r>
+            <a:r>
+              <a:rPr lang="en-US" b="0" baseline="0" dirty="0"/>
+              <a:t>Some sources of data:</a:t>
+            </a:r>
+            <a:endParaRPr lang="en-US" b="0" dirty="0"/>
           </a:p>
           <a:p>
             <a:pPr marL="0" lvl="2">
               <a:buFont typeface="Arial" pitchFamily="34" charset="0"/>
               <a:buChar char="•"/>
+              <a:tabLst>
+                <a:tab pos="1311275" algn="l"/>
+              </a:tabLst>
             </a:pPr>
             <a:r>
               <a:rPr lang="en-US" altLang="ko-KR" sz="2200" dirty="0"/>
-              <a:t> In the previous slide, the case of representing images by raw RGB data was presented.</a:t>
+              <a:t> Current sensor data </a:t>
             </a:r>
           </a:p>
           <a:p>
             <a:pPr marL="0" lvl="2">
               <a:buFont typeface="Arial" pitchFamily="34" charset="0"/>
               <a:buChar char="•"/>
+              <a:tabLst>
+                <a:tab pos="1311275" algn="l"/>
+              </a:tabLst>
             </a:pPr>
             <a:r>
               <a:rPr lang="en-US" altLang="ko-KR" sz="2200" dirty="0"/>
-              <a:t> Only the most simple image classification will work with such a simple model.</a:t>
-            </a:r>
-          </a:p>
-          <a:p>
-            <a:pPr marL="0" marR="0" lvl="0" indent="0" algn="l" defTabSz="914400" rtl="0" eaLnBrk="1" fontAlgn="auto" latinLnBrk="0" hangingPunct="1">
-              <a:lnSpc>
-                <a:spcPct val="100000"/>
-              </a:lnSpc>
-              <a:spcBef>
-                <a:spcPts val="0"/>
-              </a:spcBef>
-              <a:spcAft>
-                <a:spcPts val="0"/>
-              </a:spcAft>
-              <a:buClrTx/>
-              <a:buSzTx/>
+              <a:t> Historical data</a:t>
+            </a:r>
+          </a:p>
+          <a:p>
+            <a:pPr marL="0" lvl="2">
               <a:buFont typeface="Arial" pitchFamily="34" charset="0"/>
               <a:buChar char="•"/>
-              <a:tabLst/>
-              <a:defRPr/>
+              <a:tabLst>
+                <a:tab pos="1311275" algn="l"/>
+              </a:tabLst>
             </a:pPr>
-            <a:endParaRPr lang="en-US" altLang="ko-KR" b="0" dirty="0"/>
+            <a:r>
+              <a:rPr lang="en-US" altLang="ko-KR" sz="2200" dirty="0"/>
+              <a:t> Somewhere in between (i.e., yesterday’s sensor data, perhaps past 1 week)</a:t>
+            </a:r>
+          </a:p>
+          <a:p>
+            <a:pPr marL="0" lvl="2">
+              <a:buFont typeface="Arial" pitchFamily="34" charset="0"/>
+              <a:buChar char="•"/>
+              <a:tabLst>
+                <a:tab pos="1311275" algn="l"/>
+              </a:tabLst>
+            </a:pPr>
+            <a:r>
+              <a:rPr lang="en-US" altLang="ko-KR" sz="2200" dirty="0"/>
+              <a:t> Geographically, how wide of a range of sensors should be considered?</a:t>
+            </a:r>
+          </a:p>
+          <a:p>
+            <a:pPr marL="0" lvl="2">
+              <a:buFont typeface="Arial" pitchFamily="34" charset="0"/>
+              <a:buChar char="•"/>
+              <a:tabLst>
+                <a:tab pos="1311275" algn="l"/>
+              </a:tabLst>
+            </a:pPr>
+            <a:r>
+              <a:rPr lang="en-US" altLang="ko-KR" sz="2200" dirty="0"/>
+              <a:t> How far back, historically, should the data be examined?</a:t>
+            </a:r>
+          </a:p>
+          <a:p>
+            <a:pPr marL="0" lvl="2">
+              <a:buFont typeface="Arial" pitchFamily="34" charset="0"/>
+              <a:buChar char="•"/>
+              <a:tabLst>
+                <a:tab pos="1311275" algn="l"/>
+              </a:tabLst>
+            </a:pPr>
+            <a:r>
+              <a:rPr lang="en-US" altLang="ko-KR" sz="2200" dirty="0"/>
+              <a:t> Some data may be real, such as percentages.</a:t>
+            </a:r>
+          </a:p>
+          <a:p>
+            <a:pPr marL="0" lvl="2">
+              <a:buFont typeface="Arial" pitchFamily="34" charset="0"/>
+              <a:buChar char="•"/>
+              <a:tabLst>
+                <a:tab pos="1311275" algn="l"/>
+              </a:tabLst>
+            </a:pPr>
+            <a:r>
+              <a:rPr lang="en-US" altLang="ko-KR" sz="2200" dirty="0"/>
+              <a:t> Some data may be Boolean such as yes or no.</a:t>
+            </a:r>
+          </a:p>
+          <a:p>
+            <a:endParaRPr lang="en-US" b="1" dirty="0"/>
           </a:p>
         </p:txBody>
       </p:sp>
@@ -4589,11 +4665,6 @@
         </p:txBody>
       </p:sp>
     </p:spTree>
-    <p:extLst>
-      <p:ext uri="{BB962C8B-B14F-4D97-AF65-F5344CB8AC3E}">
-        <p14:creationId xmlns:p14="http://schemas.microsoft.com/office/powerpoint/2010/main" val="348366865"/>
-      </p:ext>
-    </p:extLst>
   </p:cSld>
   <p:clrMapOvr>
     <a:masterClrMapping/>
@@ -4643,7 +4714,7 @@
         <p:spPr/>
         <p:txBody>
           <a:bodyPr>
-            <a:normAutofit lnSpcReduction="10000"/>
+            <a:normAutofit/>
           </a:bodyPr>
           <a:lstStyle/>
           <a:p>
@@ -4651,21 +4722,6 @@
               <a:rPr lang="en-US" b="1" dirty="0"/>
               <a:t>Notes:</a:t>
             </a:r>
-          </a:p>
-          <a:p>
-            <a:pPr>
-              <a:buFont typeface="Arial" pitchFamily="34" charset="0"/>
-              <a:buChar char="•"/>
-            </a:pPr>
-            <a:r>
-              <a:rPr lang="en-US" b="1" baseline="0" dirty="0"/>
-              <a:t> </a:t>
-            </a:r>
-            <a:r>
-              <a:rPr lang="en-US" b="0" baseline="0" dirty="0"/>
-              <a:t>Some sources of data:</a:t>
-            </a:r>
-            <a:endParaRPr lang="en-US" b="0" dirty="0"/>
           </a:p>
           <a:p>
             <a:pPr marL="0" lvl="2">
@@ -4677,11 +4733,11 @@
             </a:pPr>
             <a:r>
               <a:rPr lang="en-US" altLang="ko-KR" sz="2200" dirty="0"/>
-              <a:t> Current sensor data </a:t>
-            </a:r>
-          </a:p>
-          <a:p>
-            <a:pPr marL="0" lvl="2">
+              <a:t> How are features combined together to form a predictive model?</a:t>
+            </a:r>
+          </a:p>
+          <a:p>
+            <a:pPr marL="457200" lvl="3">
               <a:buFont typeface="Arial" pitchFamily="34" charset="0"/>
               <a:buChar char="•"/>
               <a:tabLst>
@@ -4690,11 +4746,16 @@
             </a:pPr>
             <a:r>
               <a:rPr lang="en-US" altLang="ko-KR" sz="2200" dirty="0"/>
-              <a:t> Historical data</a:t>
-            </a:r>
-          </a:p>
-          <a:p>
-            <a:pPr marL="0" lvl="2">
+              <a:t> Features</a:t>
+            </a:r>
+            <a:r>
+              <a:rPr lang="en-US" altLang="ko-KR" sz="2200" baseline="0" dirty="0"/>
+              <a:t> could be added together, but this will most likely not be very accurate.</a:t>
+            </a:r>
+            <a:endParaRPr lang="en-US" altLang="ko-KR" sz="2200" dirty="0"/>
+          </a:p>
+          <a:p>
+            <a:pPr marL="457200" lvl="3">
               <a:buFont typeface="Arial" pitchFamily="34" charset="0"/>
               <a:buChar char="•"/>
               <a:tabLst>
@@ -4703,63 +4764,11 @@
             </a:pPr>
             <a:r>
               <a:rPr lang="en-US" altLang="ko-KR" sz="2200" dirty="0"/>
-              <a:t> Somewhere in between (i.e., yesterday’s sensor data, perhaps past 1 week)</a:t>
-            </a:r>
-          </a:p>
-          <a:p>
-            <a:pPr marL="0" lvl="2">
-              <a:buFont typeface="Arial" pitchFamily="34" charset="0"/>
-              <a:buChar char="•"/>
-              <a:tabLst>
-                <a:tab pos="1311275" algn="l"/>
-              </a:tabLst>
-            </a:pPr>
-            <a:r>
-              <a:rPr lang="en-US" altLang="ko-KR" sz="2200" dirty="0"/>
-              <a:t> Geographically, how wide of a range of sensors should be considered?</a:t>
-            </a:r>
-          </a:p>
-          <a:p>
-            <a:pPr marL="0" lvl="2">
-              <a:buFont typeface="Arial" pitchFamily="34" charset="0"/>
-              <a:buChar char="•"/>
-              <a:tabLst>
-                <a:tab pos="1311275" algn="l"/>
-              </a:tabLst>
-            </a:pPr>
-            <a:r>
-              <a:rPr lang="en-US" altLang="ko-KR" sz="2200" dirty="0"/>
-              <a:t> How far back, historically, should the data be examined?</a:t>
-            </a:r>
-          </a:p>
-          <a:p>
-            <a:pPr marL="0" lvl="2">
-              <a:buFont typeface="Arial" pitchFamily="34" charset="0"/>
-              <a:buChar char="•"/>
-              <a:tabLst>
-                <a:tab pos="1311275" algn="l"/>
-              </a:tabLst>
-            </a:pPr>
-            <a:r>
-              <a:rPr lang="en-US" altLang="ko-KR" sz="2200" dirty="0"/>
-              <a:t> Some data may be real, such as percentages.</a:t>
-            </a:r>
-          </a:p>
-          <a:p>
-            <a:pPr marL="0" lvl="2">
-              <a:buFont typeface="Arial" pitchFamily="34" charset="0"/>
-              <a:buChar char="•"/>
-              <a:tabLst>
-                <a:tab pos="1311275" algn="l"/>
-              </a:tabLst>
-            </a:pPr>
-            <a:r>
-              <a:rPr lang="en-US" altLang="ko-KR" sz="2200" dirty="0"/>
-              <a:t> Some data may be Boolean such as yes or no.</a:t>
-            </a:r>
-          </a:p>
-          <a:p>
-            <a:endParaRPr lang="en-US" b="1" dirty="0"/>
+              <a:t> Features could be weighted and then added together, but how would weights be determined?</a:t>
+            </a:r>
+          </a:p>
+          <a:p>
+            <a:endParaRPr lang="en-US" b="0" dirty="0"/>
           </a:p>
         </p:txBody>
       </p:sp>
@@ -4836,13 +4845,16 @@
         </p:nvSpPr>
         <p:spPr/>
         <p:txBody>
-          <a:bodyPr>
-            <a:normAutofit/>
-          </a:bodyPr>
+          <a:bodyPr/>
           <a:lstStyle/>
           <a:p>
-            <a:r>
-              <a:rPr lang="en-US" b="1" dirty="0"/>
+            <a:pPr marL="0" lvl="2">
+              <a:tabLst>
+                <a:tab pos="1311275" algn="l"/>
+              </a:tabLst>
+            </a:pPr>
+            <a:r>
+              <a:rPr lang="en-US" altLang="ko-KR" sz="2200" b="1" dirty="0"/>
               <a:t>Notes:</a:t>
             </a:r>
           </a:p>
@@ -4856,42 +4868,12 @@
             </a:pPr>
             <a:r>
               <a:rPr lang="en-US" altLang="ko-KR" sz="2200" dirty="0"/>
-              <a:t> How are features combined together to form a predictive model?</a:t>
-            </a:r>
-          </a:p>
-          <a:p>
-            <a:pPr marL="457200" lvl="3">
-              <a:buFont typeface="Arial" pitchFamily="34" charset="0"/>
-              <a:buChar char="•"/>
-              <a:tabLst>
-                <a:tab pos="1311275" algn="l"/>
-              </a:tabLst>
-            </a:pPr>
-            <a:r>
-              <a:rPr lang="en-US" altLang="ko-KR" sz="2200" dirty="0"/>
-              <a:t> Features</a:t>
-            </a:r>
-            <a:r>
-              <a:rPr lang="en-US" altLang="ko-KR" sz="2200" baseline="0" dirty="0"/>
-              <a:t> could be added together, but this will most likely not be very accurate.</a:t>
-            </a:r>
-            <a:endParaRPr lang="en-US" altLang="ko-KR" sz="2200" dirty="0"/>
-          </a:p>
-          <a:p>
-            <a:pPr marL="457200" lvl="3">
-              <a:buFont typeface="Arial" pitchFamily="34" charset="0"/>
-              <a:buChar char="•"/>
-              <a:tabLst>
-                <a:tab pos="1311275" algn="l"/>
-              </a:tabLst>
-            </a:pPr>
-            <a:r>
-              <a:rPr lang="en-US" altLang="ko-KR" sz="2200" dirty="0"/>
-              <a:t> Features could be weighted and then added together, but how would weights be determined?</a:t>
-            </a:r>
-          </a:p>
-          <a:p>
-            <a:endParaRPr lang="en-US" b="0" dirty="0"/>
+              <a:t> Remember, this is a supervised learning mode, where the ground truth observation is available – i.e., did it rain or not?</a:t>
+            </a:r>
+          </a:p>
+          <a:p>
+            <a:pPr marL="0"/>
+            <a:endParaRPr lang="en-US" dirty="0"/>
           </a:p>
         </p:txBody>
       </p:sp>
@@ -4920,6 +4902,11 @@
         </p:txBody>
       </p:sp>
     </p:spTree>
+    <p:extLst>
+      <p:ext uri="{BB962C8B-B14F-4D97-AF65-F5344CB8AC3E}">
+        <p14:creationId xmlns:p14="http://schemas.microsoft.com/office/powerpoint/2010/main" val="1274426112"/>
+      </p:ext>
+    </p:extLst>
   </p:cSld>
   <p:clrMapOvr>
     <a:masterClrMapping/>
@@ -4971,32 +4958,157 @@
           <a:bodyPr/>
           <a:lstStyle/>
           <a:p>
-            <a:pPr marL="0" lvl="2">
-              <a:tabLst>
-                <a:tab pos="1311275" algn="l"/>
-              </a:tabLst>
+            <a:r>
+              <a:rPr lang="en-US" b="1" dirty="0" smtClean="0"/>
+              <a:t>Notes:</a:t>
+            </a:r>
+            <a:endParaRPr lang="en-US" b="1" dirty="0"/>
+          </a:p>
+          <a:p>
+            <a:pPr marL="171450" indent="-171450">
+              <a:buFont typeface="Arial" panose="020B0604020202020204" pitchFamily="34" charset="0"/>
+              <a:buChar char="•"/>
             </a:pPr>
             <a:r>
-              <a:rPr lang="en-US" altLang="ko-KR" sz="2200" b="1" dirty="0"/>
-              <a:t>Notes:</a:t>
-            </a:r>
-          </a:p>
-          <a:p>
-            <a:pPr marL="0" lvl="2">
-              <a:buFont typeface="Arial" pitchFamily="34" charset="0"/>
+              <a:rPr lang="en-US" dirty="0"/>
+              <a:t>Information Management:  tools</a:t>
+            </a:r>
+            <a:r>
+              <a:rPr lang="en-US" baseline="0" dirty="0"/>
+              <a:t> to manage the acquisition, orchestration and ingestion of data</a:t>
+            </a:r>
+          </a:p>
+          <a:p>
+            <a:pPr marL="171450" indent="-171450">
+              <a:buFont typeface="Arial" panose="020B0604020202020204" pitchFamily="34" charset="0"/>
               <a:buChar char="•"/>
-              <a:tabLst>
-                <a:tab pos="1311275" algn="l"/>
-              </a:tabLst>
             </a:pPr>
             <a:r>
-              <a:rPr lang="en-US" altLang="ko-KR" sz="2200" dirty="0"/>
-              <a:t> Remember, this is a supervised learning mode, where the ground truth observation is available – i.e., did it rain or not?</a:t>
-            </a:r>
-          </a:p>
-          <a:p>
-            <a:pPr marL="0"/>
-            <a:endParaRPr lang="en-US" dirty="0"/>
+              <a:rPr lang="en-US" baseline="0" dirty="0"/>
+              <a:t>Big Data Stores:  Data lakes, Blobs, Elastic Storage</a:t>
+            </a:r>
+          </a:p>
+          <a:p>
+            <a:pPr marL="171450" indent="-171450">
+              <a:buFont typeface="Arial" panose="020B0604020202020204" pitchFamily="34" charset="0"/>
+              <a:buChar char="•"/>
+            </a:pPr>
+            <a:r>
+              <a:rPr lang="en-US" baseline="0" dirty="0"/>
+              <a:t>ML and Advance Analytics:  Visual tools and suite of algorithms for machine learning and advanced analytics, stream analytics</a:t>
+            </a:r>
+          </a:p>
+          <a:p>
+            <a:pPr marL="171450" indent="-171450">
+              <a:buFont typeface="Arial" panose="020B0604020202020204" pitchFamily="34" charset="0"/>
+              <a:buChar char="•"/>
+            </a:pPr>
+            <a:r>
+              <a:rPr lang="en-US" baseline="0" dirty="0"/>
+              <a:t>Dashboards and Visualization:</a:t>
+            </a:r>
+          </a:p>
+          <a:p>
+            <a:pPr marL="171450" indent="-171450">
+              <a:buFont typeface="Arial" panose="020B0604020202020204" pitchFamily="34" charset="0"/>
+              <a:buChar char="•"/>
+            </a:pPr>
+            <a:r>
+              <a:rPr lang="en-US" baseline="0" dirty="0"/>
+              <a:t>Cognitive Services:  A suite of API’s for Vision (face recognition, emotion recognition), Speech (speaker recognition,, speech recognition), Linguistics (text analytics), </a:t>
+            </a:r>
+            <a:r>
+              <a:rPr lang="en-US" baseline="0" dirty="0" err="1"/>
+              <a:t>etc</a:t>
+            </a:r>
+            <a:endParaRPr lang="en-US" baseline="0" dirty="0"/>
+          </a:p>
+          <a:p>
+            <a:pPr marL="171450" indent="-171450">
+              <a:buFont typeface="Arial" panose="020B0604020202020204" pitchFamily="34" charset="0"/>
+              <a:buChar char="•"/>
+            </a:pPr>
+            <a:endParaRPr lang="en-US" baseline="0" dirty="0"/>
+          </a:p>
+          <a:p>
+            <a:pPr marL="171450" indent="-171450">
+              <a:buFont typeface="Arial" panose="020B0604020202020204" pitchFamily="34" charset="0"/>
+              <a:buChar char="•"/>
+            </a:pPr>
+            <a:r>
+              <a:rPr lang="en-US" baseline="0" dirty="0"/>
+              <a:t>Tools make doing advanced analytics / predictive analytics very easy and practical.</a:t>
+            </a:r>
+          </a:p>
+          <a:p>
+            <a:pPr marL="171450" indent="-171450">
+              <a:buFont typeface="Arial" panose="020B0604020202020204" pitchFamily="34" charset="0"/>
+              <a:buChar char="•"/>
+            </a:pPr>
+            <a:r>
+              <a:rPr lang="en-US" baseline="0" dirty="0"/>
+              <a:t>As these types of tools develop, the demand for “data scientists” may </a:t>
+            </a:r>
+            <a:r>
+              <a:rPr lang="en-US" baseline="0" dirty="0" smtClean="0"/>
+              <a:t>dwindle</a:t>
+            </a:r>
+          </a:p>
+          <a:p>
+            <a:pPr marL="171450" indent="-171450">
+              <a:buFont typeface="Arial" panose="020B0604020202020204" pitchFamily="34" charset="0"/>
+              <a:buChar char="•"/>
+            </a:pPr>
+            <a:endParaRPr lang="en-US" baseline="0" dirty="0" smtClean="0"/>
+          </a:p>
+          <a:p>
+            <a:pPr marL="0" indent="0">
+              <a:buFont typeface="Arial" panose="020B0604020202020204" pitchFamily="34" charset="0"/>
+              <a:buNone/>
+            </a:pPr>
+            <a:r>
+              <a:rPr lang="en-US" b="1" baseline="0" dirty="0" smtClean="0"/>
+              <a:t>References:</a:t>
+            </a:r>
+          </a:p>
+          <a:p>
+            <a:pPr marL="171450" marR="0" indent="-171450" algn="l" defTabSz="914400" rtl="0" eaLnBrk="1" fontAlgn="auto" latinLnBrk="0" hangingPunct="1">
+              <a:lnSpc>
+                <a:spcPct val="100000"/>
+              </a:lnSpc>
+              <a:spcBef>
+                <a:spcPts val="0"/>
+              </a:spcBef>
+              <a:spcAft>
+                <a:spcPts val="0"/>
+              </a:spcAft>
+              <a:buClrTx/>
+              <a:buSzTx/>
+              <a:buFont typeface="Arial" panose="020B0604020202020204" pitchFamily="34" charset="0"/>
+              <a:buChar char="•"/>
+              <a:tabLst/>
+              <a:defRPr/>
+            </a:pPr>
+            <a:r>
+              <a:rPr lang="en-US" dirty="0" smtClean="0"/>
+              <a:t>https://</a:t>
+            </a:r>
+            <a:r>
+              <a:rPr lang="en-US" dirty="0" err="1" smtClean="0"/>
+              <a:t>www.microsoft.com</a:t>
+            </a:r>
+            <a:r>
+              <a:rPr lang="en-US" dirty="0" smtClean="0"/>
+              <a:t>/en-us/cloud-platform/</a:t>
+            </a:r>
+            <a:r>
+              <a:rPr lang="en-US" dirty="0" err="1" smtClean="0"/>
+              <a:t>cortana</a:t>
+            </a:r>
+            <a:r>
+              <a:rPr lang="en-US" dirty="0" smtClean="0"/>
+              <a:t>-intelligence-suite</a:t>
+            </a:r>
           </a:p>
         </p:txBody>
       </p:sp>
@@ -5027,7 +5139,7 @@
     </p:spTree>
     <p:extLst>
       <p:ext uri="{BB962C8B-B14F-4D97-AF65-F5344CB8AC3E}">
-        <p14:creationId xmlns:p14="http://schemas.microsoft.com/office/powerpoint/2010/main" val="1274426112"/>
+        <p14:creationId xmlns:p14="http://schemas.microsoft.com/office/powerpoint/2010/main" val="3961919071"/>
       </p:ext>
     </p:extLst>
   </p:cSld>
@@ -5081,157 +5193,7 @@
           <a:bodyPr/>
           <a:lstStyle/>
           <a:p>
-            <a:r>
-              <a:rPr lang="en-US" b="1" dirty="0" smtClean="0"/>
-              <a:t>Notes:</a:t>
-            </a:r>
-            <a:endParaRPr lang="en-US" b="1" dirty="0"/>
-          </a:p>
-          <a:p>
-            <a:pPr marL="171450" indent="-171450">
-              <a:buFont typeface="Arial" panose="020B0604020202020204" pitchFamily="34" charset="0"/>
-              <a:buChar char="•"/>
-            </a:pPr>
-            <a:r>
-              <a:rPr lang="en-US" dirty="0"/>
-              <a:t>Information Management:  tools</a:t>
-            </a:r>
-            <a:r>
-              <a:rPr lang="en-US" baseline="0" dirty="0"/>
-              <a:t> to manage the acquisition, orchestration and ingestion of data</a:t>
-            </a:r>
-          </a:p>
-          <a:p>
-            <a:pPr marL="171450" indent="-171450">
-              <a:buFont typeface="Arial" panose="020B0604020202020204" pitchFamily="34" charset="0"/>
-              <a:buChar char="•"/>
-            </a:pPr>
-            <a:r>
-              <a:rPr lang="en-US" baseline="0" dirty="0"/>
-              <a:t>Big Data Stores:  Data lakes, Blobs, Elastic Storage</a:t>
-            </a:r>
-          </a:p>
-          <a:p>
-            <a:pPr marL="171450" indent="-171450">
-              <a:buFont typeface="Arial" panose="020B0604020202020204" pitchFamily="34" charset="0"/>
-              <a:buChar char="•"/>
-            </a:pPr>
-            <a:r>
-              <a:rPr lang="en-US" baseline="0" dirty="0"/>
-              <a:t>ML and Advance Analytics:  Visual tools and suite of algorithms for machine learning and advanced analytics, stream analytics</a:t>
-            </a:r>
-          </a:p>
-          <a:p>
-            <a:pPr marL="171450" indent="-171450">
-              <a:buFont typeface="Arial" panose="020B0604020202020204" pitchFamily="34" charset="0"/>
-              <a:buChar char="•"/>
-            </a:pPr>
-            <a:r>
-              <a:rPr lang="en-US" baseline="0" dirty="0"/>
-              <a:t>Dashboards and Visualization:</a:t>
-            </a:r>
-          </a:p>
-          <a:p>
-            <a:pPr marL="171450" indent="-171450">
-              <a:buFont typeface="Arial" panose="020B0604020202020204" pitchFamily="34" charset="0"/>
-              <a:buChar char="•"/>
-            </a:pPr>
-            <a:r>
-              <a:rPr lang="en-US" baseline="0" dirty="0"/>
-              <a:t>Cognitive Services:  A suite of API’s for Vision (face recognition, emotion recognition), Speech (speaker recognition,, speech recognition), Linguistics (text analytics), </a:t>
-            </a:r>
-            <a:r>
-              <a:rPr lang="en-US" baseline="0" dirty="0" err="1"/>
-              <a:t>etc</a:t>
-            </a:r>
-            <a:endParaRPr lang="en-US" baseline="0" dirty="0"/>
-          </a:p>
-          <a:p>
-            <a:pPr marL="171450" indent="-171450">
-              <a:buFont typeface="Arial" panose="020B0604020202020204" pitchFamily="34" charset="0"/>
-              <a:buChar char="•"/>
-            </a:pPr>
-            <a:endParaRPr lang="en-US" baseline="0" dirty="0"/>
-          </a:p>
-          <a:p>
-            <a:pPr marL="171450" indent="-171450">
-              <a:buFont typeface="Arial" panose="020B0604020202020204" pitchFamily="34" charset="0"/>
-              <a:buChar char="•"/>
-            </a:pPr>
-            <a:r>
-              <a:rPr lang="en-US" baseline="0" dirty="0"/>
-              <a:t>Tools make doing advanced analytics / predictive analytics very easy and practical.</a:t>
-            </a:r>
-          </a:p>
-          <a:p>
-            <a:pPr marL="171450" indent="-171450">
-              <a:buFont typeface="Arial" panose="020B0604020202020204" pitchFamily="34" charset="0"/>
-              <a:buChar char="•"/>
-            </a:pPr>
-            <a:r>
-              <a:rPr lang="en-US" baseline="0" dirty="0"/>
-              <a:t>As these types of tools develop, the demand for “data scientists” may </a:t>
-            </a:r>
-            <a:r>
-              <a:rPr lang="en-US" baseline="0" dirty="0" smtClean="0"/>
-              <a:t>dwindle</a:t>
-            </a:r>
-          </a:p>
-          <a:p>
-            <a:pPr marL="171450" indent="-171450">
-              <a:buFont typeface="Arial" panose="020B0604020202020204" pitchFamily="34" charset="0"/>
-              <a:buChar char="•"/>
-            </a:pPr>
-            <a:endParaRPr lang="en-US" baseline="0" dirty="0" smtClean="0"/>
-          </a:p>
-          <a:p>
-            <a:pPr marL="0" indent="0">
-              <a:buFont typeface="Arial" panose="020B0604020202020204" pitchFamily="34" charset="0"/>
-              <a:buNone/>
-            </a:pPr>
-            <a:r>
-              <a:rPr lang="en-US" b="1" baseline="0" dirty="0" smtClean="0"/>
-              <a:t>References:</a:t>
-            </a:r>
-          </a:p>
-          <a:p>
-            <a:pPr marL="171450" marR="0" indent="-171450" algn="l" defTabSz="914400" rtl="0" eaLnBrk="1" fontAlgn="auto" latinLnBrk="0" hangingPunct="1">
-              <a:lnSpc>
-                <a:spcPct val="100000"/>
-              </a:lnSpc>
-              <a:spcBef>
-                <a:spcPts val="0"/>
-              </a:spcBef>
-              <a:spcAft>
-                <a:spcPts val="0"/>
-              </a:spcAft>
-              <a:buClrTx/>
-              <a:buSzTx/>
-              <a:buFont typeface="Arial" panose="020B0604020202020204" pitchFamily="34" charset="0"/>
-              <a:buChar char="•"/>
-              <a:tabLst/>
-              <a:defRPr/>
-            </a:pPr>
-            <a:r>
-              <a:rPr lang="en-US" dirty="0" smtClean="0"/>
-              <a:t>https://</a:t>
-            </a:r>
-            <a:r>
-              <a:rPr lang="en-US" dirty="0" err="1" smtClean="0"/>
-              <a:t>www.microsoft.com</a:t>
-            </a:r>
-            <a:r>
-              <a:rPr lang="en-US" dirty="0" smtClean="0"/>
-              <a:t>/en-us/cloud-platform/</a:t>
-            </a:r>
-            <a:r>
-              <a:rPr lang="en-US" dirty="0" err="1" smtClean="0"/>
-              <a:t>cortana</a:t>
-            </a:r>
-            <a:r>
-              <a:rPr lang="en-US" dirty="0" smtClean="0"/>
-              <a:t>-intelligence-suite</a:t>
-            </a:r>
+            <a:endParaRPr lang="ko-KR" altLang="en-US" dirty="0"/>
           </a:p>
         </p:txBody>
       </p:sp>
@@ -5254,91 +5216,6 @@
               <a:rPr lang="en-US" smtClean="0"/>
               <a:pPr/>
               <a:t>35</a:t>
-            </a:fld>
-            <a:endParaRPr lang="en-US"/>
-          </a:p>
-        </p:txBody>
-      </p:sp>
-    </p:spTree>
-    <p:extLst>
-      <p:ext uri="{BB962C8B-B14F-4D97-AF65-F5344CB8AC3E}">
-        <p14:creationId xmlns:p14="http://schemas.microsoft.com/office/powerpoint/2010/main" val="3961919071"/>
-      </p:ext>
-    </p:extLst>
-  </p:cSld>
-  <p:clrMapOvr>
-    <a:masterClrMapping/>
-  </p:clrMapOvr>
-</p:notes>
-</file>
-
-<file path=ppt/notesSlides/notesSlide35.xml><?xml version="1.0" encoding="utf-8"?>
-<p:notes xmlns:a="http://schemas.openxmlformats.org/drawingml/2006/main" xmlns:r="http://schemas.openxmlformats.org/officeDocument/2006/relationships" xmlns:p="http://schemas.openxmlformats.org/presentationml/2006/main">
-  <p:cSld>
-    <p:spTree>
-      <p:nvGrpSpPr>
-        <p:cNvPr id="1" name=""/>
-        <p:cNvGrpSpPr/>
-        <p:nvPr/>
-      </p:nvGrpSpPr>
-      <p:grpSpPr>
-        <a:xfrm>
-          <a:off x="0" y="0"/>
-          <a:ext cx="0" cy="0"/>
-          <a:chOff x="0" y="0"/>
-          <a:chExt cx="0" cy="0"/>
-        </a:xfrm>
-      </p:grpSpPr>
-      <p:sp>
-        <p:nvSpPr>
-          <p:cNvPr id="2" name="Slide Image Placeholder 1"/>
-          <p:cNvSpPr>
-            <a:spLocks noGrp="1" noRot="1" noChangeAspect="1"/>
-          </p:cNvSpPr>
-          <p:nvPr>
-            <p:ph type="sldImg"/>
-          </p:nvPr>
-        </p:nvSpPr>
-        <p:spPr/>
-      </p:sp>
-      <p:sp>
-        <p:nvSpPr>
-          <p:cNvPr id="3" name="Notes Placeholder 2"/>
-          <p:cNvSpPr>
-            <a:spLocks noGrp="1"/>
-          </p:cNvSpPr>
-          <p:nvPr>
-            <p:ph type="body" idx="1"/>
-          </p:nvPr>
-        </p:nvSpPr>
-        <p:spPr/>
-        <p:txBody>
-          <a:bodyPr/>
-          <a:lstStyle/>
-          <a:p>
-            <a:endParaRPr lang="ko-KR" altLang="en-US" dirty="0"/>
-          </a:p>
-        </p:txBody>
-      </p:sp>
-      <p:sp>
-        <p:nvSpPr>
-          <p:cNvPr id="4" name="Slide Number Placeholder 3"/>
-          <p:cNvSpPr>
-            <a:spLocks noGrp="1"/>
-          </p:cNvSpPr>
-          <p:nvPr>
-            <p:ph type="sldNum" sz="quarter" idx="10"/>
-          </p:nvPr>
-        </p:nvSpPr>
-        <p:spPr/>
-        <p:txBody>
-          <a:bodyPr/>
-          <a:lstStyle/>
-          <a:p>
-            <a:fld id="{01283FAC-A721-45A3-BBDE-EAF2B09B7CD9}" type="slidenum">
-              <a:rPr lang="en-US" smtClean="0"/>
-              <a:pPr/>
-              <a:t>36</a:t>
             </a:fld>
             <a:endParaRPr lang="en-US"/>
           </a:p>
@@ -6412,7 +6289,7 @@
           <a:bodyPr/>
           <a:lstStyle/>
           <a:p>
-            <a:pPr marL="0" marR="0" indent="0" algn="l" defTabSz="914400" rtl="0" eaLnBrk="1" fontAlgn="auto" latinLnBrk="0" hangingPunct="1">
+            <a:pPr marL="0" marR="0" lvl="0" indent="0" algn="l" defTabSz="914400" rtl="0" eaLnBrk="1" fontAlgn="auto" latinLnBrk="0" hangingPunct="1">
               <a:lnSpc>
                 <a:spcPct val="100000"/>
               </a:lnSpc>
@@ -6429,13 +6306,10 @@
               <a:tabLst/>
               <a:defRPr/>
             </a:pPr>
-            <a:r>
-              <a:rPr lang="en-US" b="1" dirty="0" smtClean="0"/>
-              <a:t>Notes:</a:t>
-            </a:r>
-          </a:p>
-          <a:p>
-            <a:pPr marL="171450" marR="0" indent="-171450" algn="l" defTabSz="914400" rtl="0" eaLnBrk="1" fontAlgn="auto" latinLnBrk="0" hangingPunct="1">
+            <a:endParaRPr lang="en-US" altLang="ko-KR" dirty="0"/>
+          </a:p>
+          <a:p>
+            <a:pPr marL="0" marR="0" lvl="0" indent="0" algn="l" defTabSz="914400" rtl="0" eaLnBrk="1" fontAlgn="auto" latinLnBrk="0" hangingPunct="1">
               <a:lnSpc>
                 <a:spcPct val="100000"/>
               </a:lnSpc>
@@ -6447,78 +6321,12 @@
               </a:spcAft>
               <a:buClrTx/>
               <a:buSzTx/>
-              <a:buFont typeface="Arial"/>
-              <a:buChar char="•"/>
+              <a:buFontTx/>
+              <a:buNone/>
               <a:tabLst/>
               <a:defRPr/>
             </a:pPr>
-            <a:r>
-              <a:rPr lang="en-US" dirty="0" smtClean="0"/>
-              <a:t>Many knowledge based jobs are becoming</a:t>
-            </a:r>
-            <a:r>
-              <a:rPr lang="en-US" baseline="0" dirty="0" smtClean="0"/>
-              <a:t> automated.  This is no exception for data scientist.  In some ways, it is ironic in that they will be creating the very tools to cause the decline of their jobs</a:t>
-            </a:r>
-            <a:endParaRPr lang="en-US" dirty="0" smtClean="0"/>
-          </a:p>
-          <a:p>
-            <a:endParaRPr lang="en-US" b="1" dirty="0" smtClean="0"/>
-          </a:p>
-          <a:p>
-            <a:r>
-              <a:rPr lang="en-US" b="1" dirty="0" smtClean="0"/>
-              <a:t>References:  </a:t>
-            </a:r>
-            <a:r>
-              <a:rPr lang="en-US" dirty="0" smtClean="0"/>
-              <a:t> </a:t>
-            </a:r>
-          </a:p>
-          <a:p>
-            <a:pPr marL="171450" indent="-171450">
-              <a:buFont typeface="Arial"/>
-              <a:buChar char="•"/>
-            </a:pPr>
-            <a:r>
-              <a:rPr lang="en-US" dirty="0" smtClean="0"/>
-              <a:t>http</a:t>
-            </a:r>
-            <a:r>
-              <a:rPr lang="en-US" dirty="0"/>
-              <a:t>://www.datasciencecentral.com/profiles/blogs/data-scientists-automated-and-unemployed-by-</a:t>
-            </a:r>
-            <a:r>
-              <a:rPr lang="en-US" dirty="0" smtClean="0"/>
-              <a:t>2025</a:t>
-            </a:r>
-          </a:p>
-          <a:p>
-            <a:pPr marL="171450" indent="-171450">
-              <a:buFont typeface="Arial"/>
-              <a:buChar char="•"/>
-            </a:pPr>
-            <a:r>
-              <a:rPr lang="en-US" dirty="0" smtClean="0"/>
-              <a:t>http</a:t>
-            </a:r>
-            <a:r>
-              <a:rPr lang="en-US" dirty="0"/>
-              <a:t>://www.kdnuggets.com/2015/05/data-scientists-automated-2025.html</a:t>
-            </a:r>
-          </a:p>
-          <a:p>
-            <a:pPr marL="171450" indent="-171450">
-              <a:buFont typeface="Arial"/>
-              <a:buChar char="•"/>
-            </a:pPr>
-            <a:endParaRPr lang="en-US" dirty="0"/>
-          </a:p>
-          <a:p>
-            <a:endParaRPr lang="en-US" dirty="0"/>
-          </a:p>
-          <a:p>
-            <a:endParaRPr lang="en-US" dirty="0"/>
+            <a:endParaRPr lang="en-US" altLang="ko-KR" dirty="0"/>
           </a:p>
         </p:txBody>
       </p:sp>
@@ -6549,7 +6357,7 @@
     </p:spTree>
     <p:extLst>
       <p:ext uri="{BB962C8B-B14F-4D97-AF65-F5344CB8AC3E}">
-        <p14:creationId xmlns:p14="http://schemas.microsoft.com/office/powerpoint/2010/main" val="3190354803"/>
+        <p14:creationId xmlns:p14="http://schemas.microsoft.com/office/powerpoint/2010/main" val="1310444925"/>
       </p:ext>
     </p:extLst>
   </p:cSld>
@@ -6707,7 +6515,7 @@
             <a:fld id="{0459C166-16D3-4A25-A2F8-C51E0E346B22}" type="datetimeFigureOut">
               <a:rPr lang="en-US" smtClean="0"/>
               <a:pPr/>
-              <a:t>6/28/16</a:t>
+              <a:t>7/7/16</a:t>
             </a:fld>
             <a:endParaRPr lang="en-US"/>
           </a:p>
@@ -7073,7 +6881,7 @@
             <a:fld id="{0459C166-16D3-4A25-A2F8-C51E0E346B22}" type="datetimeFigureOut">
               <a:rPr lang="en-US" smtClean="0"/>
               <a:pPr/>
-              <a:t>6/28/16</a:t>
+              <a:t>7/7/16</a:t>
             </a:fld>
             <a:endParaRPr lang="en-US"/>
           </a:p>
@@ -7192,7 +7000,7 @@
             <a:fld id="{0459C166-16D3-4A25-A2F8-C51E0E346B22}" type="datetimeFigureOut">
               <a:rPr lang="en-US" smtClean="0"/>
               <a:pPr/>
-              <a:t>6/28/16</a:t>
+              <a:t>7/7/16</a:t>
             </a:fld>
             <a:endParaRPr lang="en-US"/>
           </a:p>
@@ -7289,7 +7097,7 @@
             <a:fld id="{0459C166-16D3-4A25-A2F8-C51E0E346B22}" type="datetimeFigureOut">
               <a:rPr lang="en-US" smtClean="0"/>
               <a:pPr/>
-              <a:t>6/28/16</a:t>
+              <a:t>7/7/16</a:t>
             </a:fld>
             <a:endParaRPr lang="en-US"/>
           </a:p>
@@ -7566,7 +7374,7 @@
             <a:fld id="{0459C166-16D3-4A25-A2F8-C51E0E346B22}" type="datetimeFigureOut">
               <a:rPr lang="en-US" smtClean="0"/>
               <a:pPr/>
-              <a:t>6/28/16</a:t>
+              <a:t>7/7/16</a:t>
             </a:fld>
             <a:endParaRPr lang="en-US"/>
           </a:p>
@@ -7820,7 +7628,7 @@
             <a:fld id="{0459C166-16D3-4A25-A2F8-C51E0E346B22}" type="datetimeFigureOut">
               <a:rPr lang="en-US" smtClean="0"/>
               <a:pPr/>
-              <a:t>6/28/16</a:t>
+              <a:t>7/7/16</a:t>
             </a:fld>
             <a:endParaRPr lang="en-US"/>
           </a:p>
@@ -7990,7 +7798,7 @@
             <a:fld id="{0459C166-16D3-4A25-A2F8-C51E0E346B22}" type="datetimeFigureOut">
               <a:rPr lang="en-US" smtClean="0"/>
               <a:pPr/>
-              <a:t>6/28/16</a:t>
+              <a:t>7/7/16</a:t>
             </a:fld>
             <a:endParaRPr lang="en-US"/>
           </a:p>
@@ -8170,7 +7978,7 @@
             <a:fld id="{0459C166-16D3-4A25-A2F8-C51E0E346B22}" type="datetimeFigureOut">
               <a:rPr lang="en-US" smtClean="0"/>
               <a:pPr/>
-              <a:t>6/28/16</a:t>
+              <a:t>7/7/16</a:t>
             </a:fld>
             <a:endParaRPr lang="en-US"/>
           </a:p>
@@ -8340,7 +8148,7 @@
             <a:fld id="{0459C166-16D3-4A25-A2F8-C51E0E346B22}" type="datetimeFigureOut">
               <a:rPr lang="en-US" smtClean="0"/>
               <a:pPr/>
-              <a:t>6/28/16</a:t>
+              <a:t>7/7/16</a:t>
             </a:fld>
             <a:endParaRPr lang="en-US"/>
           </a:p>
@@ -8605,7 +8413,7 @@
             <a:fld id="{0459C166-16D3-4A25-A2F8-C51E0E346B22}" type="datetimeFigureOut">
               <a:rPr lang="en-US" smtClean="0"/>
               <a:pPr/>
-              <a:t>6/28/16</a:t>
+              <a:t>7/7/16</a:t>
             </a:fld>
             <a:endParaRPr lang="en-US"/>
           </a:p>
@@ -8922,7 +8730,7 @@
             <a:fld id="{0459C166-16D3-4A25-A2F8-C51E0E346B22}" type="datetimeFigureOut">
               <a:rPr lang="en-US" smtClean="0"/>
               <a:pPr/>
-              <a:t>6/28/16</a:t>
+              <a:t>7/7/16</a:t>
             </a:fld>
             <a:endParaRPr lang="en-US"/>
           </a:p>
@@ -9201,7 +9009,7 @@
             <a:fld id="{0459C166-16D3-4A25-A2F8-C51E0E346B22}" type="datetimeFigureOut">
               <a:rPr lang="en-US" smtClean="0"/>
               <a:pPr/>
-              <a:t>6/28/16</a:t>
+              <a:t>7/7/16</a:t>
             </a:fld>
             <a:endParaRPr lang="en-US"/>
           </a:p>
@@ -10190,7 +9998,7 @@
             <a:fld id="{0459C166-16D3-4A25-A2F8-C51E0E346B22}" type="datetimeFigureOut">
               <a:rPr lang="en-US" smtClean="0"/>
               <a:pPr/>
-              <a:t>6/28/16</a:t>
+              <a:t>7/7/16</a:t>
             </a:fld>
             <a:endParaRPr lang="en-US"/>
           </a:p>
@@ -10403,7 +10211,7 @@
             <a:fld id="{0459C166-16D3-4A25-A2F8-C51E0E346B22}" type="datetimeFigureOut">
               <a:rPr lang="en-US" smtClean="0"/>
               <a:pPr/>
-              <a:t>6/28/16</a:t>
+              <a:t>7/7/16</a:t>
             </a:fld>
             <a:endParaRPr lang="en-US"/>
           </a:p>
@@ -10891,424 +10699,6 @@
 </file>
 
 <file path=ppt/slides/slide10.xml><?xml version="1.0" encoding="utf-8"?>
-<p:sld xmlns:a="http://schemas.openxmlformats.org/drawingml/2006/main" xmlns:r="http://schemas.openxmlformats.org/officeDocument/2006/relationships" xmlns:p="http://schemas.openxmlformats.org/presentationml/2006/main">
-  <p:cSld>
-    <p:spTree>
-      <p:nvGrpSpPr>
-        <p:cNvPr id="1" name=""/>
-        <p:cNvGrpSpPr/>
-        <p:nvPr/>
-      </p:nvGrpSpPr>
-      <p:grpSpPr>
-        <a:xfrm>
-          <a:off x="0" y="0"/>
-          <a:ext cx="0" cy="0"/>
-          <a:chOff x="0" y="0"/>
-          <a:chExt cx="0" cy="0"/>
-        </a:xfrm>
-      </p:grpSpPr>
-      <p:sp>
-        <p:nvSpPr>
-          <p:cNvPr id="5" name="Title 4"/>
-          <p:cNvSpPr>
-            <a:spLocks noGrp="1"/>
-          </p:cNvSpPr>
-          <p:nvPr>
-            <p:ph type="title"/>
-          </p:nvPr>
-        </p:nvSpPr>
-        <p:spPr/>
-        <p:txBody>
-          <a:bodyPr>
-            <a:normAutofit/>
-          </a:bodyPr>
-          <a:lstStyle/>
-          <a:p>
-            <a:r>
-              <a:rPr lang="en-US" sz="4000" dirty="0"/>
-              <a:t>Basic Steps to Data Science</a:t>
-            </a:r>
-          </a:p>
-        </p:txBody>
-      </p:sp>
-      <p:sp>
-        <p:nvSpPr>
-          <p:cNvPr id="10" name="Content Placeholder 9"/>
-          <p:cNvSpPr>
-            <a:spLocks noGrp="1"/>
-          </p:cNvSpPr>
-          <p:nvPr>
-            <p:ph idx="1"/>
-          </p:nvPr>
-        </p:nvSpPr>
-        <p:spPr>
-          <a:xfrm>
-            <a:off x="838200" y="2954215"/>
-            <a:ext cx="7168662" cy="3587262"/>
-          </a:xfrm>
-        </p:spPr>
-        <p:txBody>
-          <a:bodyPr>
-            <a:normAutofit lnSpcReduction="10000"/>
-          </a:bodyPr>
-          <a:lstStyle/>
-          <a:p>
-            <a:pPr marL="514350" indent="-514350">
-              <a:buAutoNum type="arabicPeriod"/>
-            </a:pPr>
-            <a:r>
-              <a:rPr lang="en-US" dirty="0"/>
-              <a:t>Find the data</a:t>
-            </a:r>
-          </a:p>
-          <a:p>
-            <a:pPr marL="514350" indent="-514350">
-              <a:buAutoNum type="arabicPeriod"/>
-            </a:pPr>
-            <a:r>
-              <a:rPr lang="en-US" dirty="0"/>
-              <a:t>Extract and acquire the data</a:t>
-            </a:r>
-          </a:p>
-          <a:p>
-            <a:pPr marL="514350" indent="-514350">
-              <a:buAutoNum type="arabicPeriod"/>
-            </a:pPr>
-            <a:r>
-              <a:rPr lang="en-US" dirty="0"/>
-              <a:t>Clean and transform the data</a:t>
-            </a:r>
-          </a:p>
-          <a:p>
-            <a:pPr marL="514350" indent="-514350">
-              <a:buAutoNum type="arabicPeriod"/>
-            </a:pPr>
-            <a:r>
-              <a:rPr lang="en-US" dirty="0"/>
-              <a:t>Understand the relationships in the data and build a model</a:t>
-            </a:r>
-          </a:p>
-          <a:p>
-            <a:pPr marL="514350" indent="-514350">
-              <a:buAutoNum type="arabicPeriod"/>
-            </a:pPr>
-            <a:r>
-              <a:rPr lang="en-US" dirty="0"/>
-              <a:t>Data mining</a:t>
-            </a:r>
-          </a:p>
-          <a:p>
-            <a:pPr marL="514350" indent="-514350">
-              <a:buAutoNum type="arabicPeriod"/>
-            </a:pPr>
-            <a:r>
-              <a:rPr lang="en-US" dirty="0"/>
-              <a:t>Evaluate and refine the model</a:t>
-            </a:r>
-          </a:p>
-          <a:p>
-            <a:pPr marL="514350" indent="-514350">
-              <a:buAutoNum type="arabicPeriod"/>
-            </a:pPr>
-            <a:r>
-              <a:rPr lang="en-US" dirty="0"/>
-              <a:t>Communicate the results</a:t>
-            </a:r>
-          </a:p>
-          <a:p>
-            <a:pPr marL="514350" indent="-514350">
-              <a:buAutoNum type="arabicPeriod"/>
-            </a:pPr>
-            <a:endParaRPr lang="en-US" dirty="0"/>
-          </a:p>
-        </p:txBody>
-      </p:sp>
-      <p:grpSp>
-        <p:nvGrpSpPr>
-          <p:cNvPr id="2" name="Group 1"/>
-          <p:cNvGrpSpPr/>
-          <p:nvPr/>
-        </p:nvGrpSpPr>
-        <p:grpSpPr>
-          <a:xfrm>
-            <a:off x="0" y="1603233"/>
-            <a:ext cx="12192000" cy="1007822"/>
-            <a:chOff x="0" y="1863174"/>
-            <a:chExt cx="12192000" cy="1007822"/>
-          </a:xfrm>
-        </p:grpSpPr>
-        <p:sp>
-          <p:nvSpPr>
-            <p:cNvPr id="7" name="Rectangle 6"/>
-            <p:cNvSpPr/>
-            <p:nvPr/>
-          </p:nvSpPr>
-          <p:spPr>
-            <a:xfrm>
-              <a:off x="0" y="1863174"/>
-              <a:ext cx="12192000" cy="1007822"/>
-            </a:xfrm>
-            <a:prstGeom prst="rect">
-              <a:avLst/>
-            </a:prstGeom>
-            <a:solidFill>
-              <a:srgbClr val="0070C0"/>
-            </a:solidFill>
-            <a:ln w="9525" cap="flat" cmpd="sng" algn="ctr">
-              <a:noFill/>
-              <a:prstDash val="solid"/>
-            </a:ln>
-            <a:effectLst/>
-          </p:spPr>
-          <p:txBody>
-            <a:bodyPr rtlCol="0" anchor="ctr"/>
-            <a:lstStyle/>
-            <a:p>
-              <a:pPr marL="0" marR="0" lvl="0" indent="0" algn="ctr" defTabSz="914400" eaLnBrk="1" fontAlgn="auto" latinLnBrk="0" hangingPunct="1">
-                <a:lnSpc>
-                  <a:spcPct val="100000"/>
-                </a:lnSpc>
-                <a:spcBef>
-                  <a:spcPts val="0"/>
-                </a:spcBef>
-                <a:spcAft>
-                  <a:spcPts val="0"/>
-                </a:spcAft>
-                <a:buClrTx/>
-                <a:buSzTx/>
-                <a:buFont typeface="Arial" panose="020B0604020202020204" pitchFamily="34" charset="0"/>
-                <a:buNone/>
-                <a:tabLst/>
-                <a:defRPr/>
-              </a:pPr>
-              <a:endParaRPr kumimoji="0" lang="en-US" sz="4000" i="1" u="none" strike="noStrike" kern="0" cap="none" spc="0" normalizeH="0" baseline="0" noProof="0" dirty="0">
-                <a:ln>
-                  <a:noFill/>
-                </a:ln>
-                <a:solidFill>
-                  <a:prstClr val="white"/>
-                </a:solidFill>
-                <a:effectLst/>
-                <a:uLnTx/>
-                <a:uFillTx/>
-                <a:latin typeface="+mj-lt"/>
-              </a:endParaRPr>
-            </a:p>
-          </p:txBody>
-        </p:sp>
-        <p:sp>
-          <p:nvSpPr>
-            <p:cNvPr id="9" name="Content Placeholder 2"/>
-            <p:cNvSpPr txBox="1">
-              <a:spLocks/>
-            </p:cNvSpPr>
-            <p:nvPr/>
-          </p:nvSpPr>
-          <p:spPr>
-            <a:xfrm>
-              <a:off x="1384300" y="1950629"/>
-              <a:ext cx="9423400" cy="832911"/>
-            </a:xfrm>
-            <a:prstGeom prst="rect">
-              <a:avLst/>
-            </a:prstGeom>
-          </p:spPr>
-          <p:txBody>
-            <a:bodyPr anchor="ctr"/>
-            <a:lstStyle>
-              <a:lvl1pPr marL="0" indent="0" algn="ctr" defTabSz="914400" rtl="0" eaLnBrk="1" latinLnBrk="0" hangingPunct="1">
-                <a:lnSpc>
-                  <a:spcPct val="90000"/>
-                </a:lnSpc>
-                <a:spcBef>
-                  <a:spcPts val="1000"/>
-                </a:spcBef>
-                <a:buFont typeface="Arial" panose="020B0604020202020204" pitchFamily="34" charset="0"/>
-                <a:buNone/>
-                <a:defRPr sz="2800" i="1" kern="1200">
-                  <a:solidFill>
-                    <a:schemeClr val="bg1"/>
-                  </a:solidFill>
-                  <a:latin typeface="+mn-lt"/>
-                  <a:ea typeface="+mn-ea"/>
-                  <a:cs typeface="+mn-cs"/>
-                </a:defRPr>
-              </a:lvl1pPr>
-              <a:lvl2pPr marL="457200" indent="0" algn="ctr" defTabSz="914400" rtl="0" eaLnBrk="1" latinLnBrk="0" hangingPunct="1">
-                <a:lnSpc>
-                  <a:spcPct val="90000"/>
-                </a:lnSpc>
-                <a:spcBef>
-                  <a:spcPts val="500"/>
-                </a:spcBef>
-                <a:buFont typeface="Arial" panose="020B0604020202020204" pitchFamily="34" charset="0"/>
-                <a:buNone/>
-                <a:defRPr sz="2400" i="1" kern="1200">
-                  <a:solidFill>
-                    <a:schemeClr val="bg1"/>
-                  </a:solidFill>
-                  <a:latin typeface="+mn-lt"/>
-                  <a:ea typeface="+mn-ea"/>
-                  <a:cs typeface="+mn-cs"/>
-                </a:defRPr>
-              </a:lvl2pPr>
-              <a:lvl3pPr marL="914400" indent="0" algn="ctr" defTabSz="914400" rtl="0" eaLnBrk="1" latinLnBrk="0" hangingPunct="1">
-                <a:lnSpc>
-                  <a:spcPct val="90000"/>
-                </a:lnSpc>
-                <a:spcBef>
-                  <a:spcPts val="500"/>
-                </a:spcBef>
-                <a:buFont typeface="Arial" panose="020B0604020202020204" pitchFamily="34" charset="0"/>
-                <a:buNone/>
-                <a:defRPr sz="2000" i="1" kern="1200">
-                  <a:solidFill>
-                    <a:schemeClr val="bg1"/>
-                  </a:solidFill>
-                  <a:latin typeface="+mn-lt"/>
-                  <a:ea typeface="+mn-ea"/>
-                  <a:cs typeface="+mn-cs"/>
-                </a:defRPr>
-              </a:lvl3pPr>
-              <a:lvl4pPr marL="1371600" indent="0" algn="ctr" defTabSz="914400" rtl="0" eaLnBrk="1" latinLnBrk="0" hangingPunct="1">
-                <a:lnSpc>
-                  <a:spcPct val="90000"/>
-                </a:lnSpc>
-                <a:spcBef>
-                  <a:spcPts val="500"/>
-                </a:spcBef>
-                <a:buFont typeface="Arial" panose="020B0604020202020204" pitchFamily="34" charset="0"/>
-                <a:buNone/>
-                <a:defRPr sz="1800" i="1" kern="1200">
-                  <a:solidFill>
-                    <a:schemeClr val="bg1"/>
-                  </a:solidFill>
-                  <a:latin typeface="+mn-lt"/>
-                  <a:ea typeface="+mn-ea"/>
-                  <a:cs typeface="+mn-cs"/>
-                </a:defRPr>
-              </a:lvl4pPr>
-              <a:lvl5pPr marL="1828800" indent="0" algn="ctr" defTabSz="914400" rtl="0" eaLnBrk="1" latinLnBrk="0" hangingPunct="1">
-                <a:lnSpc>
-                  <a:spcPct val="90000"/>
-                </a:lnSpc>
-                <a:spcBef>
-                  <a:spcPts val="500"/>
-                </a:spcBef>
-                <a:buFont typeface="Arial" panose="020B0604020202020204" pitchFamily="34" charset="0"/>
-                <a:buNone/>
-                <a:defRPr sz="1800" i="1" kern="1200">
-                  <a:solidFill>
-                    <a:schemeClr val="bg1"/>
-                  </a:solidFill>
-                  <a:latin typeface="+mn-lt"/>
-                  <a:ea typeface="+mn-ea"/>
-                  <a:cs typeface="+mn-cs"/>
-                </a:defRPr>
-              </a:lvl5pPr>
-              <a:lvl6pPr marL="2514600" indent="-228600" algn="l" defTabSz="914400" rtl="0" eaLnBrk="1" latinLnBrk="0" hangingPunct="1">
-                <a:lnSpc>
-                  <a:spcPct val="90000"/>
-                </a:lnSpc>
-                <a:spcBef>
-                  <a:spcPts val="500"/>
-                </a:spcBef>
-                <a:buFont typeface="Arial" panose="020B0604020202020204" pitchFamily="34" charset="0"/>
-                <a:buChar char="•"/>
-                <a:defRPr sz="1800" kern="1200">
-                  <a:solidFill>
-                    <a:schemeClr val="tx1"/>
-                  </a:solidFill>
-                  <a:latin typeface="+mn-lt"/>
-                  <a:ea typeface="+mn-ea"/>
-                  <a:cs typeface="+mn-cs"/>
-                </a:defRPr>
-              </a:lvl6pPr>
-              <a:lvl7pPr marL="2971800" indent="-228600" algn="l" defTabSz="914400" rtl="0" eaLnBrk="1" latinLnBrk="0" hangingPunct="1">
-                <a:lnSpc>
-                  <a:spcPct val="90000"/>
-                </a:lnSpc>
-                <a:spcBef>
-                  <a:spcPts val="500"/>
-                </a:spcBef>
-                <a:buFont typeface="Arial" panose="020B0604020202020204" pitchFamily="34" charset="0"/>
-                <a:buChar char="•"/>
-                <a:defRPr sz="1800" kern="1200">
-                  <a:solidFill>
-                    <a:schemeClr val="tx1"/>
-                  </a:solidFill>
-                  <a:latin typeface="+mn-lt"/>
-                  <a:ea typeface="+mn-ea"/>
-                  <a:cs typeface="+mn-cs"/>
-                </a:defRPr>
-              </a:lvl7pPr>
-              <a:lvl8pPr marL="3429000" indent="-228600" algn="l" defTabSz="914400" rtl="0" eaLnBrk="1" latinLnBrk="0" hangingPunct="1">
-                <a:lnSpc>
-                  <a:spcPct val="90000"/>
-                </a:lnSpc>
-                <a:spcBef>
-                  <a:spcPts val="500"/>
-                </a:spcBef>
-                <a:buFont typeface="Arial" panose="020B0604020202020204" pitchFamily="34" charset="0"/>
-                <a:buChar char="•"/>
-                <a:defRPr sz="1800" kern="1200">
-                  <a:solidFill>
-                    <a:schemeClr val="tx1"/>
-                  </a:solidFill>
-                  <a:latin typeface="+mn-lt"/>
-                  <a:ea typeface="+mn-ea"/>
-                  <a:cs typeface="+mn-cs"/>
-                </a:defRPr>
-              </a:lvl8pPr>
-              <a:lvl9pPr marL="3886200" indent="-228600" algn="l" defTabSz="914400" rtl="0" eaLnBrk="1" latinLnBrk="0" hangingPunct="1">
-                <a:lnSpc>
-                  <a:spcPct val="90000"/>
-                </a:lnSpc>
-                <a:spcBef>
-                  <a:spcPts val="500"/>
-                </a:spcBef>
-                <a:buFont typeface="Arial" panose="020B0604020202020204" pitchFamily="34" charset="0"/>
-                <a:buChar char="•"/>
-                <a:defRPr sz="1800" kern="1200">
-                  <a:solidFill>
-                    <a:schemeClr val="tx1"/>
-                  </a:solidFill>
-                  <a:latin typeface="+mn-lt"/>
-                  <a:ea typeface="+mn-ea"/>
-                  <a:cs typeface="+mn-cs"/>
-                </a:defRPr>
-              </a:lvl9pPr>
-            </a:lstStyle>
-            <a:p>
-              <a:r>
-                <a:rPr lang="en-US" altLang="ko-KR" i="0" dirty="0"/>
-                <a:t>Extracting value from large amounts of data is the challenge of data science</a:t>
-              </a:r>
-            </a:p>
-          </p:txBody>
-        </p:sp>
-      </p:grpSp>
-    </p:spTree>
-    <p:extLst>
-      <p:ext uri="{BB962C8B-B14F-4D97-AF65-F5344CB8AC3E}">
-        <p14:creationId xmlns:p14="http://schemas.microsoft.com/office/powerpoint/2010/main" val="1545890125"/>
-      </p:ext>
-    </p:extLst>
-  </p:cSld>
-  <p:clrMapOvr>
-    <a:masterClrMapping/>
-  </p:clrMapOvr>
-  <p:timing>
-    <p:tnLst>
-      <p:par>
-        <p:cTn xmlns:p14="http://schemas.microsoft.com/office/powerpoint/2010/main" id="1" dur="indefinite" restart="never" nodeType="tmRoot"/>
-      </p:par>
-    </p:tnLst>
-  </p:timing>
-</p:sld>
-</file>
-
-<file path=ppt/slides/slide11.xml><?xml version="1.0" encoding="utf-8"?>
 <p:sld xmlns:a="http://schemas.openxmlformats.org/drawingml/2006/main" xmlns:r="http://schemas.openxmlformats.org/officeDocument/2006/relationships" xmlns:p="http://schemas.openxmlformats.org/presentationml/2006/main">
   <p:cSld>
     <p:spTree>
@@ -12016,7 +11406,7 @@
 </p:sld>
 </file>
 
-<file path=ppt/slides/slide12.xml><?xml version="1.0" encoding="utf-8"?>
+<file path=ppt/slides/slide11.xml><?xml version="1.0" encoding="utf-8"?>
 <p:sld xmlns:a="http://schemas.openxmlformats.org/drawingml/2006/main" xmlns:r="http://schemas.openxmlformats.org/officeDocument/2006/relationships" xmlns:p="http://schemas.openxmlformats.org/presentationml/2006/main">
   <p:cSld>
     <p:spTree>
@@ -12475,7 +11865,7 @@
 </p:sld>
 </file>
 
-<file path=ppt/slides/slide13.xml><?xml version="1.0" encoding="utf-8"?>
+<file path=ppt/slides/slide12.xml><?xml version="1.0" encoding="utf-8"?>
 <p:sld xmlns:a="http://schemas.openxmlformats.org/drawingml/2006/main" xmlns:r="http://schemas.openxmlformats.org/officeDocument/2006/relationships" xmlns:p="http://schemas.openxmlformats.org/presentationml/2006/main">
   <p:cSld>
     <p:spTree>
@@ -12812,14 +12202,14 @@
                 <a:gridCol w="4936251">
                   <a:extLst>
                     <a:ext uri="{9D8B030D-6E8A-4147-A177-3AD203B41FA5}">
-                      <a16:colId xmlns="" xmlns:a16="http://schemas.microsoft.com/office/drawing/2014/main" val="48614039"/>
+                      <a16:colId xmlns:a16="http://schemas.microsoft.com/office/drawing/2014/main" xmlns="" val="48614039"/>
                     </a:ext>
                   </a:extLst>
                 </a:gridCol>
                 <a:gridCol w="4936251">
                   <a:extLst>
                     <a:ext uri="{9D8B030D-6E8A-4147-A177-3AD203B41FA5}">
-                      <a16:colId xmlns="" xmlns:a16="http://schemas.microsoft.com/office/drawing/2014/main" val="1124546490"/>
+                      <a16:colId xmlns:a16="http://schemas.microsoft.com/office/drawing/2014/main" xmlns="" val="1124546490"/>
                     </a:ext>
                   </a:extLst>
                 </a:gridCol>
@@ -12863,7 +12253,7 @@
                 </a:tc>
                 <a:extLst>
                   <a:ext uri="{0D108BD9-81ED-4DB2-BD59-A6C34878D82A}">
-                    <a16:rowId xmlns="" xmlns:a16="http://schemas.microsoft.com/office/drawing/2014/main" val="679667022"/>
+                    <a16:rowId xmlns:a16="http://schemas.microsoft.com/office/drawing/2014/main" xmlns="" val="679667022"/>
                   </a:ext>
                 </a:extLst>
               </a:tr>
@@ -12934,7 +12324,7 @@
                 </a:tc>
                 <a:extLst>
                   <a:ext uri="{0D108BD9-81ED-4DB2-BD59-A6C34878D82A}">
-                    <a16:rowId xmlns="" xmlns:a16="http://schemas.microsoft.com/office/drawing/2014/main" val="2034482246"/>
+                    <a16:rowId xmlns:a16="http://schemas.microsoft.com/office/drawing/2014/main" xmlns="" val="2034482246"/>
                   </a:ext>
                 </a:extLst>
               </a:tr>
@@ -12993,7 +12383,7 @@
                 </a:tc>
                 <a:extLst>
                   <a:ext uri="{0D108BD9-81ED-4DB2-BD59-A6C34878D82A}">
-                    <a16:rowId xmlns="" xmlns:a16="http://schemas.microsoft.com/office/drawing/2014/main" val="682465758"/>
+                    <a16:rowId xmlns:a16="http://schemas.microsoft.com/office/drawing/2014/main" xmlns="" val="682465758"/>
                   </a:ext>
                 </a:extLst>
               </a:tr>
@@ -13057,7 +12447,7 @@
                 </a:tc>
                 <a:extLst>
                   <a:ext uri="{0D108BD9-81ED-4DB2-BD59-A6C34878D82A}">
-                    <a16:rowId xmlns="" xmlns:a16="http://schemas.microsoft.com/office/drawing/2014/main" val="10003"/>
+                    <a16:rowId xmlns:a16="http://schemas.microsoft.com/office/drawing/2014/main" xmlns="" val="10003"/>
                   </a:ext>
                 </a:extLst>
               </a:tr>
@@ -13078,7 +12468,7 @@
 </p:sld>
 </file>
 
-<file path=ppt/slides/slide14.xml><?xml version="1.0" encoding="utf-8"?>
+<file path=ppt/slides/slide13.xml><?xml version="1.0" encoding="utf-8"?>
 <p:sld xmlns:a="http://schemas.openxmlformats.org/drawingml/2006/main" xmlns:r="http://schemas.openxmlformats.org/officeDocument/2006/relationships" xmlns:p="http://schemas.openxmlformats.org/presentationml/2006/main">
   <p:cSld>
     <p:spTree>
@@ -13149,7 +12539,7 @@
 </p:sld>
 </file>
 
-<file path=ppt/slides/slide15.xml><?xml version="1.0" encoding="utf-8"?>
+<file path=ppt/slides/slide14.xml><?xml version="1.0" encoding="utf-8"?>
 <p:sld xmlns:a="http://schemas.openxmlformats.org/drawingml/2006/main" xmlns:r="http://schemas.openxmlformats.org/officeDocument/2006/relationships" xmlns:p="http://schemas.openxmlformats.org/presentationml/2006/main">
   <p:cSld>
     <p:spTree>
@@ -13939,7 +13329,7 @@
 </p:sld>
 </file>
 
-<file path=ppt/slides/slide16.xml><?xml version="1.0" encoding="utf-8"?>
+<file path=ppt/slides/slide15.xml><?xml version="1.0" encoding="utf-8"?>
 <p:sld xmlns:a="http://schemas.openxmlformats.org/drawingml/2006/main" xmlns:r="http://schemas.openxmlformats.org/officeDocument/2006/relationships" xmlns:p="http://schemas.openxmlformats.org/presentationml/2006/main">
   <p:cSld>
     <p:spTree>
@@ -14329,7 +13719,7 @@
 </p:sld>
 </file>
 
-<file path=ppt/slides/slide17.xml><?xml version="1.0" encoding="utf-8"?>
+<file path=ppt/slides/slide16.xml><?xml version="1.0" encoding="utf-8"?>
 <p:sld xmlns:a="http://schemas.openxmlformats.org/drawingml/2006/main" xmlns:r="http://schemas.openxmlformats.org/officeDocument/2006/relationships" xmlns:p="http://schemas.openxmlformats.org/presentationml/2006/main">
   <p:cSld>
     <p:spTree>
@@ -14725,7 +14115,7 @@
 </p:sld>
 </file>
 
-<file path=ppt/slides/slide18.xml><?xml version="1.0" encoding="utf-8"?>
+<file path=ppt/slides/slide17.xml><?xml version="1.0" encoding="utf-8"?>
 <p:sld xmlns:a="http://schemas.openxmlformats.org/drawingml/2006/main" xmlns:r="http://schemas.openxmlformats.org/officeDocument/2006/relationships" xmlns:p="http://schemas.openxmlformats.org/presentationml/2006/main">
   <p:cSld>
     <p:spTree>
@@ -15088,7 +14478,7 @@
 </p:sld>
 </file>
 
-<file path=ppt/slides/slide19.xml><?xml version="1.0" encoding="utf-8"?>
+<file path=ppt/slides/slide18.xml><?xml version="1.0" encoding="utf-8"?>
 <p:sld xmlns:a="http://schemas.openxmlformats.org/drawingml/2006/main" xmlns:r="http://schemas.openxmlformats.org/officeDocument/2006/relationships" xmlns:p="http://schemas.openxmlformats.org/presentationml/2006/main">
   <p:cSld>
     <p:spTree>
@@ -17869,6 +17259,986 @@
 </p:sld>
 </file>
 
+<file path=ppt/slides/slide19.xml><?xml version="1.0" encoding="utf-8"?>
+<p:sld xmlns:a="http://schemas.openxmlformats.org/drawingml/2006/main" xmlns:r="http://schemas.openxmlformats.org/officeDocument/2006/relationships" xmlns:p="http://schemas.openxmlformats.org/presentationml/2006/main">
+  <p:cSld>
+    <p:spTree>
+      <p:nvGrpSpPr>
+        <p:cNvPr id="1" name=""/>
+        <p:cNvGrpSpPr/>
+        <p:nvPr/>
+      </p:nvGrpSpPr>
+      <p:grpSpPr>
+        <a:xfrm>
+          <a:off x="0" y="0"/>
+          <a:ext cx="0" cy="0"/>
+          <a:chOff x="0" y="0"/>
+          <a:chExt cx="0" cy="0"/>
+        </a:xfrm>
+      </p:grpSpPr>
+      <p:sp>
+        <p:nvSpPr>
+          <p:cNvPr id="5" name="Title 4"/>
+          <p:cNvSpPr>
+            <a:spLocks noGrp="1"/>
+          </p:cNvSpPr>
+          <p:nvPr>
+            <p:ph type="title"/>
+          </p:nvPr>
+        </p:nvSpPr>
+        <p:spPr/>
+        <p:txBody>
+          <a:bodyPr>
+            <a:normAutofit/>
+          </a:bodyPr>
+          <a:lstStyle/>
+          <a:p>
+            <a:r>
+              <a:rPr lang="en-US" sz="4000" dirty="0"/>
+              <a:t>Distributed Computation</a:t>
+            </a:r>
+          </a:p>
+        </p:txBody>
+      </p:sp>
+      <p:grpSp>
+        <p:nvGrpSpPr>
+          <p:cNvPr id="2" name="Group 1"/>
+          <p:cNvGrpSpPr/>
+          <p:nvPr/>
+        </p:nvGrpSpPr>
+        <p:grpSpPr>
+          <a:xfrm>
+            <a:off x="0" y="1690687"/>
+            <a:ext cx="12192000" cy="1060794"/>
+            <a:chOff x="0" y="1918569"/>
+            <a:chExt cx="12192000" cy="832912"/>
+          </a:xfrm>
+        </p:grpSpPr>
+        <p:sp>
+          <p:nvSpPr>
+            <p:cNvPr id="7" name="Rectangle 6"/>
+            <p:cNvSpPr/>
+            <p:nvPr/>
+          </p:nvSpPr>
+          <p:spPr>
+            <a:xfrm>
+              <a:off x="0" y="1918569"/>
+              <a:ext cx="12192000" cy="832911"/>
+            </a:xfrm>
+            <a:prstGeom prst="rect">
+              <a:avLst/>
+            </a:prstGeom>
+            <a:solidFill>
+              <a:srgbClr val="0070C0"/>
+            </a:solidFill>
+            <a:ln w="9525" cap="flat" cmpd="sng" algn="ctr">
+              <a:noFill/>
+              <a:prstDash val="solid"/>
+            </a:ln>
+            <a:effectLst/>
+          </p:spPr>
+          <p:txBody>
+            <a:bodyPr rtlCol="0" anchor="ctr"/>
+            <a:lstStyle/>
+            <a:p>
+              <a:pPr marL="0" marR="0" lvl="0" indent="0" algn="ctr" defTabSz="914400" eaLnBrk="1" fontAlgn="auto" latinLnBrk="0" hangingPunct="1">
+                <a:lnSpc>
+                  <a:spcPct val="100000"/>
+                </a:lnSpc>
+                <a:spcBef>
+                  <a:spcPts val="0"/>
+                </a:spcBef>
+                <a:spcAft>
+                  <a:spcPts val="0"/>
+                </a:spcAft>
+                <a:buClrTx/>
+                <a:buSzTx/>
+                <a:buFont typeface="Arial" panose="020B0604020202020204" pitchFamily="34" charset="0"/>
+                <a:buNone/>
+                <a:tabLst/>
+                <a:defRPr/>
+              </a:pPr>
+              <a:endParaRPr kumimoji="0" lang="en-US" sz="4000" i="1" u="none" strike="noStrike" kern="0" cap="none" spc="0" normalizeH="0" baseline="0" noProof="0" dirty="0">
+                <a:ln>
+                  <a:noFill/>
+                </a:ln>
+                <a:solidFill>
+                  <a:prstClr val="white"/>
+                </a:solidFill>
+                <a:effectLst/>
+                <a:uLnTx/>
+                <a:uFillTx/>
+                <a:latin typeface="+mj-lt"/>
+              </a:endParaRPr>
+            </a:p>
+          </p:txBody>
+        </p:sp>
+        <p:sp>
+          <p:nvSpPr>
+            <p:cNvPr id="9" name="Content Placeholder 2"/>
+            <p:cNvSpPr txBox="1">
+              <a:spLocks/>
+            </p:cNvSpPr>
+            <p:nvPr/>
+          </p:nvSpPr>
+          <p:spPr>
+            <a:xfrm>
+              <a:off x="697170" y="1918570"/>
+              <a:ext cx="10007273" cy="832911"/>
+            </a:xfrm>
+            <a:prstGeom prst="rect">
+              <a:avLst/>
+            </a:prstGeom>
+          </p:spPr>
+          <p:txBody>
+            <a:bodyPr anchor="ctr"/>
+            <a:lstStyle>
+              <a:lvl1pPr marL="0" indent="0" algn="ctr" defTabSz="914400" rtl="0" eaLnBrk="1" latinLnBrk="0" hangingPunct="1">
+                <a:lnSpc>
+                  <a:spcPct val="90000"/>
+                </a:lnSpc>
+                <a:spcBef>
+                  <a:spcPts val="1000"/>
+                </a:spcBef>
+                <a:buFont typeface="Arial" panose="020B0604020202020204" pitchFamily="34" charset="0"/>
+                <a:buNone/>
+                <a:defRPr sz="2800" i="1" kern="1200">
+                  <a:solidFill>
+                    <a:schemeClr val="bg1"/>
+                  </a:solidFill>
+                  <a:latin typeface="+mn-lt"/>
+                  <a:ea typeface="+mn-ea"/>
+                  <a:cs typeface="+mn-cs"/>
+                </a:defRPr>
+              </a:lvl1pPr>
+              <a:lvl2pPr marL="457200" indent="0" algn="ctr" defTabSz="914400" rtl="0" eaLnBrk="1" latinLnBrk="0" hangingPunct="1">
+                <a:lnSpc>
+                  <a:spcPct val="90000"/>
+                </a:lnSpc>
+                <a:spcBef>
+                  <a:spcPts val="500"/>
+                </a:spcBef>
+                <a:buFont typeface="Arial" panose="020B0604020202020204" pitchFamily="34" charset="0"/>
+                <a:buNone/>
+                <a:defRPr sz="2400" i="1" kern="1200">
+                  <a:solidFill>
+                    <a:schemeClr val="bg1"/>
+                  </a:solidFill>
+                  <a:latin typeface="+mn-lt"/>
+                  <a:ea typeface="+mn-ea"/>
+                  <a:cs typeface="+mn-cs"/>
+                </a:defRPr>
+              </a:lvl2pPr>
+              <a:lvl3pPr marL="914400" indent="0" algn="ctr" defTabSz="914400" rtl="0" eaLnBrk="1" latinLnBrk="0" hangingPunct="1">
+                <a:lnSpc>
+                  <a:spcPct val="90000"/>
+                </a:lnSpc>
+                <a:spcBef>
+                  <a:spcPts val="500"/>
+                </a:spcBef>
+                <a:buFont typeface="Arial" panose="020B0604020202020204" pitchFamily="34" charset="0"/>
+                <a:buNone/>
+                <a:defRPr sz="2000" i="1" kern="1200">
+                  <a:solidFill>
+                    <a:schemeClr val="bg1"/>
+                  </a:solidFill>
+                  <a:latin typeface="+mn-lt"/>
+                  <a:ea typeface="+mn-ea"/>
+                  <a:cs typeface="+mn-cs"/>
+                </a:defRPr>
+              </a:lvl3pPr>
+              <a:lvl4pPr marL="1371600" indent="0" algn="ctr" defTabSz="914400" rtl="0" eaLnBrk="1" latinLnBrk="0" hangingPunct="1">
+                <a:lnSpc>
+                  <a:spcPct val="90000"/>
+                </a:lnSpc>
+                <a:spcBef>
+                  <a:spcPts val="500"/>
+                </a:spcBef>
+                <a:buFont typeface="Arial" panose="020B0604020202020204" pitchFamily="34" charset="0"/>
+                <a:buNone/>
+                <a:defRPr sz="1800" i="1" kern="1200">
+                  <a:solidFill>
+                    <a:schemeClr val="bg1"/>
+                  </a:solidFill>
+                  <a:latin typeface="+mn-lt"/>
+                  <a:ea typeface="+mn-ea"/>
+                  <a:cs typeface="+mn-cs"/>
+                </a:defRPr>
+              </a:lvl4pPr>
+              <a:lvl5pPr marL="1828800" indent="0" algn="ctr" defTabSz="914400" rtl="0" eaLnBrk="1" latinLnBrk="0" hangingPunct="1">
+                <a:lnSpc>
+                  <a:spcPct val="90000"/>
+                </a:lnSpc>
+                <a:spcBef>
+                  <a:spcPts val="500"/>
+                </a:spcBef>
+                <a:buFont typeface="Arial" panose="020B0604020202020204" pitchFamily="34" charset="0"/>
+                <a:buNone/>
+                <a:defRPr sz="1800" i="1" kern="1200">
+                  <a:solidFill>
+                    <a:schemeClr val="bg1"/>
+                  </a:solidFill>
+                  <a:latin typeface="+mn-lt"/>
+                  <a:ea typeface="+mn-ea"/>
+                  <a:cs typeface="+mn-cs"/>
+                </a:defRPr>
+              </a:lvl5pPr>
+              <a:lvl6pPr marL="2514600" indent="-228600" algn="l" defTabSz="914400" rtl="0" eaLnBrk="1" latinLnBrk="0" hangingPunct="1">
+                <a:lnSpc>
+                  <a:spcPct val="90000"/>
+                </a:lnSpc>
+                <a:spcBef>
+                  <a:spcPts val="500"/>
+                </a:spcBef>
+                <a:buFont typeface="Arial" panose="020B0604020202020204" pitchFamily="34" charset="0"/>
+                <a:buChar char="•"/>
+                <a:defRPr sz="1800" kern="1200">
+                  <a:solidFill>
+                    <a:schemeClr val="tx1"/>
+                  </a:solidFill>
+                  <a:latin typeface="+mn-lt"/>
+                  <a:ea typeface="+mn-ea"/>
+                  <a:cs typeface="+mn-cs"/>
+                </a:defRPr>
+              </a:lvl6pPr>
+              <a:lvl7pPr marL="2971800" indent="-228600" algn="l" defTabSz="914400" rtl="0" eaLnBrk="1" latinLnBrk="0" hangingPunct="1">
+                <a:lnSpc>
+                  <a:spcPct val="90000"/>
+                </a:lnSpc>
+                <a:spcBef>
+                  <a:spcPts val="500"/>
+                </a:spcBef>
+                <a:buFont typeface="Arial" panose="020B0604020202020204" pitchFamily="34" charset="0"/>
+                <a:buChar char="•"/>
+                <a:defRPr sz="1800" kern="1200">
+                  <a:solidFill>
+                    <a:schemeClr val="tx1"/>
+                  </a:solidFill>
+                  <a:latin typeface="+mn-lt"/>
+                  <a:ea typeface="+mn-ea"/>
+                  <a:cs typeface="+mn-cs"/>
+                </a:defRPr>
+              </a:lvl7pPr>
+              <a:lvl8pPr marL="3429000" indent="-228600" algn="l" defTabSz="914400" rtl="0" eaLnBrk="1" latinLnBrk="0" hangingPunct="1">
+                <a:lnSpc>
+                  <a:spcPct val="90000"/>
+                </a:lnSpc>
+                <a:spcBef>
+                  <a:spcPts val="500"/>
+                </a:spcBef>
+                <a:buFont typeface="Arial" panose="020B0604020202020204" pitchFamily="34" charset="0"/>
+                <a:buChar char="•"/>
+                <a:defRPr sz="1800" kern="1200">
+                  <a:solidFill>
+                    <a:schemeClr val="tx1"/>
+                  </a:solidFill>
+                  <a:latin typeface="+mn-lt"/>
+                  <a:ea typeface="+mn-ea"/>
+                  <a:cs typeface="+mn-cs"/>
+                </a:defRPr>
+              </a:lvl8pPr>
+              <a:lvl9pPr marL="3886200" indent="-228600" algn="l" defTabSz="914400" rtl="0" eaLnBrk="1" latinLnBrk="0" hangingPunct="1">
+                <a:lnSpc>
+                  <a:spcPct val="90000"/>
+                </a:lnSpc>
+                <a:spcBef>
+                  <a:spcPts val="500"/>
+                </a:spcBef>
+                <a:buFont typeface="Arial" panose="020B0604020202020204" pitchFamily="34" charset="0"/>
+                <a:buChar char="•"/>
+                <a:defRPr sz="1800" kern="1200">
+                  <a:solidFill>
+                    <a:schemeClr val="tx1"/>
+                  </a:solidFill>
+                  <a:latin typeface="+mn-lt"/>
+                  <a:ea typeface="+mn-ea"/>
+                  <a:cs typeface="+mn-cs"/>
+                </a:defRPr>
+              </a:lvl9pPr>
+            </a:lstStyle>
+            <a:p>
+              <a:pPr algn="l"/>
+              <a:r>
+                <a:rPr lang="en-US" altLang="ko-KR" i="0" dirty="0"/>
+                <a:t>A job often involves many map-reduce stages</a:t>
+              </a:r>
+            </a:p>
+          </p:txBody>
+        </p:sp>
+      </p:grpSp>
+      <p:sp>
+        <p:nvSpPr>
+          <p:cNvPr id="73" name="Flowchart: Magnetic Disk 72"/>
+          <p:cNvSpPr/>
+          <p:nvPr/>
+        </p:nvSpPr>
+        <p:spPr>
+          <a:xfrm>
+            <a:off x="2057397" y="4239159"/>
+            <a:ext cx="813578" cy="1108912"/>
+          </a:xfrm>
+          <a:prstGeom prst="flowChartMagneticDisk">
+            <a:avLst/>
+          </a:prstGeom>
+          <a:solidFill>
+            <a:srgbClr val="2E75B5"/>
+          </a:solidFill>
+          <a:ln>
+            <a:solidFill>
+              <a:srgbClr val="FFFFFF"/>
+            </a:solidFill>
+          </a:ln>
+        </p:spPr>
+        <p:style>
+          <a:lnRef idx="2">
+            <a:schemeClr val="accent1">
+              <a:shade val="50000"/>
+            </a:schemeClr>
+          </a:lnRef>
+          <a:fillRef idx="1">
+            <a:schemeClr val="accent1"/>
+          </a:fillRef>
+          <a:effectRef idx="0">
+            <a:schemeClr val="accent1"/>
+          </a:effectRef>
+          <a:fontRef idx="minor">
+            <a:schemeClr val="lt1"/>
+          </a:fontRef>
+        </p:style>
+        <p:txBody>
+          <a:bodyPr rtlCol="0" anchor="ctr"/>
+          <a:lstStyle/>
+          <a:p>
+            <a:pPr algn="ctr"/>
+            <a:endParaRPr lang="en-US" dirty="0">
+              <a:solidFill>
+                <a:schemeClr val="bg1"/>
+              </a:solidFill>
+            </a:endParaRPr>
+          </a:p>
+        </p:txBody>
+      </p:sp>
+      <p:grpSp>
+        <p:nvGrpSpPr>
+          <p:cNvPr id="14" name="Group 13"/>
+          <p:cNvGrpSpPr/>
+          <p:nvPr/>
+        </p:nvGrpSpPr>
+        <p:grpSpPr>
+          <a:xfrm>
+            <a:off x="3237864" y="3332563"/>
+            <a:ext cx="1023730" cy="2922104"/>
+            <a:chOff x="1590261" y="3419061"/>
+            <a:chExt cx="1023730" cy="2922104"/>
+          </a:xfrm>
+        </p:grpSpPr>
+        <p:sp>
+          <p:nvSpPr>
+            <p:cNvPr id="10" name="Rectangle 9"/>
+            <p:cNvSpPr/>
+            <p:nvPr/>
+          </p:nvSpPr>
+          <p:spPr>
+            <a:xfrm>
+              <a:off x="1590261" y="3419061"/>
+              <a:ext cx="1023730" cy="2922104"/>
+            </a:xfrm>
+            <a:prstGeom prst="rect">
+              <a:avLst/>
+            </a:prstGeom>
+            <a:solidFill>
+              <a:srgbClr val="002060"/>
+            </a:solidFill>
+            <a:ln>
+              <a:noFill/>
+            </a:ln>
+          </p:spPr>
+          <p:style>
+            <a:lnRef idx="2">
+              <a:schemeClr val="accent1">
+                <a:shade val="50000"/>
+              </a:schemeClr>
+            </a:lnRef>
+            <a:fillRef idx="1">
+              <a:schemeClr val="accent1"/>
+            </a:fillRef>
+            <a:effectRef idx="0">
+              <a:schemeClr val="accent1"/>
+            </a:effectRef>
+            <a:fontRef idx="minor">
+              <a:schemeClr val="lt1"/>
+            </a:fontRef>
+          </p:style>
+          <p:txBody>
+            <a:bodyPr rtlCol="0" anchor="ctr"/>
+            <a:lstStyle/>
+            <a:p>
+              <a:pPr algn="ctr"/>
+              <a:endParaRPr lang="en-US" dirty="0">
+                <a:solidFill>
+                  <a:schemeClr val="bg1"/>
+                </a:solidFill>
+              </a:endParaRPr>
+            </a:p>
+          </p:txBody>
+        </p:sp>
+        <p:sp>
+          <p:nvSpPr>
+            <p:cNvPr id="6" name="TextBox 5"/>
+            <p:cNvSpPr txBox="1"/>
+            <p:nvPr/>
+          </p:nvSpPr>
+          <p:spPr>
+            <a:xfrm>
+              <a:off x="1871293" y="3737113"/>
+              <a:ext cx="461665" cy="2286000"/>
+            </a:xfrm>
+            <a:prstGeom prst="rect">
+              <a:avLst/>
+            </a:prstGeom>
+            <a:noFill/>
+          </p:spPr>
+          <p:txBody>
+            <a:bodyPr vert="eaVert" wrap="square" rtlCol="0">
+              <a:spAutoFit/>
+            </a:bodyPr>
+            <a:lstStyle/>
+            <a:p>
+              <a:r>
+                <a:rPr lang="en-US" dirty="0">
+                  <a:solidFill>
+                    <a:schemeClr val="bg1"/>
+                  </a:solidFill>
+                </a:rPr>
+                <a:t>Map-Reduce Stage 1</a:t>
+              </a:r>
+            </a:p>
+          </p:txBody>
+        </p:sp>
+      </p:grpSp>
+      <p:cxnSp>
+        <p:nvCxnSpPr>
+          <p:cNvPr id="16" name="Straight Arrow Connector 15"/>
+          <p:cNvCxnSpPr>
+            <a:stCxn id="73" idx="4"/>
+            <a:endCxn id="10" idx="1"/>
+          </p:cNvCxnSpPr>
+          <p:nvPr/>
+        </p:nvCxnSpPr>
+        <p:spPr>
+          <a:xfrm>
+            <a:off x="2870975" y="4793615"/>
+            <a:ext cx="366889" cy="0"/>
+          </a:xfrm>
+          <a:prstGeom prst="straightConnector1">
+            <a:avLst/>
+          </a:prstGeom>
+          <a:ln w="38100">
+            <a:solidFill>
+              <a:schemeClr val="bg1">
+                <a:lumMod val="65000"/>
+              </a:schemeClr>
+            </a:solidFill>
+            <a:headEnd type="none" w="med" len="med"/>
+            <a:tailEnd type="triangle"/>
+          </a:ln>
+        </p:spPr>
+        <p:style>
+          <a:lnRef idx="1">
+            <a:schemeClr val="accent1"/>
+          </a:lnRef>
+          <a:fillRef idx="0">
+            <a:schemeClr val="accent1"/>
+          </a:fillRef>
+          <a:effectRef idx="0">
+            <a:schemeClr val="accent1"/>
+          </a:effectRef>
+          <a:fontRef idx="minor">
+            <a:schemeClr val="tx1"/>
+          </a:fontRef>
+        </p:style>
+      </p:cxnSp>
+      <p:sp>
+        <p:nvSpPr>
+          <p:cNvPr id="80" name="Flowchart: Magnetic Disk 79"/>
+          <p:cNvSpPr/>
+          <p:nvPr/>
+        </p:nvSpPr>
+        <p:spPr>
+          <a:xfrm>
+            <a:off x="4628483" y="4239159"/>
+            <a:ext cx="813578" cy="1108912"/>
+          </a:xfrm>
+          <a:prstGeom prst="flowChartMagneticDisk">
+            <a:avLst/>
+          </a:prstGeom>
+          <a:solidFill>
+            <a:srgbClr val="2E75B5"/>
+          </a:solidFill>
+          <a:ln>
+            <a:solidFill>
+              <a:srgbClr val="FFFFFF"/>
+            </a:solidFill>
+          </a:ln>
+        </p:spPr>
+        <p:style>
+          <a:lnRef idx="2">
+            <a:schemeClr val="accent1">
+              <a:shade val="50000"/>
+            </a:schemeClr>
+          </a:lnRef>
+          <a:fillRef idx="1">
+            <a:schemeClr val="accent1"/>
+          </a:fillRef>
+          <a:effectRef idx="0">
+            <a:schemeClr val="accent1"/>
+          </a:effectRef>
+          <a:fontRef idx="minor">
+            <a:schemeClr val="lt1"/>
+          </a:fontRef>
+        </p:style>
+        <p:txBody>
+          <a:bodyPr rtlCol="0" anchor="ctr"/>
+          <a:lstStyle/>
+          <a:p>
+            <a:pPr algn="ctr"/>
+            <a:endParaRPr lang="en-US" dirty="0">
+              <a:solidFill>
+                <a:schemeClr val="bg1"/>
+              </a:solidFill>
+            </a:endParaRPr>
+          </a:p>
+        </p:txBody>
+      </p:sp>
+      <p:grpSp>
+        <p:nvGrpSpPr>
+          <p:cNvPr id="83" name="Group 82"/>
+          <p:cNvGrpSpPr/>
+          <p:nvPr/>
+        </p:nvGrpSpPr>
+        <p:grpSpPr>
+          <a:xfrm>
+            <a:off x="5808950" y="3332563"/>
+            <a:ext cx="1023730" cy="2922104"/>
+            <a:chOff x="1590261" y="3419061"/>
+            <a:chExt cx="1023730" cy="2922104"/>
+          </a:xfrm>
+        </p:grpSpPr>
+        <p:sp>
+          <p:nvSpPr>
+            <p:cNvPr id="102" name="Rectangle 101"/>
+            <p:cNvSpPr/>
+            <p:nvPr/>
+          </p:nvSpPr>
+          <p:spPr>
+            <a:xfrm>
+              <a:off x="1590261" y="3419061"/>
+              <a:ext cx="1023730" cy="2922104"/>
+            </a:xfrm>
+            <a:prstGeom prst="rect">
+              <a:avLst/>
+            </a:prstGeom>
+            <a:solidFill>
+              <a:srgbClr val="002060"/>
+            </a:solidFill>
+            <a:ln>
+              <a:noFill/>
+            </a:ln>
+          </p:spPr>
+          <p:style>
+            <a:lnRef idx="2">
+              <a:schemeClr val="accent1">
+                <a:shade val="50000"/>
+              </a:schemeClr>
+            </a:lnRef>
+            <a:fillRef idx="1">
+              <a:schemeClr val="accent1"/>
+            </a:fillRef>
+            <a:effectRef idx="0">
+              <a:schemeClr val="accent1"/>
+            </a:effectRef>
+            <a:fontRef idx="minor">
+              <a:schemeClr val="lt1"/>
+            </a:fontRef>
+          </p:style>
+          <p:txBody>
+            <a:bodyPr rtlCol="0" anchor="ctr"/>
+            <a:lstStyle/>
+            <a:p>
+              <a:pPr algn="ctr"/>
+              <a:endParaRPr lang="en-US" dirty="0">
+                <a:solidFill>
+                  <a:schemeClr val="bg1"/>
+                </a:solidFill>
+              </a:endParaRPr>
+            </a:p>
+          </p:txBody>
+        </p:sp>
+        <p:sp>
+          <p:nvSpPr>
+            <p:cNvPr id="104" name="TextBox 103"/>
+            <p:cNvSpPr txBox="1"/>
+            <p:nvPr/>
+          </p:nvSpPr>
+          <p:spPr>
+            <a:xfrm>
+              <a:off x="1871293" y="3737113"/>
+              <a:ext cx="461665" cy="2286000"/>
+            </a:xfrm>
+            <a:prstGeom prst="rect">
+              <a:avLst/>
+            </a:prstGeom>
+            <a:noFill/>
+          </p:spPr>
+          <p:txBody>
+            <a:bodyPr vert="eaVert" wrap="square" rtlCol="0">
+              <a:spAutoFit/>
+            </a:bodyPr>
+            <a:lstStyle/>
+            <a:p>
+              <a:r>
+                <a:rPr lang="en-US" dirty="0">
+                  <a:solidFill>
+                    <a:schemeClr val="bg1"/>
+                  </a:solidFill>
+                </a:rPr>
+                <a:t>Map-Reduce Stage 2</a:t>
+              </a:r>
+            </a:p>
+          </p:txBody>
+        </p:sp>
+      </p:grpSp>
+      <p:cxnSp>
+        <p:nvCxnSpPr>
+          <p:cNvPr id="106" name="Straight Arrow Connector 105"/>
+          <p:cNvCxnSpPr>
+            <a:stCxn id="80" idx="4"/>
+            <a:endCxn id="102" idx="1"/>
+          </p:cNvCxnSpPr>
+          <p:nvPr/>
+        </p:nvCxnSpPr>
+        <p:spPr>
+          <a:xfrm>
+            <a:off x="5442061" y="4793615"/>
+            <a:ext cx="366889" cy="0"/>
+          </a:xfrm>
+          <a:prstGeom prst="straightConnector1">
+            <a:avLst/>
+          </a:prstGeom>
+          <a:ln w="38100">
+            <a:solidFill>
+              <a:schemeClr val="bg1">
+                <a:lumMod val="65000"/>
+              </a:schemeClr>
+            </a:solidFill>
+            <a:headEnd type="none" w="med" len="med"/>
+            <a:tailEnd type="triangle"/>
+          </a:ln>
+        </p:spPr>
+        <p:style>
+          <a:lnRef idx="1">
+            <a:schemeClr val="accent1"/>
+          </a:lnRef>
+          <a:fillRef idx="0">
+            <a:schemeClr val="accent1"/>
+          </a:fillRef>
+          <a:effectRef idx="0">
+            <a:schemeClr val="accent1"/>
+          </a:effectRef>
+          <a:fontRef idx="minor">
+            <a:schemeClr val="tx1"/>
+          </a:fontRef>
+        </p:style>
+      </p:cxnSp>
+      <p:sp>
+        <p:nvSpPr>
+          <p:cNvPr id="108" name="Flowchart: Magnetic Disk 107"/>
+          <p:cNvSpPr/>
+          <p:nvPr/>
+        </p:nvSpPr>
+        <p:spPr>
+          <a:xfrm>
+            <a:off x="7199569" y="4239158"/>
+            <a:ext cx="813578" cy="1108912"/>
+          </a:xfrm>
+          <a:prstGeom prst="flowChartMagneticDisk">
+            <a:avLst/>
+          </a:prstGeom>
+          <a:solidFill>
+            <a:srgbClr val="2E75B5"/>
+          </a:solidFill>
+          <a:ln>
+            <a:solidFill>
+              <a:srgbClr val="FFFFFF"/>
+            </a:solidFill>
+          </a:ln>
+        </p:spPr>
+        <p:style>
+          <a:lnRef idx="2">
+            <a:schemeClr val="accent1">
+              <a:shade val="50000"/>
+            </a:schemeClr>
+          </a:lnRef>
+          <a:fillRef idx="1">
+            <a:schemeClr val="accent1"/>
+          </a:fillRef>
+          <a:effectRef idx="0">
+            <a:schemeClr val="accent1"/>
+          </a:effectRef>
+          <a:fontRef idx="minor">
+            <a:schemeClr val="lt1"/>
+          </a:fontRef>
+        </p:style>
+        <p:txBody>
+          <a:bodyPr rtlCol="0" anchor="ctr"/>
+          <a:lstStyle/>
+          <a:p>
+            <a:pPr algn="ctr"/>
+            <a:endParaRPr lang="en-US" dirty="0">
+              <a:solidFill>
+                <a:schemeClr val="bg1"/>
+              </a:solidFill>
+            </a:endParaRPr>
+          </a:p>
+        </p:txBody>
+      </p:sp>
+      <p:grpSp>
+        <p:nvGrpSpPr>
+          <p:cNvPr id="109" name="Group 108"/>
+          <p:cNvGrpSpPr/>
+          <p:nvPr/>
+        </p:nvGrpSpPr>
+        <p:grpSpPr>
+          <a:xfrm>
+            <a:off x="8380037" y="3332562"/>
+            <a:ext cx="1023730" cy="2922104"/>
+            <a:chOff x="1590261" y="3419061"/>
+            <a:chExt cx="1023730" cy="2922104"/>
+          </a:xfrm>
+        </p:grpSpPr>
+        <p:sp>
+          <p:nvSpPr>
+            <p:cNvPr id="110" name="Rectangle 109"/>
+            <p:cNvSpPr/>
+            <p:nvPr/>
+          </p:nvSpPr>
+          <p:spPr>
+            <a:xfrm>
+              <a:off x="1590261" y="3419061"/>
+              <a:ext cx="1023730" cy="2922104"/>
+            </a:xfrm>
+            <a:prstGeom prst="rect">
+              <a:avLst/>
+            </a:prstGeom>
+            <a:solidFill>
+              <a:srgbClr val="002060"/>
+            </a:solidFill>
+            <a:ln>
+              <a:noFill/>
+            </a:ln>
+          </p:spPr>
+          <p:style>
+            <a:lnRef idx="2">
+              <a:schemeClr val="accent1">
+                <a:shade val="50000"/>
+              </a:schemeClr>
+            </a:lnRef>
+            <a:fillRef idx="1">
+              <a:schemeClr val="accent1"/>
+            </a:fillRef>
+            <a:effectRef idx="0">
+              <a:schemeClr val="accent1"/>
+            </a:effectRef>
+            <a:fontRef idx="minor">
+              <a:schemeClr val="lt1"/>
+            </a:fontRef>
+          </p:style>
+          <p:txBody>
+            <a:bodyPr rtlCol="0" anchor="ctr"/>
+            <a:lstStyle/>
+            <a:p>
+              <a:pPr algn="ctr"/>
+              <a:endParaRPr lang="en-US" dirty="0">
+                <a:solidFill>
+                  <a:schemeClr val="bg1"/>
+                </a:solidFill>
+              </a:endParaRPr>
+            </a:p>
+          </p:txBody>
+        </p:sp>
+        <p:sp>
+          <p:nvSpPr>
+            <p:cNvPr id="111" name="TextBox 110"/>
+            <p:cNvSpPr txBox="1"/>
+            <p:nvPr/>
+          </p:nvSpPr>
+          <p:spPr>
+            <a:xfrm>
+              <a:off x="1871293" y="3737113"/>
+              <a:ext cx="461665" cy="2286000"/>
+            </a:xfrm>
+            <a:prstGeom prst="rect">
+              <a:avLst/>
+            </a:prstGeom>
+            <a:noFill/>
+          </p:spPr>
+          <p:txBody>
+            <a:bodyPr vert="eaVert" wrap="square" rtlCol="0">
+              <a:spAutoFit/>
+            </a:bodyPr>
+            <a:lstStyle/>
+            <a:p>
+              <a:r>
+                <a:rPr lang="en-US" dirty="0">
+                  <a:solidFill>
+                    <a:schemeClr val="bg1"/>
+                  </a:solidFill>
+                </a:rPr>
+                <a:t>Map-Reduce Stage 3</a:t>
+              </a:r>
+            </a:p>
+          </p:txBody>
+        </p:sp>
+      </p:grpSp>
+      <p:cxnSp>
+        <p:nvCxnSpPr>
+          <p:cNvPr id="112" name="Straight Arrow Connector 111"/>
+          <p:cNvCxnSpPr>
+            <a:stCxn id="108" idx="4"/>
+            <a:endCxn id="110" idx="1"/>
+          </p:cNvCxnSpPr>
+          <p:nvPr/>
+        </p:nvCxnSpPr>
+        <p:spPr>
+          <a:xfrm>
+            <a:off x="8013147" y="4793614"/>
+            <a:ext cx="366890" cy="0"/>
+          </a:xfrm>
+          <a:prstGeom prst="straightConnector1">
+            <a:avLst/>
+          </a:prstGeom>
+          <a:ln w="38100">
+            <a:solidFill>
+              <a:schemeClr val="bg1">
+                <a:lumMod val="65000"/>
+              </a:schemeClr>
+            </a:solidFill>
+            <a:headEnd type="none" w="med" len="med"/>
+            <a:tailEnd type="triangle"/>
+          </a:ln>
+        </p:spPr>
+        <p:style>
+          <a:lnRef idx="1">
+            <a:schemeClr val="accent1"/>
+          </a:lnRef>
+          <a:fillRef idx="0">
+            <a:schemeClr val="accent1"/>
+          </a:fillRef>
+          <a:effectRef idx="0">
+            <a:schemeClr val="accent1"/>
+          </a:effectRef>
+          <a:fontRef idx="minor">
+            <a:schemeClr val="tx1"/>
+          </a:fontRef>
+        </p:style>
+      </p:cxnSp>
+      <p:cxnSp>
+        <p:nvCxnSpPr>
+          <p:cNvPr id="19" name="Straight Arrow Connector 18"/>
+          <p:cNvCxnSpPr>
+            <a:stCxn id="10" idx="3"/>
+            <a:endCxn id="80" idx="2"/>
+          </p:cNvCxnSpPr>
+          <p:nvPr/>
+        </p:nvCxnSpPr>
+        <p:spPr>
+          <a:xfrm>
+            <a:off x="4261594" y="4793615"/>
+            <a:ext cx="366889" cy="0"/>
+          </a:xfrm>
+          <a:prstGeom prst="straightConnector1">
+            <a:avLst/>
+          </a:prstGeom>
+          <a:ln w="38100">
+            <a:solidFill>
+              <a:schemeClr val="bg1">
+                <a:lumMod val="65000"/>
+              </a:schemeClr>
+            </a:solidFill>
+            <a:headEnd type="none" w="med" len="med"/>
+            <a:tailEnd type="triangle"/>
+          </a:ln>
+        </p:spPr>
+        <p:style>
+          <a:lnRef idx="1">
+            <a:schemeClr val="accent1"/>
+          </a:lnRef>
+          <a:fillRef idx="0">
+            <a:schemeClr val="accent1"/>
+          </a:fillRef>
+          <a:effectRef idx="0">
+            <a:schemeClr val="accent1"/>
+          </a:effectRef>
+          <a:fontRef idx="minor">
+            <a:schemeClr val="tx1"/>
+          </a:fontRef>
+        </p:style>
+      </p:cxnSp>
+      <p:cxnSp>
+        <p:nvCxnSpPr>
+          <p:cNvPr id="21" name="Straight Arrow Connector 20"/>
+          <p:cNvCxnSpPr>
+            <a:stCxn id="102" idx="3"/>
+            <a:endCxn id="108" idx="2"/>
+          </p:cNvCxnSpPr>
+          <p:nvPr/>
+        </p:nvCxnSpPr>
+        <p:spPr>
+          <a:xfrm flipV="1">
+            <a:off x="6832680" y="4793614"/>
+            <a:ext cx="366889" cy="1"/>
+          </a:xfrm>
+          <a:prstGeom prst="straightConnector1">
+            <a:avLst/>
+          </a:prstGeom>
+          <a:ln w="38100">
+            <a:solidFill>
+              <a:schemeClr val="bg1">
+                <a:lumMod val="65000"/>
+              </a:schemeClr>
+            </a:solidFill>
+            <a:headEnd type="none" w="med" len="med"/>
+            <a:tailEnd type="triangle"/>
+          </a:ln>
+        </p:spPr>
+        <p:style>
+          <a:lnRef idx="1">
+            <a:schemeClr val="accent1"/>
+          </a:lnRef>
+          <a:fillRef idx="0">
+            <a:schemeClr val="accent1"/>
+          </a:fillRef>
+          <a:effectRef idx="0">
+            <a:schemeClr val="accent1"/>
+          </a:effectRef>
+          <a:fontRef idx="minor">
+            <a:schemeClr val="tx1"/>
+          </a:fontRef>
+        </p:style>
+      </p:cxnSp>
+    </p:spTree>
+    <p:extLst>
+      <p:ext uri="{BB962C8B-B14F-4D97-AF65-F5344CB8AC3E}">
+        <p14:creationId xmlns:p14="http://schemas.microsoft.com/office/powerpoint/2010/main" val="1498626996"/>
+      </p:ext>
+    </p:extLst>
+  </p:cSld>
+  <p:clrMapOvr>
+    <a:masterClrMapping/>
+  </p:clrMapOvr>
+</p:sld>
+</file>
+
 <file path=ppt/slides/slide2.xml><?xml version="1.0" encoding="utf-8"?>
 <p:sld xmlns:a="http://schemas.openxmlformats.org/drawingml/2006/main" xmlns:r="http://schemas.openxmlformats.org/officeDocument/2006/relationships" xmlns:p="http://schemas.openxmlformats.org/presentationml/2006/main">
   <p:cSld>
@@ -18227,986 +18597,6 @@
       </p:grpSpPr>
       <p:sp>
         <p:nvSpPr>
-          <p:cNvPr id="5" name="Title 4"/>
-          <p:cNvSpPr>
-            <a:spLocks noGrp="1"/>
-          </p:cNvSpPr>
-          <p:nvPr>
-            <p:ph type="title"/>
-          </p:nvPr>
-        </p:nvSpPr>
-        <p:spPr/>
-        <p:txBody>
-          <a:bodyPr>
-            <a:normAutofit/>
-          </a:bodyPr>
-          <a:lstStyle/>
-          <a:p>
-            <a:r>
-              <a:rPr lang="en-US" sz="4000" dirty="0"/>
-              <a:t>Distributed Computation</a:t>
-            </a:r>
-          </a:p>
-        </p:txBody>
-      </p:sp>
-      <p:grpSp>
-        <p:nvGrpSpPr>
-          <p:cNvPr id="2" name="Group 1"/>
-          <p:cNvGrpSpPr/>
-          <p:nvPr/>
-        </p:nvGrpSpPr>
-        <p:grpSpPr>
-          <a:xfrm>
-            <a:off x="0" y="1690687"/>
-            <a:ext cx="12192000" cy="1060794"/>
-            <a:chOff x="0" y="1918569"/>
-            <a:chExt cx="12192000" cy="832912"/>
-          </a:xfrm>
-        </p:grpSpPr>
-        <p:sp>
-          <p:nvSpPr>
-            <p:cNvPr id="7" name="Rectangle 6"/>
-            <p:cNvSpPr/>
-            <p:nvPr/>
-          </p:nvSpPr>
-          <p:spPr>
-            <a:xfrm>
-              <a:off x="0" y="1918569"/>
-              <a:ext cx="12192000" cy="832911"/>
-            </a:xfrm>
-            <a:prstGeom prst="rect">
-              <a:avLst/>
-            </a:prstGeom>
-            <a:solidFill>
-              <a:srgbClr val="0070C0"/>
-            </a:solidFill>
-            <a:ln w="9525" cap="flat" cmpd="sng" algn="ctr">
-              <a:noFill/>
-              <a:prstDash val="solid"/>
-            </a:ln>
-            <a:effectLst/>
-          </p:spPr>
-          <p:txBody>
-            <a:bodyPr rtlCol="0" anchor="ctr"/>
-            <a:lstStyle/>
-            <a:p>
-              <a:pPr marL="0" marR="0" lvl="0" indent="0" algn="ctr" defTabSz="914400" eaLnBrk="1" fontAlgn="auto" latinLnBrk="0" hangingPunct="1">
-                <a:lnSpc>
-                  <a:spcPct val="100000"/>
-                </a:lnSpc>
-                <a:spcBef>
-                  <a:spcPts val="0"/>
-                </a:spcBef>
-                <a:spcAft>
-                  <a:spcPts val="0"/>
-                </a:spcAft>
-                <a:buClrTx/>
-                <a:buSzTx/>
-                <a:buFont typeface="Arial" panose="020B0604020202020204" pitchFamily="34" charset="0"/>
-                <a:buNone/>
-                <a:tabLst/>
-                <a:defRPr/>
-              </a:pPr>
-              <a:endParaRPr kumimoji="0" lang="en-US" sz="4000" i="1" u="none" strike="noStrike" kern="0" cap="none" spc="0" normalizeH="0" baseline="0" noProof="0" dirty="0">
-                <a:ln>
-                  <a:noFill/>
-                </a:ln>
-                <a:solidFill>
-                  <a:prstClr val="white"/>
-                </a:solidFill>
-                <a:effectLst/>
-                <a:uLnTx/>
-                <a:uFillTx/>
-                <a:latin typeface="+mj-lt"/>
-              </a:endParaRPr>
-            </a:p>
-          </p:txBody>
-        </p:sp>
-        <p:sp>
-          <p:nvSpPr>
-            <p:cNvPr id="9" name="Content Placeholder 2"/>
-            <p:cNvSpPr txBox="1">
-              <a:spLocks/>
-            </p:cNvSpPr>
-            <p:nvPr/>
-          </p:nvSpPr>
-          <p:spPr>
-            <a:xfrm>
-              <a:off x="697170" y="1918570"/>
-              <a:ext cx="10007273" cy="832911"/>
-            </a:xfrm>
-            <a:prstGeom prst="rect">
-              <a:avLst/>
-            </a:prstGeom>
-          </p:spPr>
-          <p:txBody>
-            <a:bodyPr anchor="ctr"/>
-            <a:lstStyle>
-              <a:lvl1pPr marL="0" indent="0" algn="ctr" defTabSz="914400" rtl="0" eaLnBrk="1" latinLnBrk="0" hangingPunct="1">
-                <a:lnSpc>
-                  <a:spcPct val="90000"/>
-                </a:lnSpc>
-                <a:spcBef>
-                  <a:spcPts val="1000"/>
-                </a:spcBef>
-                <a:buFont typeface="Arial" panose="020B0604020202020204" pitchFamily="34" charset="0"/>
-                <a:buNone/>
-                <a:defRPr sz="2800" i="1" kern="1200">
-                  <a:solidFill>
-                    <a:schemeClr val="bg1"/>
-                  </a:solidFill>
-                  <a:latin typeface="+mn-lt"/>
-                  <a:ea typeface="+mn-ea"/>
-                  <a:cs typeface="+mn-cs"/>
-                </a:defRPr>
-              </a:lvl1pPr>
-              <a:lvl2pPr marL="457200" indent="0" algn="ctr" defTabSz="914400" rtl="0" eaLnBrk="1" latinLnBrk="0" hangingPunct="1">
-                <a:lnSpc>
-                  <a:spcPct val="90000"/>
-                </a:lnSpc>
-                <a:spcBef>
-                  <a:spcPts val="500"/>
-                </a:spcBef>
-                <a:buFont typeface="Arial" panose="020B0604020202020204" pitchFamily="34" charset="0"/>
-                <a:buNone/>
-                <a:defRPr sz="2400" i="1" kern="1200">
-                  <a:solidFill>
-                    <a:schemeClr val="bg1"/>
-                  </a:solidFill>
-                  <a:latin typeface="+mn-lt"/>
-                  <a:ea typeface="+mn-ea"/>
-                  <a:cs typeface="+mn-cs"/>
-                </a:defRPr>
-              </a:lvl2pPr>
-              <a:lvl3pPr marL="914400" indent="0" algn="ctr" defTabSz="914400" rtl="0" eaLnBrk="1" latinLnBrk="0" hangingPunct="1">
-                <a:lnSpc>
-                  <a:spcPct val="90000"/>
-                </a:lnSpc>
-                <a:spcBef>
-                  <a:spcPts val="500"/>
-                </a:spcBef>
-                <a:buFont typeface="Arial" panose="020B0604020202020204" pitchFamily="34" charset="0"/>
-                <a:buNone/>
-                <a:defRPr sz="2000" i="1" kern="1200">
-                  <a:solidFill>
-                    <a:schemeClr val="bg1"/>
-                  </a:solidFill>
-                  <a:latin typeface="+mn-lt"/>
-                  <a:ea typeface="+mn-ea"/>
-                  <a:cs typeface="+mn-cs"/>
-                </a:defRPr>
-              </a:lvl3pPr>
-              <a:lvl4pPr marL="1371600" indent="0" algn="ctr" defTabSz="914400" rtl="0" eaLnBrk="1" latinLnBrk="0" hangingPunct="1">
-                <a:lnSpc>
-                  <a:spcPct val="90000"/>
-                </a:lnSpc>
-                <a:spcBef>
-                  <a:spcPts val="500"/>
-                </a:spcBef>
-                <a:buFont typeface="Arial" panose="020B0604020202020204" pitchFamily="34" charset="0"/>
-                <a:buNone/>
-                <a:defRPr sz="1800" i="1" kern="1200">
-                  <a:solidFill>
-                    <a:schemeClr val="bg1"/>
-                  </a:solidFill>
-                  <a:latin typeface="+mn-lt"/>
-                  <a:ea typeface="+mn-ea"/>
-                  <a:cs typeface="+mn-cs"/>
-                </a:defRPr>
-              </a:lvl4pPr>
-              <a:lvl5pPr marL="1828800" indent="0" algn="ctr" defTabSz="914400" rtl="0" eaLnBrk="1" latinLnBrk="0" hangingPunct="1">
-                <a:lnSpc>
-                  <a:spcPct val="90000"/>
-                </a:lnSpc>
-                <a:spcBef>
-                  <a:spcPts val="500"/>
-                </a:spcBef>
-                <a:buFont typeface="Arial" panose="020B0604020202020204" pitchFamily="34" charset="0"/>
-                <a:buNone/>
-                <a:defRPr sz="1800" i="1" kern="1200">
-                  <a:solidFill>
-                    <a:schemeClr val="bg1"/>
-                  </a:solidFill>
-                  <a:latin typeface="+mn-lt"/>
-                  <a:ea typeface="+mn-ea"/>
-                  <a:cs typeface="+mn-cs"/>
-                </a:defRPr>
-              </a:lvl5pPr>
-              <a:lvl6pPr marL="2514600" indent="-228600" algn="l" defTabSz="914400" rtl="0" eaLnBrk="1" latinLnBrk="0" hangingPunct="1">
-                <a:lnSpc>
-                  <a:spcPct val="90000"/>
-                </a:lnSpc>
-                <a:spcBef>
-                  <a:spcPts val="500"/>
-                </a:spcBef>
-                <a:buFont typeface="Arial" panose="020B0604020202020204" pitchFamily="34" charset="0"/>
-                <a:buChar char="•"/>
-                <a:defRPr sz="1800" kern="1200">
-                  <a:solidFill>
-                    <a:schemeClr val="tx1"/>
-                  </a:solidFill>
-                  <a:latin typeface="+mn-lt"/>
-                  <a:ea typeface="+mn-ea"/>
-                  <a:cs typeface="+mn-cs"/>
-                </a:defRPr>
-              </a:lvl6pPr>
-              <a:lvl7pPr marL="2971800" indent="-228600" algn="l" defTabSz="914400" rtl="0" eaLnBrk="1" latinLnBrk="0" hangingPunct="1">
-                <a:lnSpc>
-                  <a:spcPct val="90000"/>
-                </a:lnSpc>
-                <a:spcBef>
-                  <a:spcPts val="500"/>
-                </a:spcBef>
-                <a:buFont typeface="Arial" panose="020B0604020202020204" pitchFamily="34" charset="0"/>
-                <a:buChar char="•"/>
-                <a:defRPr sz="1800" kern="1200">
-                  <a:solidFill>
-                    <a:schemeClr val="tx1"/>
-                  </a:solidFill>
-                  <a:latin typeface="+mn-lt"/>
-                  <a:ea typeface="+mn-ea"/>
-                  <a:cs typeface="+mn-cs"/>
-                </a:defRPr>
-              </a:lvl7pPr>
-              <a:lvl8pPr marL="3429000" indent="-228600" algn="l" defTabSz="914400" rtl="0" eaLnBrk="1" latinLnBrk="0" hangingPunct="1">
-                <a:lnSpc>
-                  <a:spcPct val="90000"/>
-                </a:lnSpc>
-                <a:spcBef>
-                  <a:spcPts val="500"/>
-                </a:spcBef>
-                <a:buFont typeface="Arial" panose="020B0604020202020204" pitchFamily="34" charset="0"/>
-                <a:buChar char="•"/>
-                <a:defRPr sz="1800" kern="1200">
-                  <a:solidFill>
-                    <a:schemeClr val="tx1"/>
-                  </a:solidFill>
-                  <a:latin typeface="+mn-lt"/>
-                  <a:ea typeface="+mn-ea"/>
-                  <a:cs typeface="+mn-cs"/>
-                </a:defRPr>
-              </a:lvl8pPr>
-              <a:lvl9pPr marL="3886200" indent="-228600" algn="l" defTabSz="914400" rtl="0" eaLnBrk="1" latinLnBrk="0" hangingPunct="1">
-                <a:lnSpc>
-                  <a:spcPct val="90000"/>
-                </a:lnSpc>
-                <a:spcBef>
-                  <a:spcPts val="500"/>
-                </a:spcBef>
-                <a:buFont typeface="Arial" panose="020B0604020202020204" pitchFamily="34" charset="0"/>
-                <a:buChar char="•"/>
-                <a:defRPr sz="1800" kern="1200">
-                  <a:solidFill>
-                    <a:schemeClr val="tx1"/>
-                  </a:solidFill>
-                  <a:latin typeface="+mn-lt"/>
-                  <a:ea typeface="+mn-ea"/>
-                  <a:cs typeface="+mn-cs"/>
-                </a:defRPr>
-              </a:lvl9pPr>
-            </a:lstStyle>
-            <a:p>
-              <a:pPr algn="l"/>
-              <a:r>
-                <a:rPr lang="en-US" altLang="ko-KR" i="0" dirty="0"/>
-                <a:t>A job often involves many map-reduce stages</a:t>
-              </a:r>
-            </a:p>
-          </p:txBody>
-        </p:sp>
-      </p:grpSp>
-      <p:sp>
-        <p:nvSpPr>
-          <p:cNvPr id="73" name="Flowchart: Magnetic Disk 72"/>
-          <p:cNvSpPr/>
-          <p:nvPr/>
-        </p:nvSpPr>
-        <p:spPr>
-          <a:xfrm>
-            <a:off x="2057397" y="4239159"/>
-            <a:ext cx="813578" cy="1108912"/>
-          </a:xfrm>
-          <a:prstGeom prst="flowChartMagneticDisk">
-            <a:avLst/>
-          </a:prstGeom>
-          <a:solidFill>
-            <a:srgbClr val="2E75B5"/>
-          </a:solidFill>
-          <a:ln>
-            <a:solidFill>
-              <a:srgbClr val="FFFFFF"/>
-            </a:solidFill>
-          </a:ln>
-        </p:spPr>
-        <p:style>
-          <a:lnRef idx="2">
-            <a:schemeClr val="accent1">
-              <a:shade val="50000"/>
-            </a:schemeClr>
-          </a:lnRef>
-          <a:fillRef idx="1">
-            <a:schemeClr val="accent1"/>
-          </a:fillRef>
-          <a:effectRef idx="0">
-            <a:schemeClr val="accent1"/>
-          </a:effectRef>
-          <a:fontRef idx="minor">
-            <a:schemeClr val="lt1"/>
-          </a:fontRef>
-        </p:style>
-        <p:txBody>
-          <a:bodyPr rtlCol="0" anchor="ctr"/>
-          <a:lstStyle/>
-          <a:p>
-            <a:pPr algn="ctr"/>
-            <a:endParaRPr lang="en-US" dirty="0">
-              <a:solidFill>
-                <a:schemeClr val="bg1"/>
-              </a:solidFill>
-            </a:endParaRPr>
-          </a:p>
-        </p:txBody>
-      </p:sp>
-      <p:grpSp>
-        <p:nvGrpSpPr>
-          <p:cNvPr id="14" name="Group 13"/>
-          <p:cNvGrpSpPr/>
-          <p:nvPr/>
-        </p:nvGrpSpPr>
-        <p:grpSpPr>
-          <a:xfrm>
-            <a:off x="3237864" y="3332563"/>
-            <a:ext cx="1023730" cy="2922104"/>
-            <a:chOff x="1590261" y="3419061"/>
-            <a:chExt cx="1023730" cy="2922104"/>
-          </a:xfrm>
-        </p:grpSpPr>
-        <p:sp>
-          <p:nvSpPr>
-            <p:cNvPr id="10" name="Rectangle 9"/>
-            <p:cNvSpPr/>
-            <p:nvPr/>
-          </p:nvSpPr>
-          <p:spPr>
-            <a:xfrm>
-              <a:off x="1590261" y="3419061"/>
-              <a:ext cx="1023730" cy="2922104"/>
-            </a:xfrm>
-            <a:prstGeom prst="rect">
-              <a:avLst/>
-            </a:prstGeom>
-            <a:solidFill>
-              <a:srgbClr val="002060"/>
-            </a:solidFill>
-            <a:ln>
-              <a:noFill/>
-            </a:ln>
-          </p:spPr>
-          <p:style>
-            <a:lnRef idx="2">
-              <a:schemeClr val="accent1">
-                <a:shade val="50000"/>
-              </a:schemeClr>
-            </a:lnRef>
-            <a:fillRef idx="1">
-              <a:schemeClr val="accent1"/>
-            </a:fillRef>
-            <a:effectRef idx="0">
-              <a:schemeClr val="accent1"/>
-            </a:effectRef>
-            <a:fontRef idx="minor">
-              <a:schemeClr val="lt1"/>
-            </a:fontRef>
-          </p:style>
-          <p:txBody>
-            <a:bodyPr rtlCol="0" anchor="ctr"/>
-            <a:lstStyle/>
-            <a:p>
-              <a:pPr algn="ctr"/>
-              <a:endParaRPr lang="en-US" dirty="0">
-                <a:solidFill>
-                  <a:schemeClr val="bg1"/>
-                </a:solidFill>
-              </a:endParaRPr>
-            </a:p>
-          </p:txBody>
-        </p:sp>
-        <p:sp>
-          <p:nvSpPr>
-            <p:cNvPr id="6" name="TextBox 5"/>
-            <p:cNvSpPr txBox="1"/>
-            <p:nvPr/>
-          </p:nvSpPr>
-          <p:spPr>
-            <a:xfrm>
-              <a:off x="1871293" y="3737113"/>
-              <a:ext cx="461665" cy="2286000"/>
-            </a:xfrm>
-            <a:prstGeom prst="rect">
-              <a:avLst/>
-            </a:prstGeom>
-            <a:noFill/>
-          </p:spPr>
-          <p:txBody>
-            <a:bodyPr vert="eaVert" wrap="square" rtlCol="0">
-              <a:spAutoFit/>
-            </a:bodyPr>
-            <a:lstStyle/>
-            <a:p>
-              <a:r>
-                <a:rPr lang="en-US" dirty="0">
-                  <a:solidFill>
-                    <a:schemeClr val="bg1"/>
-                  </a:solidFill>
-                </a:rPr>
-                <a:t>Map-Reduce Stage 1</a:t>
-              </a:r>
-            </a:p>
-          </p:txBody>
-        </p:sp>
-      </p:grpSp>
-      <p:cxnSp>
-        <p:nvCxnSpPr>
-          <p:cNvPr id="16" name="Straight Arrow Connector 15"/>
-          <p:cNvCxnSpPr>
-            <a:stCxn id="73" idx="4"/>
-            <a:endCxn id="10" idx="1"/>
-          </p:cNvCxnSpPr>
-          <p:nvPr/>
-        </p:nvCxnSpPr>
-        <p:spPr>
-          <a:xfrm>
-            <a:off x="2870975" y="4793615"/>
-            <a:ext cx="366889" cy="0"/>
-          </a:xfrm>
-          <a:prstGeom prst="straightConnector1">
-            <a:avLst/>
-          </a:prstGeom>
-          <a:ln w="38100">
-            <a:solidFill>
-              <a:schemeClr val="bg1">
-                <a:lumMod val="65000"/>
-              </a:schemeClr>
-            </a:solidFill>
-            <a:headEnd type="none" w="med" len="med"/>
-            <a:tailEnd type="triangle"/>
-          </a:ln>
-        </p:spPr>
-        <p:style>
-          <a:lnRef idx="1">
-            <a:schemeClr val="accent1"/>
-          </a:lnRef>
-          <a:fillRef idx="0">
-            <a:schemeClr val="accent1"/>
-          </a:fillRef>
-          <a:effectRef idx="0">
-            <a:schemeClr val="accent1"/>
-          </a:effectRef>
-          <a:fontRef idx="minor">
-            <a:schemeClr val="tx1"/>
-          </a:fontRef>
-        </p:style>
-      </p:cxnSp>
-      <p:sp>
-        <p:nvSpPr>
-          <p:cNvPr id="80" name="Flowchart: Magnetic Disk 79"/>
-          <p:cNvSpPr/>
-          <p:nvPr/>
-        </p:nvSpPr>
-        <p:spPr>
-          <a:xfrm>
-            <a:off x="4628483" y="4239159"/>
-            <a:ext cx="813578" cy="1108912"/>
-          </a:xfrm>
-          <a:prstGeom prst="flowChartMagneticDisk">
-            <a:avLst/>
-          </a:prstGeom>
-          <a:solidFill>
-            <a:srgbClr val="2E75B5"/>
-          </a:solidFill>
-          <a:ln>
-            <a:solidFill>
-              <a:srgbClr val="FFFFFF"/>
-            </a:solidFill>
-          </a:ln>
-        </p:spPr>
-        <p:style>
-          <a:lnRef idx="2">
-            <a:schemeClr val="accent1">
-              <a:shade val="50000"/>
-            </a:schemeClr>
-          </a:lnRef>
-          <a:fillRef idx="1">
-            <a:schemeClr val="accent1"/>
-          </a:fillRef>
-          <a:effectRef idx="0">
-            <a:schemeClr val="accent1"/>
-          </a:effectRef>
-          <a:fontRef idx="minor">
-            <a:schemeClr val="lt1"/>
-          </a:fontRef>
-        </p:style>
-        <p:txBody>
-          <a:bodyPr rtlCol="0" anchor="ctr"/>
-          <a:lstStyle/>
-          <a:p>
-            <a:pPr algn="ctr"/>
-            <a:endParaRPr lang="en-US" dirty="0">
-              <a:solidFill>
-                <a:schemeClr val="bg1"/>
-              </a:solidFill>
-            </a:endParaRPr>
-          </a:p>
-        </p:txBody>
-      </p:sp>
-      <p:grpSp>
-        <p:nvGrpSpPr>
-          <p:cNvPr id="83" name="Group 82"/>
-          <p:cNvGrpSpPr/>
-          <p:nvPr/>
-        </p:nvGrpSpPr>
-        <p:grpSpPr>
-          <a:xfrm>
-            <a:off x="5808950" y="3332563"/>
-            <a:ext cx="1023730" cy="2922104"/>
-            <a:chOff x="1590261" y="3419061"/>
-            <a:chExt cx="1023730" cy="2922104"/>
-          </a:xfrm>
-        </p:grpSpPr>
-        <p:sp>
-          <p:nvSpPr>
-            <p:cNvPr id="102" name="Rectangle 101"/>
-            <p:cNvSpPr/>
-            <p:nvPr/>
-          </p:nvSpPr>
-          <p:spPr>
-            <a:xfrm>
-              <a:off x="1590261" y="3419061"/>
-              <a:ext cx="1023730" cy="2922104"/>
-            </a:xfrm>
-            <a:prstGeom prst="rect">
-              <a:avLst/>
-            </a:prstGeom>
-            <a:solidFill>
-              <a:srgbClr val="002060"/>
-            </a:solidFill>
-            <a:ln>
-              <a:noFill/>
-            </a:ln>
-          </p:spPr>
-          <p:style>
-            <a:lnRef idx="2">
-              <a:schemeClr val="accent1">
-                <a:shade val="50000"/>
-              </a:schemeClr>
-            </a:lnRef>
-            <a:fillRef idx="1">
-              <a:schemeClr val="accent1"/>
-            </a:fillRef>
-            <a:effectRef idx="0">
-              <a:schemeClr val="accent1"/>
-            </a:effectRef>
-            <a:fontRef idx="minor">
-              <a:schemeClr val="lt1"/>
-            </a:fontRef>
-          </p:style>
-          <p:txBody>
-            <a:bodyPr rtlCol="0" anchor="ctr"/>
-            <a:lstStyle/>
-            <a:p>
-              <a:pPr algn="ctr"/>
-              <a:endParaRPr lang="en-US" dirty="0">
-                <a:solidFill>
-                  <a:schemeClr val="bg1"/>
-                </a:solidFill>
-              </a:endParaRPr>
-            </a:p>
-          </p:txBody>
-        </p:sp>
-        <p:sp>
-          <p:nvSpPr>
-            <p:cNvPr id="104" name="TextBox 103"/>
-            <p:cNvSpPr txBox="1"/>
-            <p:nvPr/>
-          </p:nvSpPr>
-          <p:spPr>
-            <a:xfrm>
-              <a:off x="1871293" y="3737113"/>
-              <a:ext cx="461665" cy="2286000"/>
-            </a:xfrm>
-            <a:prstGeom prst="rect">
-              <a:avLst/>
-            </a:prstGeom>
-            <a:noFill/>
-          </p:spPr>
-          <p:txBody>
-            <a:bodyPr vert="eaVert" wrap="square" rtlCol="0">
-              <a:spAutoFit/>
-            </a:bodyPr>
-            <a:lstStyle/>
-            <a:p>
-              <a:r>
-                <a:rPr lang="en-US" dirty="0">
-                  <a:solidFill>
-                    <a:schemeClr val="bg1"/>
-                  </a:solidFill>
-                </a:rPr>
-                <a:t>Map-Reduce Stage 2</a:t>
-              </a:r>
-            </a:p>
-          </p:txBody>
-        </p:sp>
-      </p:grpSp>
-      <p:cxnSp>
-        <p:nvCxnSpPr>
-          <p:cNvPr id="106" name="Straight Arrow Connector 105"/>
-          <p:cNvCxnSpPr>
-            <a:stCxn id="80" idx="4"/>
-            <a:endCxn id="102" idx="1"/>
-          </p:cNvCxnSpPr>
-          <p:nvPr/>
-        </p:nvCxnSpPr>
-        <p:spPr>
-          <a:xfrm>
-            <a:off x="5442061" y="4793615"/>
-            <a:ext cx="366889" cy="0"/>
-          </a:xfrm>
-          <a:prstGeom prst="straightConnector1">
-            <a:avLst/>
-          </a:prstGeom>
-          <a:ln w="38100">
-            <a:solidFill>
-              <a:schemeClr val="bg1">
-                <a:lumMod val="65000"/>
-              </a:schemeClr>
-            </a:solidFill>
-            <a:headEnd type="none" w="med" len="med"/>
-            <a:tailEnd type="triangle"/>
-          </a:ln>
-        </p:spPr>
-        <p:style>
-          <a:lnRef idx="1">
-            <a:schemeClr val="accent1"/>
-          </a:lnRef>
-          <a:fillRef idx="0">
-            <a:schemeClr val="accent1"/>
-          </a:fillRef>
-          <a:effectRef idx="0">
-            <a:schemeClr val="accent1"/>
-          </a:effectRef>
-          <a:fontRef idx="minor">
-            <a:schemeClr val="tx1"/>
-          </a:fontRef>
-        </p:style>
-      </p:cxnSp>
-      <p:sp>
-        <p:nvSpPr>
-          <p:cNvPr id="108" name="Flowchart: Magnetic Disk 107"/>
-          <p:cNvSpPr/>
-          <p:nvPr/>
-        </p:nvSpPr>
-        <p:spPr>
-          <a:xfrm>
-            <a:off x="7199569" y="4239158"/>
-            <a:ext cx="813578" cy="1108912"/>
-          </a:xfrm>
-          <a:prstGeom prst="flowChartMagneticDisk">
-            <a:avLst/>
-          </a:prstGeom>
-          <a:solidFill>
-            <a:srgbClr val="2E75B5"/>
-          </a:solidFill>
-          <a:ln>
-            <a:solidFill>
-              <a:srgbClr val="FFFFFF"/>
-            </a:solidFill>
-          </a:ln>
-        </p:spPr>
-        <p:style>
-          <a:lnRef idx="2">
-            <a:schemeClr val="accent1">
-              <a:shade val="50000"/>
-            </a:schemeClr>
-          </a:lnRef>
-          <a:fillRef idx="1">
-            <a:schemeClr val="accent1"/>
-          </a:fillRef>
-          <a:effectRef idx="0">
-            <a:schemeClr val="accent1"/>
-          </a:effectRef>
-          <a:fontRef idx="minor">
-            <a:schemeClr val="lt1"/>
-          </a:fontRef>
-        </p:style>
-        <p:txBody>
-          <a:bodyPr rtlCol="0" anchor="ctr"/>
-          <a:lstStyle/>
-          <a:p>
-            <a:pPr algn="ctr"/>
-            <a:endParaRPr lang="en-US" dirty="0">
-              <a:solidFill>
-                <a:schemeClr val="bg1"/>
-              </a:solidFill>
-            </a:endParaRPr>
-          </a:p>
-        </p:txBody>
-      </p:sp>
-      <p:grpSp>
-        <p:nvGrpSpPr>
-          <p:cNvPr id="109" name="Group 108"/>
-          <p:cNvGrpSpPr/>
-          <p:nvPr/>
-        </p:nvGrpSpPr>
-        <p:grpSpPr>
-          <a:xfrm>
-            <a:off x="8380037" y="3332562"/>
-            <a:ext cx="1023730" cy="2922104"/>
-            <a:chOff x="1590261" y="3419061"/>
-            <a:chExt cx="1023730" cy="2922104"/>
-          </a:xfrm>
-        </p:grpSpPr>
-        <p:sp>
-          <p:nvSpPr>
-            <p:cNvPr id="110" name="Rectangle 109"/>
-            <p:cNvSpPr/>
-            <p:nvPr/>
-          </p:nvSpPr>
-          <p:spPr>
-            <a:xfrm>
-              <a:off x="1590261" y="3419061"/>
-              <a:ext cx="1023730" cy="2922104"/>
-            </a:xfrm>
-            <a:prstGeom prst="rect">
-              <a:avLst/>
-            </a:prstGeom>
-            <a:solidFill>
-              <a:srgbClr val="002060"/>
-            </a:solidFill>
-            <a:ln>
-              <a:noFill/>
-            </a:ln>
-          </p:spPr>
-          <p:style>
-            <a:lnRef idx="2">
-              <a:schemeClr val="accent1">
-                <a:shade val="50000"/>
-              </a:schemeClr>
-            </a:lnRef>
-            <a:fillRef idx="1">
-              <a:schemeClr val="accent1"/>
-            </a:fillRef>
-            <a:effectRef idx="0">
-              <a:schemeClr val="accent1"/>
-            </a:effectRef>
-            <a:fontRef idx="minor">
-              <a:schemeClr val="lt1"/>
-            </a:fontRef>
-          </p:style>
-          <p:txBody>
-            <a:bodyPr rtlCol="0" anchor="ctr"/>
-            <a:lstStyle/>
-            <a:p>
-              <a:pPr algn="ctr"/>
-              <a:endParaRPr lang="en-US" dirty="0">
-                <a:solidFill>
-                  <a:schemeClr val="bg1"/>
-                </a:solidFill>
-              </a:endParaRPr>
-            </a:p>
-          </p:txBody>
-        </p:sp>
-        <p:sp>
-          <p:nvSpPr>
-            <p:cNvPr id="111" name="TextBox 110"/>
-            <p:cNvSpPr txBox="1"/>
-            <p:nvPr/>
-          </p:nvSpPr>
-          <p:spPr>
-            <a:xfrm>
-              <a:off x="1871293" y="3737113"/>
-              <a:ext cx="461665" cy="2286000"/>
-            </a:xfrm>
-            <a:prstGeom prst="rect">
-              <a:avLst/>
-            </a:prstGeom>
-            <a:noFill/>
-          </p:spPr>
-          <p:txBody>
-            <a:bodyPr vert="eaVert" wrap="square" rtlCol="0">
-              <a:spAutoFit/>
-            </a:bodyPr>
-            <a:lstStyle/>
-            <a:p>
-              <a:r>
-                <a:rPr lang="en-US" dirty="0">
-                  <a:solidFill>
-                    <a:schemeClr val="bg1"/>
-                  </a:solidFill>
-                </a:rPr>
-                <a:t>Map-Reduce Stage 3</a:t>
-              </a:r>
-            </a:p>
-          </p:txBody>
-        </p:sp>
-      </p:grpSp>
-      <p:cxnSp>
-        <p:nvCxnSpPr>
-          <p:cNvPr id="112" name="Straight Arrow Connector 111"/>
-          <p:cNvCxnSpPr>
-            <a:stCxn id="108" idx="4"/>
-            <a:endCxn id="110" idx="1"/>
-          </p:cNvCxnSpPr>
-          <p:nvPr/>
-        </p:nvCxnSpPr>
-        <p:spPr>
-          <a:xfrm>
-            <a:off x="8013147" y="4793614"/>
-            <a:ext cx="366890" cy="0"/>
-          </a:xfrm>
-          <a:prstGeom prst="straightConnector1">
-            <a:avLst/>
-          </a:prstGeom>
-          <a:ln w="38100">
-            <a:solidFill>
-              <a:schemeClr val="bg1">
-                <a:lumMod val="65000"/>
-              </a:schemeClr>
-            </a:solidFill>
-            <a:headEnd type="none" w="med" len="med"/>
-            <a:tailEnd type="triangle"/>
-          </a:ln>
-        </p:spPr>
-        <p:style>
-          <a:lnRef idx="1">
-            <a:schemeClr val="accent1"/>
-          </a:lnRef>
-          <a:fillRef idx="0">
-            <a:schemeClr val="accent1"/>
-          </a:fillRef>
-          <a:effectRef idx="0">
-            <a:schemeClr val="accent1"/>
-          </a:effectRef>
-          <a:fontRef idx="minor">
-            <a:schemeClr val="tx1"/>
-          </a:fontRef>
-        </p:style>
-      </p:cxnSp>
-      <p:cxnSp>
-        <p:nvCxnSpPr>
-          <p:cNvPr id="19" name="Straight Arrow Connector 18"/>
-          <p:cNvCxnSpPr>
-            <a:stCxn id="10" idx="3"/>
-            <a:endCxn id="80" idx="2"/>
-          </p:cNvCxnSpPr>
-          <p:nvPr/>
-        </p:nvCxnSpPr>
-        <p:spPr>
-          <a:xfrm>
-            <a:off x="4261594" y="4793615"/>
-            <a:ext cx="366889" cy="0"/>
-          </a:xfrm>
-          <a:prstGeom prst="straightConnector1">
-            <a:avLst/>
-          </a:prstGeom>
-          <a:ln w="38100">
-            <a:solidFill>
-              <a:schemeClr val="bg1">
-                <a:lumMod val="65000"/>
-              </a:schemeClr>
-            </a:solidFill>
-            <a:headEnd type="none" w="med" len="med"/>
-            <a:tailEnd type="triangle"/>
-          </a:ln>
-        </p:spPr>
-        <p:style>
-          <a:lnRef idx="1">
-            <a:schemeClr val="accent1"/>
-          </a:lnRef>
-          <a:fillRef idx="0">
-            <a:schemeClr val="accent1"/>
-          </a:fillRef>
-          <a:effectRef idx="0">
-            <a:schemeClr val="accent1"/>
-          </a:effectRef>
-          <a:fontRef idx="minor">
-            <a:schemeClr val="tx1"/>
-          </a:fontRef>
-        </p:style>
-      </p:cxnSp>
-      <p:cxnSp>
-        <p:nvCxnSpPr>
-          <p:cNvPr id="21" name="Straight Arrow Connector 20"/>
-          <p:cNvCxnSpPr>
-            <a:stCxn id="102" idx="3"/>
-            <a:endCxn id="108" idx="2"/>
-          </p:cNvCxnSpPr>
-          <p:nvPr/>
-        </p:nvCxnSpPr>
-        <p:spPr>
-          <a:xfrm flipV="1">
-            <a:off x="6832680" y="4793614"/>
-            <a:ext cx="366889" cy="1"/>
-          </a:xfrm>
-          <a:prstGeom prst="straightConnector1">
-            <a:avLst/>
-          </a:prstGeom>
-          <a:ln w="38100">
-            <a:solidFill>
-              <a:schemeClr val="bg1">
-                <a:lumMod val="65000"/>
-              </a:schemeClr>
-            </a:solidFill>
-            <a:headEnd type="none" w="med" len="med"/>
-            <a:tailEnd type="triangle"/>
-          </a:ln>
-        </p:spPr>
-        <p:style>
-          <a:lnRef idx="1">
-            <a:schemeClr val="accent1"/>
-          </a:lnRef>
-          <a:fillRef idx="0">
-            <a:schemeClr val="accent1"/>
-          </a:fillRef>
-          <a:effectRef idx="0">
-            <a:schemeClr val="accent1"/>
-          </a:effectRef>
-          <a:fontRef idx="minor">
-            <a:schemeClr val="tx1"/>
-          </a:fontRef>
-        </p:style>
-      </p:cxnSp>
-    </p:spTree>
-    <p:extLst>
-      <p:ext uri="{BB962C8B-B14F-4D97-AF65-F5344CB8AC3E}">
-        <p14:creationId xmlns:p14="http://schemas.microsoft.com/office/powerpoint/2010/main" val="1498626996"/>
-      </p:ext>
-    </p:extLst>
-  </p:cSld>
-  <p:clrMapOvr>
-    <a:masterClrMapping/>
-  </p:clrMapOvr>
-</p:sld>
-</file>
-
-<file path=ppt/slides/slide21.xml><?xml version="1.0" encoding="utf-8"?>
-<p:sld xmlns:a="http://schemas.openxmlformats.org/drawingml/2006/main" xmlns:r="http://schemas.openxmlformats.org/officeDocument/2006/relationships" xmlns:p="http://schemas.openxmlformats.org/presentationml/2006/main">
-  <p:cSld>
-    <p:spTree>
-      <p:nvGrpSpPr>
-        <p:cNvPr id="1" name=""/>
-        <p:cNvGrpSpPr/>
-        <p:nvPr/>
-      </p:nvGrpSpPr>
-      <p:grpSpPr>
-        <a:xfrm>
-          <a:off x="0" y="0"/>
-          <a:ext cx="0" cy="0"/>
-          <a:chOff x="0" y="0"/>
-          <a:chExt cx="0" cy="0"/>
-        </a:xfrm>
-      </p:grpSpPr>
-      <p:sp>
-        <p:nvSpPr>
           <p:cNvPr id="2" name="Title 1"/>
           <p:cNvSpPr>
             <a:spLocks noGrp="1"/>
@@ -19284,7 +18674,7 @@
 </p:sld>
 </file>
 
-<file path=ppt/slides/slide22.xml><?xml version="1.0" encoding="utf-8"?>
+<file path=ppt/slides/slide21.xml><?xml version="1.0" encoding="utf-8"?>
 <p:sld xmlns:a="http://schemas.openxmlformats.org/drawingml/2006/main" xmlns:r="http://schemas.openxmlformats.org/officeDocument/2006/relationships" xmlns:p="http://schemas.openxmlformats.org/presentationml/2006/main">
   <p:cSld>
     <p:spTree>
@@ -19697,7 +19087,7 @@
 </p:sld>
 </file>
 
-<file path=ppt/slides/slide23.xml><?xml version="1.0" encoding="utf-8"?>
+<file path=ppt/slides/slide22.xml><?xml version="1.0" encoding="utf-8"?>
 <p:sld xmlns:a="http://schemas.openxmlformats.org/drawingml/2006/main" xmlns:r="http://schemas.openxmlformats.org/officeDocument/2006/relationships" xmlns:p="http://schemas.openxmlformats.org/presentationml/2006/main">
   <p:cSld>
     <p:spTree>
@@ -21295,7 +20685,7 @@
 </p:sld>
 </file>
 
-<file path=ppt/slides/slide24.xml><?xml version="1.0" encoding="utf-8"?>
+<file path=ppt/slides/slide23.xml><?xml version="1.0" encoding="utf-8"?>
 <p:sld xmlns:a="http://schemas.openxmlformats.org/drawingml/2006/main" xmlns:r="http://schemas.openxmlformats.org/officeDocument/2006/relationships" xmlns:p="http://schemas.openxmlformats.org/presentationml/2006/main">
   <p:cSld>
     <p:spTree>
@@ -21693,7 +21083,7 @@
 </p:sld>
 </file>
 
-<file path=ppt/slides/slide25.xml><?xml version="1.0" encoding="utf-8"?>
+<file path=ppt/slides/slide24.xml><?xml version="1.0" encoding="utf-8"?>
 <p:sld xmlns:a="http://schemas.openxmlformats.org/drawingml/2006/main" xmlns:r="http://schemas.openxmlformats.org/officeDocument/2006/relationships" xmlns:p="http://schemas.openxmlformats.org/presentationml/2006/main">
   <p:cSld>
     <p:spTree>
@@ -22119,7 +21509,7 @@
 </p:sld>
 </file>
 
-<file path=ppt/slides/slide26.xml><?xml version="1.0" encoding="utf-8"?>
+<file path=ppt/slides/slide25.xml><?xml version="1.0" encoding="utf-8"?>
 <p:sld xmlns:a="http://schemas.openxmlformats.org/drawingml/2006/main" xmlns:r="http://schemas.openxmlformats.org/officeDocument/2006/relationships" xmlns:p="http://schemas.openxmlformats.org/presentationml/2006/main">
   <p:cSld>
     <p:spTree>
@@ -22521,7 +21911,7 @@
 </p:sld>
 </file>
 
-<file path=ppt/slides/slide27.xml><?xml version="1.0" encoding="utf-8"?>
+<file path=ppt/slides/slide26.xml><?xml version="1.0" encoding="utf-8"?>
 <p:sld xmlns:a="http://schemas.openxmlformats.org/drawingml/2006/main" xmlns:r="http://schemas.openxmlformats.org/officeDocument/2006/relationships" xmlns:p="http://schemas.openxmlformats.org/presentationml/2006/main">
   <p:cSld>
     <p:spTree>
@@ -22965,7 +22355,7 @@
 </p:sld>
 </file>
 
-<file path=ppt/slides/slide28.xml><?xml version="1.0" encoding="utf-8"?>
+<file path=ppt/slides/slide27.xml><?xml version="1.0" encoding="utf-8"?>
 <p:sld xmlns:a="http://schemas.openxmlformats.org/drawingml/2006/main" xmlns:r="http://schemas.openxmlformats.org/officeDocument/2006/relationships" xmlns:p="http://schemas.openxmlformats.org/presentationml/2006/main">
   <p:cSld>
     <p:spTree>
@@ -23535,7 +22925,7 @@
 </p:sld>
 </file>
 
-<file path=ppt/slides/slide29.xml><?xml version="1.0" encoding="utf-8"?>
+<file path=ppt/slides/slide28.xml><?xml version="1.0" encoding="utf-8"?>
 <p:sld xmlns:a="http://schemas.openxmlformats.org/drawingml/2006/main" xmlns:r="http://schemas.openxmlformats.org/officeDocument/2006/relationships" xmlns:p="http://schemas.openxmlformats.org/presentationml/2006/main">
   <p:cSld>
     <p:spTree>
@@ -24495,426 +23885,7 @@
 </p:sld>
 </file>
 
-<file path=ppt/slides/slide3.xml><?xml version="1.0" encoding="utf-8"?>
-<p:sld xmlns:a="http://schemas.openxmlformats.org/drawingml/2006/main" xmlns:r="http://schemas.openxmlformats.org/officeDocument/2006/relationships" xmlns:p="http://schemas.openxmlformats.org/presentationml/2006/main">
-  <p:cSld>
-    <p:spTree>
-      <p:nvGrpSpPr>
-        <p:cNvPr id="1" name=""/>
-        <p:cNvGrpSpPr/>
-        <p:nvPr/>
-      </p:nvGrpSpPr>
-      <p:grpSpPr>
-        <a:xfrm>
-          <a:off x="0" y="0"/>
-          <a:ext cx="0" cy="0"/>
-          <a:chOff x="0" y="0"/>
-          <a:chExt cx="0" cy="0"/>
-        </a:xfrm>
-      </p:grpSpPr>
-      <p:sp>
-        <p:nvSpPr>
-          <p:cNvPr id="5" name="TextBox 4"/>
-          <p:cNvSpPr txBox="1"/>
-          <p:nvPr/>
-        </p:nvSpPr>
-        <p:spPr>
-          <a:xfrm>
-            <a:off x="846418" y="537883"/>
-            <a:ext cx="4948518" cy="769441"/>
-          </a:xfrm>
-          <a:prstGeom prst="rect">
-            <a:avLst/>
-          </a:prstGeom>
-          <a:noFill/>
-        </p:spPr>
-        <p:txBody>
-          <a:bodyPr wrap="square" rtlCol="0">
-            <a:spAutoFit/>
-          </a:bodyPr>
-          <a:lstStyle/>
-          <a:p>
-            <a:r>
-              <a:rPr lang="en-US" sz="4400" dirty="0"/>
-              <a:t>Objectives</a:t>
-            </a:r>
-          </a:p>
-        </p:txBody>
-      </p:sp>
-      <p:grpSp>
-        <p:nvGrpSpPr>
-          <p:cNvPr id="8" name="Group 7"/>
-          <p:cNvGrpSpPr/>
-          <p:nvPr/>
-        </p:nvGrpSpPr>
-        <p:grpSpPr>
-          <a:xfrm>
-            <a:off x="0" y="1950630"/>
-            <a:ext cx="12192000" cy="4482070"/>
-            <a:chOff x="0" y="1950630"/>
-            <a:chExt cx="12192000" cy="2872383"/>
-          </a:xfrm>
-        </p:grpSpPr>
-        <p:grpSp>
-          <p:nvGrpSpPr>
-            <p:cNvPr id="2" name="Group 1"/>
-            <p:cNvGrpSpPr/>
-            <p:nvPr/>
-          </p:nvGrpSpPr>
-          <p:grpSpPr>
-            <a:xfrm>
-              <a:off x="0" y="1950630"/>
-              <a:ext cx="12192000" cy="832911"/>
-              <a:chOff x="0" y="1950630"/>
-              <a:chExt cx="12192000" cy="832911"/>
-            </a:xfrm>
-          </p:grpSpPr>
-          <p:sp>
-            <p:nvSpPr>
-              <p:cNvPr id="3" name="Rectangle 2"/>
-              <p:cNvSpPr/>
-              <p:nvPr/>
-            </p:nvSpPr>
-            <p:spPr>
-              <a:xfrm>
-                <a:off x="0" y="2073406"/>
-                <a:ext cx="12192000" cy="568890"/>
-              </a:xfrm>
-              <a:prstGeom prst="rect">
-                <a:avLst/>
-              </a:prstGeom>
-              <a:solidFill>
-                <a:srgbClr val="0070C0"/>
-              </a:solidFill>
-              <a:ln w="9525" cap="flat" cmpd="sng" algn="ctr">
-                <a:noFill/>
-                <a:prstDash val="solid"/>
-              </a:ln>
-              <a:effectLst/>
-            </p:spPr>
-            <p:txBody>
-              <a:bodyPr rtlCol="0" anchor="ctr"/>
-              <a:lstStyle/>
-              <a:p>
-                <a:pPr marL="0" marR="0" lvl="0" indent="0" algn="ctr" defTabSz="914400" eaLnBrk="1" fontAlgn="auto" latinLnBrk="0" hangingPunct="1">
-                  <a:lnSpc>
-                    <a:spcPct val="100000"/>
-                  </a:lnSpc>
-                  <a:spcBef>
-                    <a:spcPts val="0"/>
-                  </a:spcBef>
-                  <a:spcAft>
-                    <a:spcPts val="0"/>
-                  </a:spcAft>
-                  <a:buClrTx/>
-                  <a:buSzTx/>
-                  <a:buFont typeface="Arial" panose="020B0604020202020204" pitchFamily="34" charset="0"/>
-                  <a:buNone/>
-                  <a:tabLst/>
-                  <a:defRPr/>
-                </a:pPr>
-                <a:endParaRPr kumimoji="0" lang="en-US" sz="4000" i="1" u="none" strike="noStrike" kern="0" cap="none" spc="0" normalizeH="0" baseline="0" noProof="0" dirty="0">
-                  <a:ln>
-                    <a:noFill/>
-                  </a:ln>
-                  <a:solidFill>
-                    <a:prstClr val="white"/>
-                  </a:solidFill>
-                  <a:effectLst/>
-                  <a:uLnTx/>
-                  <a:uFillTx/>
-                  <a:latin typeface="+mj-lt"/>
-                </a:endParaRPr>
-              </a:p>
-            </p:txBody>
-          </p:sp>
-          <p:sp>
-            <p:nvSpPr>
-              <p:cNvPr id="4" name="Content Placeholder 2"/>
-              <p:cNvSpPr txBox="1">
-                <a:spLocks/>
-              </p:cNvSpPr>
-              <p:nvPr/>
-            </p:nvSpPr>
-            <p:spPr>
-              <a:xfrm>
-                <a:off x="846418" y="1950630"/>
-                <a:ext cx="9423400" cy="832911"/>
-              </a:xfrm>
-              <a:prstGeom prst="rect">
-                <a:avLst/>
-              </a:prstGeom>
-            </p:spPr>
-            <p:txBody>
-              <a:bodyPr anchor="ctr"/>
-              <a:lstStyle>
-                <a:lvl1pPr marL="0" indent="0" algn="ctr" defTabSz="914400" rtl="0" eaLnBrk="1" latinLnBrk="0" hangingPunct="1">
-                  <a:lnSpc>
-                    <a:spcPct val="90000"/>
-                  </a:lnSpc>
-                  <a:spcBef>
-                    <a:spcPts val="1000"/>
-                  </a:spcBef>
-                  <a:buFont typeface="Arial" panose="020B0604020202020204" pitchFamily="34" charset="0"/>
-                  <a:buNone/>
-                  <a:defRPr sz="2800" i="1" kern="1200">
-                    <a:solidFill>
-                      <a:schemeClr val="bg1"/>
-                    </a:solidFill>
-                    <a:latin typeface="+mn-lt"/>
-                    <a:ea typeface="+mn-ea"/>
-                    <a:cs typeface="+mn-cs"/>
-                  </a:defRPr>
-                </a:lvl1pPr>
-                <a:lvl2pPr marL="457200" indent="0" algn="ctr" defTabSz="914400" rtl="0" eaLnBrk="1" latinLnBrk="0" hangingPunct="1">
-                  <a:lnSpc>
-                    <a:spcPct val="90000"/>
-                  </a:lnSpc>
-                  <a:spcBef>
-                    <a:spcPts val="500"/>
-                  </a:spcBef>
-                  <a:buFont typeface="Arial" panose="020B0604020202020204" pitchFamily="34" charset="0"/>
-                  <a:buNone/>
-                  <a:defRPr sz="2400" i="1" kern="1200">
-                    <a:solidFill>
-                      <a:schemeClr val="bg1"/>
-                    </a:solidFill>
-                    <a:latin typeface="+mn-lt"/>
-                    <a:ea typeface="+mn-ea"/>
-                    <a:cs typeface="+mn-cs"/>
-                  </a:defRPr>
-                </a:lvl2pPr>
-                <a:lvl3pPr marL="914400" indent="0" algn="ctr" defTabSz="914400" rtl="0" eaLnBrk="1" latinLnBrk="0" hangingPunct="1">
-                  <a:lnSpc>
-                    <a:spcPct val="90000"/>
-                  </a:lnSpc>
-                  <a:spcBef>
-                    <a:spcPts val="500"/>
-                  </a:spcBef>
-                  <a:buFont typeface="Arial" panose="020B0604020202020204" pitchFamily="34" charset="0"/>
-                  <a:buNone/>
-                  <a:defRPr sz="2000" i="1" kern="1200">
-                    <a:solidFill>
-                      <a:schemeClr val="bg1"/>
-                    </a:solidFill>
-                    <a:latin typeface="+mn-lt"/>
-                    <a:ea typeface="+mn-ea"/>
-                    <a:cs typeface="+mn-cs"/>
-                  </a:defRPr>
-                </a:lvl3pPr>
-                <a:lvl4pPr marL="1371600" indent="0" algn="ctr" defTabSz="914400" rtl="0" eaLnBrk="1" latinLnBrk="0" hangingPunct="1">
-                  <a:lnSpc>
-                    <a:spcPct val="90000"/>
-                  </a:lnSpc>
-                  <a:spcBef>
-                    <a:spcPts val="500"/>
-                  </a:spcBef>
-                  <a:buFont typeface="Arial" panose="020B0604020202020204" pitchFamily="34" charset="0"/>
-                  <a:buNone/>
-                  <a:defRPr sz="1800" i="1" kern="1200">
-                    <a:solidFill>
-                      <a:schemeClr val="bg1"/>
-                    </a:solidFill>
-                    <a:latin typeface="+mn-lt"/>
-                    <a:ea typeface="+mn-ea"/>
-                    <a:cs typeface="+mn-cs"/>
-                  </a:defRPr>
-                </a:lvl4pPr>
-                <a:lvl5pPr marL="1828800" indent="0" algn="ctr" defTabSz="914400" rtl="0" eaLnBrk="1" latinLnBrk="0" hangingPunct="1">
-                  <a:lnSpc>
-                    <a:spcPct val="90000"/>
-                  </a:lnSpc>
-                  <a:spcBef>
-                    <a:spcPts val="500"/>
-                  </a:spcBef>
-                  <a:buFont typeface="Arial" panose="020B0604020202020204" pitchFamily="34" charset="0"/>
-                  <a:buNone/>
-                  <a:defRPr sz="1800" i="1" kern="1200">
-                    <a:solidFill>
-                      <a:schemeClr val="bg1"/>
-                    </a:solidFill>
-                    <a:latin typeface="+mn-lt"/>
-                    <a:ea typeface="+mn-ea"/>
-                    <a:cs typeface="+mn-cs"/>
-                  </a:defRPr>
-                </a:lvl5pPr>
-                <a:lvl6pPr marL="2514600" indent="-228600" algn="l" defTabSz="914400" rtl="0" eaLnBrk="1" latinLnBrk="0" hangingPunct="1">
-                  <a:lnSpc>
-                    <a:spcPct val="90000"/>
-                  </a:lnSpc>
-                  <a:spcBef>
-                    <a:spcPts val="500"/>
-                  </a:spcBef>
-                  <a:buFont typeface="Arial" panose="020B0604020202020204" pitchFamily="34" charset="0"/>
-                  <a:buChar char="•"/>
-                  <a:defRPr sz="1800" kern="1200">
-                    <a:solidFill>
-                      <a:schemeClr val="tx1"/>
-                    </a:solidFill>
-                    <a:latin typeface="+mn-lt"/>
-                    <a:ea typeface="+mn-ea"/>
-                    <a:cs typeface="+mn-cs"/>
-                  </a:defRPr>
-                </a:lvl6pPr>
-                <a:lvl7pPr marL="2971800" indent="-228600" algn="l" defTabSz="914400" rtl="0" eaLnBrk="1" latinLnBrk="0" hangingPunct="1">
-                  <a:lnSpc>
-                    <a:spcPct val="90000"/>
-                  </a:lnSpc>
-                  <a:spcBef>
-                    <a:spcPts val="500"/>
-                  </a:spcBef>
-                  <a:buFont typeface="Arial" panose="020B0604020202020204" pitchFamily="34" charset="0"/>
-                  <a:buChar char="•"/>
-                  <a:defRPr sz="1800" kern="1200">
-                    <a:solidFill>
-                      <a:schemeClr val="tx1"/>
-                    </a:solidFill>
-                    <a:latin typeface="+mn-lt"/>
-                    <a:ea typeface="+mn-ea"/>
-                    <a:cs typeface="+mn-cs"/>
-                  </a:defRPr>
-                </a:lvl7pPr>
-                <a:lvl8pPr marL="3429000" indent="-228600" algn="l" defTabSz="914400" rtl="0" eaLnBrk="1" latinLnBrk="0" hangingPunct="1">
-                  <a:lnSpc>
-                    <a:spcPct val="90000"/>
-                  </a:lnSpc>
-                  <a:spcBef>
-                    <a:spcPts val="500"/>
-                  </a:spcBef>
-                  <a:buFont typeface="Arial" panose="020B0604020202020204" pitchFamily="34" charset="0"/>
-                  <a:buChar char="•"/>
-                  <a:defRPr sz="1800" kern="1200">
-                    <a:solidFill>
-                      <a:schemeClr val="tx1"/>
-                    </a:solidFill>
-                    <a:latin typeface="+mn-lt"/>
-                    <a:ea typeface="+mn-ea"/>
-                    <a:cs typeface="+mn-cs"/>
-                  </a:defRPr>
-                </a:lvl8pPr>
-                <a:lvl9pPr marL="3886200" indent="-228600" algn="l" defTabSz="914400" rtl="0" eaLnBrk="1" latinLnBrk="0" hangingPunct="1">
-                  <a:lnSpc>
-                    <a:spcPct val="90000"/>
-                  </a:lnSpc>
-                  <a:spcBef>
-                    <a:spcPts val="500"/>
-                  </a:spcBef>
-                  <a:buFont typeface="Arial" panose="020B0604020202020204" pitchFamily="34" charset="0"/>
-                  <a:buChar char="•"/>
-                  <a:defRPr sz="1800" kern="1200">
-                    <a:solidFill>
-                      <a:schemeClr val="tx1"/>
-                    </a:solidFill>
-                    <a:latin typeface="+mn-lt"/>
-                    <a:ea typeface="+mn-ea"/>
-                    <a:cs typeface="+mn-cs"/>
-                  </a:defRPr>
-                </a:lvl9pPr>
-              </a:lstStyle>
-              <a:p>
-                <a:pPr algn="l"/>
-                <a:r>
-                  <a:rPr lang="en-US" i="0" dirty="0"/>
-                  <a:t>By the end of this lesson you should understand:</a:t>
-                </a:r>
-              </a:p>
-            </p:txBody>
-          </p:sp>
-        </p:grpSp>
-        <p:sp>
-          <p:nvSpPr>
-            <p:cNvPr id="7" name="Rectangle 6"/>
-            <p:cNvSpPr/>
-            <p:nvPr/>
-          </p:nvSpPr>
-          <p:spPr>
-            <a:xfrm>
-              <a:off x="0" y="2627034"/>
-              <a:ext cx="12192000" cy="2195979"/>
-            </a:xfrm>
-            <a:prstGeom prst="rect">
-              <a:avLst/>
-            </a:prstGeom>
-            <a:solidFill>
-              <a:srgbClr val="002060"/>
-            </a:solidFill>
-            <a:ln>
-              <a:noFill/>
-            </a:ln>
-          </p:spPr>
-          <p:style>
-            <a:lnRef idx="2">
-              <a:schemeClr val="accent1">
-                <a:shade val="50000"/>
-              </a:schemeClr>
-            </a:lnRef>
-            <a:fillRef idx="1">
-              <a:schemeClr val="accent1"/>
-            </a:fillRef>
-            <a:effectRef idx="0">
-              <a:schemeClr val="accent1"/>
-            </a:effectRef>
-            <a:fontRef idx="minor">
-              <a:schemeClr val="lt1"/>
-            </a:fontRef>
-          </p:style>
-          <p:txBody>
-            <a:bodyPr rtlCol="0" anchor="ctr"/>
-            <a:lstStyle/>
-            <a:p>
-              <a:pPr marL="1312863" lvl="1" indent="-457200">
-                <a:buFont typeface="Wingdings" charset="2"/>
-                <a:buChar char="§"/>
-              </a:pPr>
-              <a:r>
-                <a:rPr lang="en-US" altLang="ko-KR" sz="2800" dirty="0"/>
-                <a:t>The basics of data science</a:t>
-              </a:r>
-            </a:p>
-            <a:p>
-              <a:pPr marL="1312863" lvl="1" indent="-457200">
-                <a:buFont typeface="Wingdings" charset="2"/>
-                <a:buChar char="§"/>
-              </a:pPr>
-              <a:r>
-                <a:rPr lang="en-US" altLang="ko-KR" sz="2800" dirty="0"/>
-                <a:t>Machine learning basics</a:t>
-              </a:r>
-            </a:p>
-            <a:p>
-              <a:pPr marL="1312863" lvl="1" indent="-457200">
-                <a:buFont typeface="Wingdings" charset="2"/>
-                <a:buChar char="§"/>
-              </a:pPr>
-              <a:r>
-                <a:rPr lang="en-US" altLang="ko-KR" sz="2800" dirty="0"/>
-                <a:t>Machine learning feature representation and modeling</a:t>
-              </a:r>
-            </a:p>
-          </p:txBody>
-        </p:sp>
-      </p:grpSp>
-    </p:spTree>
-    <p:extLst>
-      <p:ext uri="{BB962C8B-B14F-4D97-AF65-F5344CB8AC3E}">
-        <p14:creationId xmlns:p14="http://schemas.microsoft.com/office/powerpoint/2010/main" val="1841433011"/>
-      </p:ext>
-    </p:extLst>
-  </p:cSld>
-  <p:clrMapOvr>
-    <a:masterClrMapping/>
-  </p:clrMapOvr>
-  <p:timing>
-    <p:tnLst>
-      <p:par>
-        <p:cTn xmlns:p14="http://schemas.microsoft.com/office/powerpoint/2010/main" id="1" dur="indefinite" restart="never" nodeType="tmRoot"/>
-      </p:par>
-    </p:tnLst>
-  </p:timing>
-</p:sld>
-</file>
-
-<file path=ppt/slides/slide30.xml><?xml version="1.0" encoding="utf-8"?>
+<file path=ppt/slides/slide29.xml><?xml version="1.0" encoding="utf-8"?>
 <p:sld xmlns:a="http://schemas.openxmlformats.org/drawingml/2006/main" xmlns:r="http://schemas.openxmlformats.org/officeDocument/2006/relationships" xmlns:p="http://schemas.openxmlformats.org/presentationml/2006/main">
   <p:cSld>
     <p:spTree>
@@ -25486,7 +24457,426 @@
 </p:sld>
 </file>
 
-<file path=ppt/slides/slide31.xml><?xml version="1.0" encoding="utf-8"?>
+<file path=ppt/slides/slide3.xml><?xml version="1.0" encoding="utf-8"?>
+<p:sld xmlns:a="http://schemas.openxmlformats.org/drawingml/2006/main" xmlns:r="http://schemas.openxmlformats.org/officeDocument/2006/relationships" xmlns:p="http://schemas.openxmlformats.org/presentationml/2006/main">
+  <p:cSld>
+    <p:spTree>
+      <p:nvGrpSpPr>
+        <p:cNvPr id="1" name=""/>
+        <p:cNvGrpSpPr/>
+        <p:nvPr/>
+      </p:nvGrpSpPr>
+      <p:grpSpPr>
+        <a:xfrm>
+          <a:off x="0" y="0"/>
+          <a:ext cx="0" cy="0"/>
+          <a:chOff x="0" y="0"/>
+          <a:chExt cx="0" cy="0"/>
+        </a:xfrm>
+      </p:grpSpPr>
+      <p:sp>
+        <p:nvSpPr>
+          <p:cNvPr id="5" name="TextBox 4"/>
+          <p:cNvSpPr txBox="1"/>
+          <p:nvPr/>
+        </p:nvSpPr>
+        <p:spPr>
+          <a:xfrm>
+            <a:off x="846418" y="537883"/>
+            <a:ext cx="4948518" cy="769441"/>
+          </a:xfrm>
+          <a:prstGeom prst="rect">
+            <a:avLst/>
+          </a:prstGeom>
+          <a:noFill/>
+        </p:spPr>
+        <p:txBody>
+          <a:bodyPr wrap="square" rtlCol="0">
+            <a:spAutoFit/>
+          </a:bodyPr>
+          <a:lstStyle/>
+          <a:p>
+            <a:r>
+              <a:rPr lang="en-US" sz="4400" dirty="0"/>
+              <a:t>Objectives</a:t>
+            </a:r>
+          </a:p>
+        </p:txBody>
+      </p:sp>
+      <p:grpSp>
+        <p:nvGrpSpPr>
+          <p:cNvPr id="8" name="Group 7"/>
+          <p:cNvGrpSpPr/>
+          <p:nvPr/>
+        </p:nvGrpSpPr>
+        <p:grpSpPr>
+          <a:xfrm>
+            <a:off x="0" y="1950630"/>
+            <a:ext cx="12192000" cy="4482070"/>
+            <a:chOff x="0" y="1950630"/>
+            <a:chExt cx="12192000" cy="2872383"/>
+          </a:xfrm>
+        </p:grpSpPr>
+        <p:grpSp>
+          <p:nvGrpSpPr>
+            <p:cNvPr id="2" name="Group 1"/>
+            <p:cNvGrpSpPr/>
+            <p:nvPr/>
+          </p:nvGrpSpPr>
+          <p:grpSpPr>
+            <a:xfrm>
+              <a:off x="0" y="1950630"/>
+              <a:ext cx="12192000" cy="832911"/>
+              <a:chOff x="0" y="1950630"/>
+              <a:chExt cx="12192000" cy="832911"/>
+            </a:xfrm>
+          </p:grpSpPr>
+          <p:sp>
+            <p:nvSpPr>
+              <p:cNvPr id="3" name="Rectangle 2"/>
+              <p:cNvSpPr/>
+              <p:nvPr/>
+            </p:nvSpPr>
+            <p:spPr>
+              <a:xfrm>
+                <a:off x="0" y="2073406"/>
+                <a:ext cx="12192000" cy="568890"/>
+              </a:xfrm>
+              <a:prstGeom prst="rect">
+                <a:avLst/>
+              </a:prstGeom>
+              <a:solidFill>
+                <a:srgbClr val="0070C0"/>
+              </a:solidFill>
+              <a:ln w="9525" cap="flat" cmpd="sng" algn="ctr">
+                <a:noFill/>
+                <a:prstDash val="solid"/>
+              </a:ln>
+              <a:effectLst/>
+            </p:spPr>
+            <p:txBody>
+              <a:bodyPr rtlCol="0" anchor="ctr"/>
+              <a:lstStyle/>
+              <a:p>
+                <a:pPr marL="0" marR="0" lvl="0" indent="0" algn="ctr" defTabSz="914400" eaLnBrk="1" fontAlgn="auto" latinLnBrk="0" hangingPunct="1">
+                  <a:lnSpc>
+                    <a:spcPct val="100000"/>
+                  </a:lnSpc>
+                  <a:spcBef>
+                    <a:spcPts val="0"/>
+                  </a:spcBef>
+                  <a:spcAft>
+                    <a:spcPts val="0"/>
+                  </a:spcAft>
+                  <a:buClrTx/>
+                  <a:buSzTx/>
+                  <a:buFont typeface="Arial" panose="020B0604020202020204" pitchFamily="34" charset="0"/>
+                  <a:buNone/>
+                  <a:tabLst/>
+                  <a:defRPr/>
+                </a:pPr>
+                <a:endParaRPr kumimoji="0" lang="en-US" sz="4000" i="1" u="none" strike="noStrike" kern="0" cap="none" spc="0" normalizeH="0" baseline="0" noProof="0" dirty="0">
+                  <a:ln>
+                    <a:noFill/>
+                  </a:ln>
+                  <a:solidFill>
+                    <a:prstClr val="white"/>
+                  </a:solidFill>
+                  <a:effectLst/>
+                  <a:uLnTx/>
+                  <a:uFillTx/>
+                  <a:latin typeface="+mj-lt"/>
+                </a:endParaRPr>
+              </a:p>
+            </p:txBody>
+          </p:sp>
+          <p:sp>
+            <p:nvSpPr>
+              <p:cNvPr id="4" name="Content Placeholder 2"/>
+              <p:cNvSpPr txBox="1">
+                <a:spLocks/>
+              </p:cNvSpPr>
+              <p:nvPr/>
+            </p:nvSpPr>
+            <p:spPr>
+              <a:xfrm>
+                <a:off x="846418" y="1950630"/>
+                <a:ext cx="9423400" cy="832911"/>
+              </a:xfrm>
+              <a:prstGeom prst="rect">
+                <a:avLst/>
+              </a:prstGeom>
+            </p:spPr>
+            <p:txBody>
+              <a:bodyPr anchor="ctr"/>
+              <a:lstStyle>
+                <a:lvl1pPr marL="0" indent="0" algn="ctr" defTabSz="914400" rtl="0" eaLnBrk="1" latinLnBrk="0" hangingPunct="1">
+                  <a:lnSpc>
+                    <a:spcPct val="90000"/>
+                  </a:lnSpc>
+                  <a:spcBef>
+                    <a:spcPts val="1000"/>
+                  </a:spcBef>
+                  <a:buFont typeface="Arial" panose="020B0604020202020204" pitchFamily="34" charset="0"/>
+                  <a:buNone/>
+                  <a:defRPr sz="2800" i="1" kern="1200">
+                    <a:solidFill>
+                      <a:schemeClr val="bg1"/>
+                    </a:solidFill>
+                    <a:latin typeface="+mn-lt"/>
+                    <a:ea typeface="+mn-ea"/>
+                    <a:cs typeface="+mn-cs"/>
+                  </a:defRPr>
+                </a:lvl1pPr>
+                <a:lvl2pPr marL="457200" indent="0" algn="ctr" defTabSz="914400" rtl="0" eaLnBrk="1" latinLnBrk="0" hangingPunct="1">
+                  <a:lnSpc>
+                    <a:spcPct val="90000"/>
+                  </a:lnSpc>
+                  <a:spcBef>
+                    <a:spcPts val="500"/>
+                  </a:spcBef>
+                  <a:buFont typeface="Arial" panose="020B0604020202020204" pitchFamily="34" charset="0"/>
+                  <a:buNone/>
+                  <a:defRPr sz="2400" i="1" kern="1200">
+                    <a:solidFill>
+                      <a:schemeClr val="bg1"/>
+                    </a:solidFill>
+                    <a:latin typeface="+mn-lt"/>
+                    <a:ea typeface="+mn-ea"/>
+                    <a:cs typeface="+mn-cs"/>
+                  </a:defRPr>
+                </a:lvl2pPr>
+                <a:lvl3pPr marL="914400" indent="0" algn="ctr" defTabSz="914400" rtl="0" eaLnBrk="1" latinLnBrk="0" hangingPunct="1">
+                  <a:lnSpc>
+                    <a:spcPct val="90000"/>
+                  </a:lnSpc>
+                  <a:spcBef>
+                    <a:spcPts val="500"/>
+                  </a:spcBef>
+                  <a:buFont typeface="Arial" panose="020B0604020202020204" pitchFamily="34" charset="0"/>
+                  <a:buNone/>
+                  <a:defRPr sz="2000" i="1" kern="1200">
+                    <a:solidFill>
+                      <a:schemeClr val="bg1"/>
+                    </a:solidFill>
+                    <a:latin typeface="+mn-lt"/>
+                    <a:ea typeface="+mn-ea"/>
+                    <a:cs typeface="+mn-cs"/>
+                  </a:defRPr>
+                </a:lvl3pPr>
+                <a:lvl4pPr marL="1371600" indent="0" algn="ctr" defTabSz="914400" rtl="0" eaLnBrk="1" latinLnBrk="0" hangingPunct="1">
+                  <a:lnSpc>
+                    <a:spcPct val="90000"/>
+                  </a:lnSpc>
+                  <a:spcBef>
+                    <a:spcPts val="500"/>
+                  </a:spcBef>
+                  <a:buFont typeface="Arial" panose="020B0604020202020204" pitchFamily="34" charset="0"/>
+                  <a:buNone/>
+                  <a:defRPr sz="1800" i="1" kern="1200">
+                    <a:solidFill>
+                      <a:schemeClr val="bg1"/>
+                    </a:solidFill>
+                    <a:latin typeface="+mn-lt"/>
+                    <a:ea typeface="+mn-ea"/>
+                    <a:cs typeface="+mn-cs"/>
+                  </a:defRPr>
+                </a:lvl4pPr>
+                <a:lvl5pPr marL="1828800" indent="0" algn="ctr" defTabSz="914400" rtl="0" eaLnBrk="1" latinLnBrk="0" hangingPunct="1">
+                  <a:lnSpc>
+                    <a:spcPct val="90000"/>
+                  </a:lnSpc>
+                  <a:spcBef>
+                    <a:spcPts val="500"/>
+                  </a:spcBef>
+                  <a:buFont typeface="Arial" panose="020B0604020202020204" pitchFamily="34" charset="0"/>
+                  <a:buNone/>
+                  <a:defRPr sz="1800" i="1" kern="1200">
+                    <a:solidFill>
+                      <a:schemeClr val="bg1"/>
+                    </a:solidFill>
+                    <a:latin typeface="+mn-lt"/>
+                    <a:ea typeface="+mn-ea"/>
+                    <a:cs typeface="+mn-cs"/>
+                  </a:defRPr>
+                </a:lvl5pPr>
+                <a:lvl6pPr marL="2514600" indent="-228600" algn="l" defTabSz="914400" rtl="0" eaLnBrk="1" latinLnBrk="0" hangingPunct="1">
+                  <a:lnSpc>
+                    <a:spcPct val="90000"/>
+                  </a:lnSpc>
+                  <a:spcBef>
+                    <a:spcPts val="500"/>
+                  </a:spcBef>
+                  <a:buFont typeface="Arial" panose="020B0604020202020204" pitchFamily="34" charset="0"/>
+                  <a:buChar char="•"/>
+                  <a:defRPr sz="1800" kern="1200">
+                    <a:solidFill>
+                      <a:schemeClr val="tx1"/>
+                    </a:solidFill>
+                    <a:latin typeface="+mn-lt"/>
+                    <a:ea typeface="+mn-ea"/>
+                    <a:cs typeface="+mn-cs"/>
+                  </a:defRPr>
+                </a:lvl6pPr>
+                <a:lvl7pPr marL="2971800" indent="-228600" algn="l" defTabSz="914400" rtl="0" eaLnBrk="1" latinLnBrk="0" hangingPunct="1">
+                  <a:lnSpc>
+                    <a:spcPct val="90000"/>
+                  </a:lnSpc>
+                  <a:spcBef>
+                    <a:spcPts val="500"/>
+                  </a:spcBef>
+                  <a:buFont typeface="Arial" panose="020B0604020202020204" pitchFamily="34" charset="0"/>
+                  <a:buChar char="•"/>
+                  <a:defRPr sz="1800" kern="1200">
+                    <a:solidFill>
+                      <a:schemeClr val="tx1"/>
+                    </a:solidFill>
+                    <a:latin typeface="+mn-lt"/>
+                    <a:ea typeface="+mn-ea"/>
+                    <a:cs typeface="+mn-cs"/>
+                  </a:defRPr>
+                </a:lvl7pPr>
+                <a:lvl8pPr marL="3429000" indent="-228600" algn="l" defTabSz="914400" rtl="0" eaLnBrk="1" latinLnBrk="0" hangingPunct="1">
+                  <a:lnSpc>
+                    <a:spcPct val="90000"/>
+                  </a:lnSpc>
+                  <a:spcBef>
+                    <a:spcPts val="500"/>
+                  </a:spcBef>
+                  <a:buFont typeface="Arial" panose="020B0604020202020204" pitchFamily="34" charset="0"/>
+                  <a:buChar char="•"/>
+                  <a:defRPr sz="1800" kern="1200">
+                    <a:solidFill>
+                      <a:schemeClr val="tx1"/>
+                    </a:solidFill>
+                    <a:latin typeface="+mn-lt"/>
+                    <a:ea typeface="+mn-ea"/>
+                    <a:cs typeface="+mn-cs"/>
+                  </a:defRPr>
+                </a:lvl8pPr>
+                <a:lvl9pPr marL="3886200" indent="-228600" algn="l" defTabSz="914400" rtl="0" eaLnBrk="1" latinLnBrk="0" hangingPunct="1">
+                  <a:lnSpc>
+                    <a:spcPct val="90000"/>
+                  </a:lnSpc>
+                  <a:spcBef>
+                    <a:spcPts val="500"/>
+                  </a:spcBef>
+                  <a:buFont typeface="Arial" panose="020B0604020202020204" pitchFamily="34" charset="0"/>
+                  <a:buChar char="•"/>
+                  <a:defRPr sz="1800" kern="1200">
+                    <a:solidFill>
+                      <a:schemeClr val="tx1"/>
+                    </a:solidFill>
+                    <a:latin typeface="+mn-lt"/>
+                    <a:ea typeface="+mn-ea"/>
+                    <a:cs typeface="+mn-cs"/>
+                  </a:defRPr>
+                </a:lvl9pPr>
+              </a:lstStyle>
+              <a:p>
+                <a:pPr algn="l"/>
+                <a:r>
+                  <a:rPr lang="en-US" i="0" dirty="0"/>
+                  <a:t>By the end of this lesson you should understand:</a:t>
+                </a:r>
+              </a:p>
+            </p:txBody>
+          </p:sp>
+        </p:grpSp>
+        <p:sp>
+          <p:nvSpPr>
+            <p:cNvPr id="7" name="Rectangle 6"/>
+            <p:cNvSpPr/>
+            <p:nvPr/>
+          </p:nvSpPr>
+          <p:spPr>
+            <a:xfrm>
+              <a:off x="0" y="2627034"/>
+              <a:ext cx="12192000" cy="2195979"/>
+            </a:xfrm>
+            <a:prstGeom prst="rect">
+              <a:avLst/>
+            </a:prstGeom>
+            <a:solidFill>
+              <a:srgbClr val="002060"/>
+            </a:solidFill>
+            <a:ln>
+              <a:noFill/>
+            </a:ln>
+          </p:spPr>
+          <p:style>
+            <a:lnRef idx="2">
+              <a:schemeClr val="accent1">
+                <a:shade val="50000"/>
+              </a:schemeClr>
+            </a:lnRef>
+            <a:fillRef idx="1">
+              <a:schemeClr val="accent1"/>
+            </a:fillRef>
+            <a:effectRef idx="0">
+              <a:schemeClr val="accent1"/>
+            </a:effectRef>
+            <a:fontRef idx="minor">
+              <a:schemeClr val="lt1"/>
+            </a:fontRef>
+          </p:style>
+          <p:txBody>
+            <a:bodyPr rtlCol="0" anchor="ctr"/>
+            <a:lstStyle/>
+            <a:p>
+              <a:pPr marL="1312863" lvl="1" indent="-457200">
+                <a:buFont typeface="Wingdings" charset="2"/>
+                <a:buChar char="§"/>
+              </a:pPr>
+              <a:r>
+                <a:rPr lang="en-US" altLang="ko-KR" sz="2800" dirty="0"/>
+                <a:t>The basics of data science</a:t>
+              </a:r>
+            </a:p>
+            <a:p>
+              <a:pPr marL="1312863" lvl="1" indent="-457200">
+                <a:buFont typeface="Wingdings" charset="2"/>
+                <a:buChar char="§"/>
+              </a:pPr>
+              <a:r>
+                <a:rPr lang="en-US" altLang="ko-KR" sz="2800" dirty="0"/>
+                <a:t>Machine learning basics</a:t>
+              </a:r>
+            </a:p>
+            <a:p>
+              <a:pPr marL="1312863" lvl="1" indent="-457200">
+                <a:buFont typeface="Wingdings" charset="2"/>
+                <a:buChar char="§"/>
+              </a:pPr>
+              <a:r>
+                <a:rPr lang="en-US" altLang="ko-KR" sz="2800" dirty="0"/>
+                <a:t>Machine learning feature representation and modeling</a:t>
+              </a:r>
+            </a:p>
+          </p:txBody>
+        </p:sp>
+      </p:grpSp>
+    </p:spTree>
+    <p:extLst>
+      <p:ext uri="{BB962C8B-B14F-4D97-AF65-F5344CB8AC3E}">
+        <p14:creationId xmlns:p14="http://schemas.microsoft.com/office/powerpoint/2010/main" val="1841433011"/>
+      </p:ext>
+    </p:extLst>
+  </p:cSld>
+  <p:clrMapOvr>
+    <a:masterClrMapping/>
+  </p:clrMapOvr>
+  <p:timing>
+    <p:tnLst>
+      <p:par>
+        <p:cTn xmlns:p14="http://schemas.microsoft.com/office/powerpoint/2010/main" id="1" dur="indefinite" restart="never" nodeType="tmRoot"/>
+      </p:par>
+    </p:tnLst>
+  </p:timing>
+</p:sld>
+</file>
+
+<file path=ppt/slides/slide30.xml><?xml version="1.0" encoding="utf-8"?>
 <p:sld xmlns:a="http://schemas.openxmlformats.org/drawingml/2006/main" xmlns:r="http://schemas.openxmlformats.org/officeDocument/2006/relationships" xmlns:p="http://schemas.openxmlformats.org/presentationml/2006/main">
   <p:cSld>
     <p:spTree>
@@ -25900,7 +25290,7 @@
 </p:sld>
 </file>
 
-<file path=ppt/slides/slide32.xml><?xml version="1.0" encoding="utf-8"?>
+<file path=ppt/slides/slide31.xml><?xml version="1.0" encoding="utf-8"?>
 <p:sld xmlns:a="http://schemas.openxmlformats.org/drawingml/2006/main" xmlns:r="http://schemas.openxmlformats.org/officeDocument/2006/relationships" xmlns:p="http://schemas.openxmlformats.org/presentationml/2006/main">
   <p:cSld>
     <p:spTree>
@@ -26296,7 +25686,7 @@
 </p:sld>
 </file>
 
-<file path=ppt/slides/slide33.xml><?xml version="1.0" encoding="utf-8"?>
+<file path=ppt/slides/slide32.xml><?xml version="1.0" encoding="utf-8"?>
 <p:sld xmlns:a="http://schemas.openxmlformats.org/drawingml/2006/main" xmlns:r="http://schemas.openxmlformats.org/officeDocument/2006/relationships" xmlns:p="http://schemas.openxmlformats.org/presentationml/2006/main">
   <p:cSld>
     <p:spTree>
@@ -26701,7 +26091,7 @@
 </p:sld>
 </file>
 
-<file path=ppt/slides/slide34.xml><?xml version="1.0" encoding="utf-8"?>
+<file path=ppt/slides/slide33.xml><?xml version="1.0" encoding="utf-8"?>
 <p:sld xmlns:a="http://schemas.openxmlformats.org/drawingml/2006/main" xmlns:r="http://schemas.openxmlformats.org/officeDocument/2006/relationships" xmlns:p="http://schemas.openxmlformats.org/presentationml/2006/main">
   <p:cSld>
     <p:spTree>
@@ -27137,7 +26527,7 @@
 </p:sld>
 </file>
 
-<file path=ppt/slides/slide35.xml><?xml version="1.0" encoding="utf-8"?>
+<file path=ppt/slides/slide34.xml><?xml version="1.0" encoding="utf-8"?>
 <p:sld xmlns:a="http://schemas.openxmlformats.org/drawingml/2006/main" xmlns:r="http://schemas.openxmlformats.org/officeDocument/2006/relationships" xmlns:p="http://schemas.openxmlformats.org/presentationml/2006/main">
   <p:cSld>
     <p:spTree>
@@ -27527,7 +26917,7 @@
 </p:sld>
 </file>
 
-<file path=ppt/slides/slide36.xml><?xml version="1.0" encoding="utf-8"?>
+<file path=ppt/slides/slide35.xml><?xml version="1.0" encoding="utf-8"?>
 <p:sld xmlns:a="http://schemas.openxmlformats.org/drawingml/2006/main" xmlns:r="http://schemas.openxmlformats.org/officeDocument/2006/relationships" xmlns:p="http://schemas.openxmlformats.org/presentationml/2006/main">
   <p:cSld>
     <p:spTree>
@@ -30026,8 +29416,16 @@
             <a:p>
               <a:pPr algn="l"/>
               <a:r>
+                <a:rPr lang="en-US" altLang="ko-KR" i="0" dirty="0" smtClean="0"/>
+                <a:t>One of the fastest growing </a:t>
+              </a:r>
+              <a:r>
+                <a:rPr lang="en-US" altLang="ko-KR" i="0" dirty="0" smtClean="0"/>
+                <a:t>jobs </a:t>
+              </a:r>
+              <a:r>
                 <a:rPr lang="en-US" altLang="ko-KR" i="0" dirty="0"/>
-                <a:t>The sexiest job of the 21</a:t>
+                <a:t>of the 21</a:t>
               </a:r>
               <a:r>
                 <a:rPr lang="en-US" altLang="ko-KR" i="0" baseline="30000" dirty="0"/>
@@ -30068,9 +29466,10 @@
               <a:buChar char="§"/>
             </a:pPr>
             <a:r>
-              <a:rPr lang="en-US" dirty="0"/>
-              <a:t>Median salary of a junior level data scientist is $91K</a:t>
-            </a:r>
+              <a:rPr lang="en-US" dirty="0" smtClean="0"/>
+              <a:t>High Median salaries</a:t>
+            </a:r>
+            <a:endParaRPr lang="en-US" dirty="0"/>
           </a:p>
           <a:p>
             <a:pPr>
@@ -30138,7 +29537,7 @@
       </p:grpSpPr>
       <p:sp>
         <p:nvSpPr>
-          <p:cNvPr id="2" name="Title 1"/>
+          <p:cNvPr id="5" name="Title 4"/>
           <p:cNvSpPr>
             <a:spLocks noGrp="1"/>
           </p:cNvSpPr>
@@ -30148,40 +29547,134 @@
         </p:nvSpPr>
         <p:spPr/>
         <p:txBody>
-          <a:bodyPr/>
+          <a:bodyPr>
+            <a:normAutofit/>
+          </a:bodyPr>
           <a:lstStyle/>
           <a:p>
             <a:r>
+              <a:rPr lang="en-US" sz="4000" dirty="0"/>
+              <a:t>Basic Steps to Data Science</a:t>
+            </a:r>
+          </a:p>
+        </p:txBody>
+      </p:sp>
+      <p:sp>
+        <p:nvSpPr>
+          <p:cNvPr id="10" name="Content Placeholder 9"/>
+          <p:cNvSpPr>
+            <a:spLocks noGrp="1"/>
+          </p:cNvSpPr>
+          <p:nvPr>
+            <p:ph idx="1"/>
+          </p:nvPr>
+        </p:nvSpPr>
+        <p:spPr>
+          <a:xfrm>
+            <a:off x="838200" y="2954215"/>
+            <a:ext cx="7168662" cy="3587262"/>
+          </a:xfrm>
+        </p:spPr>
+        <p:txBody>
+          <a:bodyPr>
+            <a:normAutofit lnSpcReduction="10000"/>
+          </a:bodyPr>
+          <a:lstStyle/>
+          <a:p>
+            <a:pPr marL="514350" indent="-514350">
+              <a:buAutoNum type="arabicPeriod"/>
+            </a:pPr>
+            <a:r>
               <a:rPr lang="en-US" dirty="0"/>
-              <a:t>A Tale of Two Cities</a:t>
-            </a:r>
+              <a:t>Find the data</a:t>
+            </a:r>
+          </a:p>
+          <a:p>
+            <a:pPr marL="514350" indent="-514350">
+              <a:buAutoNum type="arabicPeriod"/>
+            </a:pPr>
+            <a:r>
+              <a:rPr lang="en-US" dirty="0"/>
+              <a:t>Extract and acquire the data</a:t>
+            </a:r>
+          </a:p>
+          <a:p>
+            <a:pPr marL="514350" indent="-514350">
+              <a:buAutoNum type="arabicPeriod"/>
+            </a:pPr>
+            <a:r>
+              <a:rPr lang="en-US" dirty="0"/>
+              <a:t>Clean and transform the data</a:t>
+            </a:r>
+          </a:p>
+          <a:p>
+            <a:pPr marL="514350" indent="-514350">
+              <a:buAutoNum type="arabicPeriod"/>
+            </a:pPr>
+            <a:r>
+              <a:rPr lang="en-US" dirty="0"/>
+              <a:t>Understand the relationships in the data and build a model</a:t>
+            </a:r>
+          </a:p>
+          <a:p>
+            <a:pPr marL="514350" indent="-514350">
+              <a:buAutoNum type="arabicPeriod"/>
+            </a:pPr>
+            <a:r>
+              <a:rPr lang="en-US" dirty="0"/>
+              <a:t>Data mining</a:t>
+            </a:r>
+          </a:p>
+          <a:p>
+            <a:pPr marL="514350" indent="-514350">
+              <a:buAutoNum type="arabicPeriod"/>
+            </a:pPr>
+            <a:r>
+              <a:rPr lang="en-US" dirty="0"/>
+              <a:t>Evaluate and refine the model</a:t>
+            </a:r>
+          </a:p>
+          <a:p>
+            <a:pPr marL="514350" indent="-514350">
+              <a:buAutoNum type="arabicPeriod"/>
+            </a:pPr>
+            <a:r>
+              <a:rPr lang="en-US" dirty="0"/>
+              <a:t>Communicate the results</a:t>
+            </a:r>
+          </a:p>
+          <a:p>
+            <a:pPr marL="514350" indent="-514350">
+              <a:buAutoNum type="arabicPeriod"/>
+            </a:pPr>
+            <a:endParaRPr lang="en-US" dirty="0"/>
           </a:p>
         </p:txBody>
       </p:sp>
       <p:grpSp>
         <p:nvGrpSpPr>
-          <p:cNvPr id="4" name="Group 3"/>
+          <p:cNvPr id="2" name="Group 1"/>
           <p:cNvGrpSpPr/>
           <p:nvPr/>
         </p:nvGrpSpPr>
         <p:grpSpPr>
           <a:xfrm>
-            <a:off x="0" y="1690688"/>
-            <a:ext cx="12192000" cy="832912"/>
-            <a:chOff x="0" y="1950629"/>
-            <a:chExt cx="12192000" cy="832912"/>
+            <a:off x="0" y="1603233"/>
+            <a:ext cx="12192000" cy="1007822"/>
+            <a:chOff x="0" y="1863174"/>
+            <a:chExt cx="12192000" cy="1007822"/>
           </a:xfrm>
         </p:grpSpPr>
         <p:sp>
           <p:nvSpPr>
-            <p:cNvPr id="5" name="Rectangle 4"/>
+            <p:cNvPr id="7" name="Rectangle 6"/>
             <p:cNvSpPr/>
             <p:nvPr/>
           </p:nvSpPr>
           <p:spPr>
             <a:xfrm>
-              <a:off x="0" y="1950630"/>
-              <a:ext cx="12192000" cy="832911"/>
+              <a:off x="0" y="1863174"/>
+              <a:ext cx="12192000" cy="1007822"/>
             </a:xfrm>
             <a:prstGeom prst="rect">
               <a:avLst/>
@@ -30233,7 +29726,7 @@
         </p:sp>
         <p:sp>
           <p:nvSpPr>
-            <p:cNvPr id="6" name="Content Placeholder 2"/>
+            <p:cNvPr id="9" name="Content Placeholder 2"/>
             <p:cNvSpPr txBox="1">
               <a:spLocks/>
             </p:cNvSpPr>
@@ -30241,8 +29734,8 @@
           </p:nvSpPr>
           <p:spPr>
             <a:xfrm>
-              <a:off x="838200" y="1950629"/>
-              <a:ext cx="9969500" cy="832911"/>
+              <a:off x="1384300" y="1950629"/>
+              <a:ext cx="9423400" cy="832911"/>
             </a:xfrm>
             <a:prstGeom prst="rect">
               <a:avLst/>
@@ -30415,70 +29908,18 @@
               </a:lvl9pPr>
             </a:lstStyle>
             <a:p>
-              <a:pPr algn="l"/>
               <a:r>
                 <a:rPr lang="en-US" altLang="ko-KR" i="0" dirty="0"/>
-                <a:t>It was the best of times, it was the worst of times</a:t>
+                <a:t>Extracting value from large amounts of data is the challenge of data science</a:t>
               </a:r>
             </a:p>
           </p:txBody>
         </p:sp>
       </p:grpSp>
-      <p:sp>
-        <p:nvSpPr>
-          <p:cNvPr id="7" name="Content Placeholder 9"/>
-          <p:cNvSpPr>
-            <a:spLocks noGrp="1"/>
-          </p:cNvSpPr>
-          <p:nvPr>
-            <p:ph idx="1"/>
-          </p:nvPr>
-        </p:nvSpPr>
-        <p:spPr>
-          <a:xfrm>
-            <a:off x="838200" y="2986872"/>
-            <a:ext cx="10515600" cy="3587262"/>
-          </a:xfrm>
-        </p:spPr>
-        <p:txBody>
-          <a:bodyPr>
-            <a:normAutofit/>
-          </a:bodyPr>
-          <a:lstStyle/>
-          <a:p>
-            <a:pPr>
-              <a:buFont typeface="Wingdings" panose="05000000000000000000" pitchFamily="2" charset="2"/>
-              <a:buChar char="§"/>
-            </a:pPr>
-            <a:r>
-              <a:rPr lang="en-US" dirty="0"/>
-              <a:t>Data </a:t>
-            </a:r>
-            <a:r>
-              <a:rPr lang="en-US" dirty="0" smtClean="0"/>
-              <a:t>scientists </a:t>
-            </a:r>
-            <a:r>
-              <a:rPr lang="en-US" dirty="0"/>
-              <a:t>automated and unemployed by 2025</a:t>
-            </a:r>
-          </a:p>
-          <a:p>
-            <a:pPr>
-              <a:buFont typeface="Wingdings" panose="05000000000000000000" pitchFamily="2" charset="2"/>
-              <a:buChar char="§"/>
-            </a:pPr>
-            <a:r>
-              <a:rPr lang="en-US" dirty="0"/>
-              <a:t>Automated predictive analytics</a:t>
-            </a:r>
-          </a:p>
-        </p:txBody>
-      </p:sp>
     </p:spTree>
     <p:extLst>
       <p:ext uri="{BB962C8B-B14F-4D97-AF65-F5344CB8AC3E}">
-        <p14:creationId xmlns:p14="http://schemas.microsoft.com/office/powerpoint/2010/main" val="1593503172"/>
+        <p14:creationId xmlns:p14="http://schemas.microsoft.com/office/powerpoint/2010/main" val="1545890125"/>
       </p:ext>
     </p:extLst>
   </p:cSld>
@@ -30758,7 +30199,7 @@
   <a:extraClrSchemeLst/>
   <a:extLst>
     <a:ext uri="{05A4C25C-085E-4340-85A3-A5531E510DB2}">
-      <thm15:themeFamily xmlns="" xmlns:thm15="http://schemas.microsoft.com/office/thememl/2012/main" name="Office Theme" id="{62F939B6-93AF-4DB8-9C6B-D6C7DFDC589F}" vid="{4A3C46E8-61CC-4603-A589-7422A47A8E4A}"/>
+      <thm15:themeFamily xmlns:thm15="http://schemas.microsoft.com/office/thememl/2012/main" xmlns="" name="Office Theme" id="{62F939B6-93AF-4DB8-9C6B-D6C7DFDC589F}" vid="{4A3C46E8-61CC-4603-A589-7422A47A8E4A}"/>
     </a:ext>
   </a:extLst>
 </a:theme>
@@ -31053,7 +30494,7 @@
   <a:extraClrSchemeLst/>
   <a:extLst>
     <a:ext uri="{05A4C25C-085E-4340-85A3-A5531E510DB2}">
-      <thm15:themeFamily xmlns="" xmlns:thm15="http://schemas.microsoft.com/office/thememl/2012/main" name="Office Theme" id="{62F939B6-93AF-4DB8-9C6B-D6C7DFDC589F}" vid="{4A3C46E8-61CC-4603-A589-7422A47A8E4A}"/>
+      <thm15:themeFamily xmlns:thm15="http://schemas.microsoft.com/office/thememl/2012/main" xmlns="" name="Office Theme" id="{62F939B6-93AF-4DB8-9C6B-D6C7DFDC589F}" vid="{4A3C46E8-61CC-4603-A589-7422A47A8E4A}"/>
     </a:ext>
   </a:extLst>
 </a:theme>
